--- a/docs/kubevirt.pptx
+++ b/docs/kubevirt.pptx
@@ -208,7 +208,7 @@
           <a:p>
             <a:fld id="{300272A7-F9A6-4ADB-B661-7DBAAAFB8538}" type="datetimeFigureOut">
               <a:rPr lang="zh-CN" altLang="en-US" smtClean="0"/>
-              <a:t>2019/5/3</a:t>
+              <a:t>2019/5/4</a:t>
             </a:fld>
             <a:endParaRPr lang="zh-CN" altLang="en-US"/>
           </a:p>
@@ -713,7 +713,7 @@
           <a:p>
             <a:fld id="{BE9EE6CF-13F7-4B5A-A653-432FA71A7777}" type="datetimeFigureOut">
               <a:rPr lang="zh-CN" altLang="en-US" smtClean="0"/>
-              <a:t>2019/5/3</a:t>
+              <a:t>2019/5/4</a:t>
             </a:fld>
             <a:endParaRPr lang="zh-CN" altLang="en-US"/>
           </a:p>
@@ -881,7 +881,7 @@
           <a:p>
             <a:fld id="{BE9EE6CF-13F7-4B5A-A653-432FA71A7777}" type="datetimeFigureOut">
               <a:rPr lang="zh-CN" altLang="en-US" smtClean="0"/>
-              <a:t>2019/5/3</a:t>
+              <a:t>2019/5/4</a:t>
             </a:fld>
             <a:endParaRPr lang="zh-CN" altLang="en-US"/>
           </a:p>
@@ -1059,7 +1059,7 @@
           <a:p>
             <a:fld id="{BE9EE6CF-13F7-4B5A-A653-432FA71A7777}" type="datetimeFigureOut">
               <a:rPr lang="zh-CN" altLang="en-US" smtClean="0"/>
-              <a:t>2019/5/3</a:t>
+              <a:t>2019/5/4</a:t>
             </a:fld>
             <a:endParaRPr lang="zh-CN" altLang="en-US"/>
           </a:p>
@@ -1227,7 +1227,7 @@
           <a:p>
             <a:fld id="{BE9EE6CF-13F7-4B5A-A653-432FA71A7777}" type="datetimeFigureOut">
               <a:rPr lang="zh-CN" altLang="en-US" smtClean="0"/>
-              <a:t>2019/5/3</a:t>
+              <a:t>2019/5/4</a:t>
             </a:fld>
             <a:endParaRPr lang="zh-CN" altLang="en-US"/>
           </a:p>
@@ -1472,7 +1472,7 @@
           <a:p>
             <a:fld id="{BE9EE6CF-13F7-4B5A-A653-432FA71A7777}" type="datetimeFigureOut">
               <a:rPr lang="zh-CN" altLang="en-US" smtClean="0"/>
-              <a:t>2019/5/3</a:t>
+              <a:t>2019/5/4</a:t>
             </a:fld>
             <a:endParaRPr lang="zh-CN" altLang="en-US"/>
           </a:p>
@@ -1701,7 +1701,7 @@
           <a:p>
             <a:fld id="{BE9EE6CF-13F7-4B5A-A653-432FA71A7777}" type="datetimeFigureOut">
               <a:rPr lang="zh-CN" altLang="en-US" smtClean="0"/>
-              <a:t>2019/5/3</a:t>
+              <a:t>2019/5/4</a:t>
             </a:fld>
             <a:endParaRPr lang="zh-CN" altLang="en-US"/>
           </a:p>
@@ -2065,7 +2065,7 @@
           <a:p>
             <a:fld id="{BE9EE6CF-13F7-4B5A-A653-432FA71A7777}" type="datetimeFigureOut">
               <a:rPr lang="zh-CN" altLang="en-US" smtClean="0"/>
-              <a:t>2019/5/3</a:t>
+              <a:t>2019/5/4</a:t>
             </a:fld>
             <a:endParaRPr lang="zh-CN" altLang="en-US"/>
           </a:p>
@@ -2182,7 +2182,7 @@
           <a:p>
             <a:fld id="{BE9EE6CF-13F7-4B5A-A653-432FA71A7777}" type="datetimeFigureOut">
               <a:rPr lang="zh-CN" altLang="en-US" smtClean="0"/>
-              <a:t>2019/5/3</a:t>
+              <a:t>2019/5/4</a:t>
             </a:fld>
             <a:endParaRPr lang="zh-CN" altLang="en-US"/>
           </a:p>
@@ -2277,7 +2277,7 @@
           <a:p>
             <a:fld id="{BE9EE6CF-13F7-4B5A-A653-432FA71A7777}" type="datetimeFigureOut">
               <a:rPr lang="zh-CN" altLang="en-US" smtClean="0"/>
-              <a:t>2019/5/3</a:t>
+              <a:t>2019/5/4</a:t>
             </a:fld>
             <a:endParaRPr lang="zh-CN" altLang="en-US"/>
           </a:p>
@@ -2552,7 +2552,7 @@
           <a:p>
             <a:fld id="{BE9EE6CF-13F7-4B5A-A653-432FA71A7777}" type="datetimeFigureOut">
               <a:rPr lang="zh-CN" altLang="en-US" smtClean="0"/>
-              <a:t>2019/5/3</a:t>
+              <a:t>2019/5/4</a:t>
             </a:fld>
             <a:endParaRPr lang="zh-CN" altLang="en-US"/>
           </a:p>
@@ -2804,7 +2804,7 @@
           <a:p>
             <a:fld id="{BE9EE6CF-13F7-4B5A-A653-432FA71A7777}" type="datetimeFigureOut">
               <a:rPr lang="zh-CN" altLang="en-US" smtClean="0"/>
-              <a:t>2019/5/3</a:t>
+              <a:t>2019/5/4</a:t>
             </a:fld>
             <a:endParaRPr lang="zh-CN" altLang="en-US"/>
           </a:p>
@@ -3015,7 +3015,7 @@
           <a:p>
             <a:fld id="{BE9EE6CF-13F7-4B5A-A653-432FA71A7777}" type="datetimeFigureOut">
               <a:rPr lang="zh-CN" altLang="en-US" smtClean="0"/>
-              <a:t>2019/5/3</a:t>
+              <a:t>2019/5/4</a:t>
             </a:fld>
             <a:endParaRPr lang="zh-CN" altLang="en-US"/>
           </a:p>
@@ -3422,84 +3422,6 @@
       </p:grpSpPr>
       <p:sp>
         <p:nvSpPr>
-          <p:cNvPr id="4" name="AutoShape 4" descr="http://img0.imgtn.bdimg.com/it/u=714598629,3872240263&amp;fm=21&amp;gp=0.jpg"/>
-          <p:cNvSpPr>
-            <a:spLocks noChangeAspect="1" noChangeArrowheads="1"/>
-          </p:cNvSpPr>
-          <p:nvPr/>
-        </p:nvSpPr>
-        <p:spPr bwMode="auto">
-          <a:xfrm>
-            <a:off x="155575" y="-144463"/>
-            <a:ext cx="304800" cy="304801"/>
-          </a:xfrm>
-          <a:prstGeom prst="rect">
-            <a:avLst/>
-          </a:prstGeom>
-          <a:noFill/>
-          <a:extLst>
-            <a:ext uri="{909E8E84-426E-40DD-AFC4-6F175D3DCCD1}">
-              <a14:hiddenFill xmlns:a14="http://schemas.microsoft.com/office/drawing/2010/main">
-                <a:solidFill>
-                  <a:srgbClr val="FFFFFF"/>
-                </a:solidFill>
-              </a14:hiddenFill>
-            </a:ext>
-          </a:extLst>
-        </p:spPr>
-        <p:txBody>
-          <a:bodyPr vert="horz" wrap="square" lIns="91440" tIns="45720" rIns="91440" bIns="45720" numCol="1" anchor="t" anchorCtr="0" compatLnSpc="1">
-            <a:prstTxWarp prst="textNoShape">
-              <a:avLst/>
-            </a:prstTxWarp>
-          </a:bodyPr>
-          <a:lstStyle/>
-          <a:p>
-            <a:endParaRPr lang="zh-CN" altLang="en-US"/>
-          </a:p>
-        </p:txBody>
-      </p:sp>
-      <p:sp>
-        <p:nvSpPr>
-          <p:cNvPr id="3" name="AutoShape 6" descr="https://www.cisco.com/c/dam/m/digital/elq-cmcglobal/witb/1614425/1614425-gartner-report-thumbnail.png"/>
-          <p:cNvSpPr>
-            <a:spLocks noChangeAspect="1" noChangeArrowheads="1"/>
-          </p:cNvSpPr>
-          <p:nvPr/>
-        </p:nvSpPr>
-        <p:spPr bwMode="auto">
-          <a:xfrm>
-            <a:off x="307975" y="7937"/>
-            <a:ext cx="304800" cy="304801"/>
-          </a:xfrm>
-          <a:prstGeom prst="rect">
-            <a:avLst/>
-          </a:prstGeom>
-          <a:noFill/>
-          <a:extLst>
-            <a:ext uri="{909E8E84-426E-40DD-AFC4-6F175D3DCCD1}">
-              <a14:hiddenFill xmlns:a14="http://schemas.microsoft.com/office/drawing/2010/main">
-                <a:solidFill>
-                  <a:srgbClr val="FFFFFF"/>
-                </a:solidFill>
-              </a14:hiddenFill>
-            </a:ext>
-          </a:extLst>
-        </p:spPr>
-        <p:txBody>
-          <a:bodyPr vert="horz" wrap="square" lIns="91440" tIns="45720" rIns="91440" bIns="45720" numCol="1" anchor="t" anchorCtr="0" compatLnSpc="1">
-            <a:prstTxWarp prst="textNoShape">
-              <a:avLst/>
-            </a:prstTxWarp>
-          </a:bodyPr>
-          <a:lstStyle/>
-          <a:p>
-            <a:endParaRPr lang="zh-CN" altLang="en-US"/>
-          </a:p>
-        </p:txBody>
-      </p:sp>
-      <p:sp>
-        <p:nvSpPr>
           <p:cNvPr id="91" name="标题 1"/>
           <p:cNvSpPr>
             <a:spLocks noGrp="1"/>
@@ -3538,107 +3460,108 @@
           </a:p>
         </p:txBody>
       </p:sp>
-      <p:sp>
-        <p:nvSpPr>
-          <p:cNvPr id="16" name="矩形 15"/>
-          <p:cNvSpPr/>
-          <p:nvPr/>
-        </p:nvSpPr>
-        <p:spPr>
-          <a:xfrm>
-            <a:off x="722313" y="4247648"/>
-            <a:ext cx="1340951" cy="1444953"/>
-          </a:xfrm>
-          <a:prstGeom prst="rect">
-            <a:avLst/>
-          </a:prstGeom>
-          <a:solidFill>
-            <a:schemeClr val="bg1"/>
-          </a:solidFill>
-          <a:ln w="28575">
-            <a:solidFill>
-              <a:schemeClr val="tx1"/>
-            </a:solidFill>
-          </a:ln>
-        </p:spPr>
-        <p:style>
-          <a:lnRef idx="2">
-            <a:schemeClr val="accent1">
-              <a:shade val="50000"/>
-            </a:schemeClr>
-          </a:lnRef>
-          <a:fillRef idx="1">
-            <a:schemeClr val="accent1"/>
-          </a:fillRef>
-          <a:effectRef idx="0">
-            <a:schemeClr val="accent1"/>
-          </a:effectRef>
-          <a:fontRef idx="minor">
-            <a:schemeClr val="lt1"/>
-          </a:fontRef>
-        </p:style>
-        <p:txBody>
-          <a:bodyPr rtlCol="0" anchor="ctr"/>
-          <a:lstStyle/>
-          <a:p>
-            <a:pPr algn="ctr"/>
-            <a:r>
-              <a:rPr lang="en-US" altLang="zh-CN" dirty="0" smtClean="0">
-                <a:solidFill>
-                  <a:schemeClr val="tx1"/>
-                </a:solidFill>
-                <a:latin typeface="Times New Roman" panose="02020603050405020304" pitchFamily="18" charset="0"/>
-                <a:cs typeface="Times New Roman" panose="02020603050405020304" pitchFamily="18" charset="0"/>
-              </a:rPr>
-              <a:t>Client</a:t>
-            </a:r>
-          </a:p>
-          <a:p>
-            <a:pPr algn="ctr"/>
-            <a:r>
-              <a:rPr lang="en-US" altLang="zh-CN" dirty="0" smtClean="0">
-                <a:solidFill>
-                  <a:schemeClr val="tx1"/>
-                </a:solidFill>
-                <a:latin typeface="Times New Roman" panose="02020603050405020304" pitchFamily="18" charset="0"/>
-                <a:cs typeface="Times New Roman" panose="02020603050405020304" pitchFamily="18" charset="0"/>
-              </a:rPr>
-              <a:t>Request</a:t>
-            </a:r>
-            <a:endParaRPr lang="zh-CN" altLang="en-US" dirty="0">
-              <a:solidFill>
-                <a:schemeClr val="tx1"/>
-              </a:solidFill>
-              <a:latin typeface="Times New Roman" panose="02020603050405020304" pitchFamily="18" charset="0"/>
-              <a:cs typeface="Times New Roman" panose="02020603050405020304" pitchFamily="18" charset="0"/>
-            </a:endParaRPr>
-          </a:p>
-        </p:txBody>
-      </p:sp>
       <p:grpSp>
         <p:nvGrpSpPr>
-          <p:cNvPr id="31" name="组合 30"/>
+          <p:cNvPr id="9" name="组合 8"/>
           <p:cNvGrpSpPr/>
           <p:nvPr/>
         </p:nvGrpSpPr>
         <p:grpSpPr>
           <a:xfrm>
-            <a:off x="3136126" y="3632827"/>
-            <a:ext cx="1903266" cy="2320000"/>
-            <a:chOff x="7981263" y="2587142"/>
-            <a:chExt cx="1903266" cy="2320000"/>
+            <a:off x="-22225" y="-665163"/>
+            <a:ext cx="10752454" cy="6382623"/>
+            <a:chOff x="155575" y="-144463"/>
+            <a:chExt cx="10752454" cy="6382623"/>
           </a:xfrm>
         </p:grpSpPr>
         <p:sp>
           <p:nvSpPr>
-            <p:cNvPr id="32" name="矩形 31"/>
+            <p:cNvPr id="4" name="AutoShape 4" descr="http://img0.imgtn.bdimg.com/it/u=714598629,3872240263&amp;fm=21&amp;gp=0.jpg"/>
+            <p:cNvSpPr>
+              <a:spLocks noChangeAspect="1" noChangeArrowheads="1"/>
+            </p:cNvSpPr>
+            <p:nvPr/>
+          </p:nvSpPr>
+          <p:spPr bwMode="auto">
+            <a:xfrm>
+              <a:off x="155575" y="-144463"/>
+              <a:ext cx="304800" cy="304801"/>
+            </a:xfrm>
+            <a:prstGeom prst="rect">
+              <a:avLst/>
+            </a:prstGeom>
+            <a:noFill/>
+            <a:extLst>
+              <a:ext uri="{909E8E84-426E-40DD-AFC4-6F175D3DCCD1}">
+                <a14:hiddenFill xmlns:a14="http://schemas.microsoft.com/office/drawing/2010/main">
+                  <a:solidFill>
+                    <a:srgbClr val="FFFFFF"/>
+                  </a:solidFill>
+                </a14:hiddenFill>
+              </a:ext>
+            </a:extLst>
+          </p:spPr>
+          <p:txBody>
+            <a:bodyPr vert="horz" wrap="square" lIns="91440" tIns="45720" rIns="91440" bIns="45720" numCol="1" anchor="t" anchorCtr="0" compatLnSpc="1">
+              <a:prstTxWarp prst="textNoShape">
+                <a:avLst/>
+              </a:prstTxWarp>
+            </a:bodyPr>
+            <a:lstStyle/>
+            <a:p>
+              <a:endParaRPr lang="zh-CN" altLang="en-US"/>
+            </a:p>
+          </p:txBody>
+        </p:sp>
+        <p:sp>
+          <p:nvSpPr>
+            <p:cNvPr id="3" name="AutoShape 6" descr="https://www.cisco.com/c/dam/m/digital/elq-cmcglobal/witb/1614425/1614425-gartner-report-thumbnail.png"/>
+            <p:cNvSpPr>
+              <a:spLocks noChangeAspect="1" noChangeArrowheads="1"/>
+            </p:cNvSpPr>
+            <p:nvPr/>
+          </p:nvSpPr>
+          <p:spPr bwMode="auto">
+            <a:xfrm>
+              <a:off x="307975" y="7937"/>
+              <a:ext cx="304800" cy="304801"/>
+            </a:xfrm>
+            <a:prstGeom prst="rect">
+              <a:avLst/>
+            </a:prstGeom>
+            <a:noFill/>
+            <a:extLst>
+              <a:ext uri="{909E8E84-426E-40DD-AFC4-6F175D3DCCD1}">
+                <a14:hiddenFill xmlns:a14="http://schemas.microsoft.com/office/drawing/2010/main">
+                  <a:solidFill>
+                    <a:srgbClr val="FFFFFF"/>
+                  </a:solidFill>
+                </a14:hiddenFill>
+              </a:ext>
+            </a:extLst>
+          </p:spPr>
+          <p:txBody>
+            <a:bodyPr vert="horz" wrap="square" lIns="91440" tIns="45720" rIns="91440" bIns="45720" numCol="1" anchor="t" anchorCtr="0" compatLnSpc="1">
+              <a:prstTxWarp prst="textNoShape">
+                <a:avLst/>
+              </a:prstTxWarp>
+            </a:bodyPr>
+            <a:lstStyle/>
+            <a:p>
+              <a:endParaRPr lang="zh-CN" altLang="en-US"/>
+            </a:p>
+          </p:txBody>
+        </p:sp>
+        <p:sp>
+          <p:nvSpPr>
+            <p:cNvPr id="16" name="矩形 15"/>
             <p:cNvSpPr/>
             <p:nvPr/>
           </p:nvSpPr>
           <p:spPr>
             <a:xfrm>
-              <a:off x="7981263" y="2587142"/>
-              <a:ext cx="1903266" cy="2320000"/>
+              <a:off x="722313" y="4247648"/>
+              <a:ext cx="1340951" cy="1444953"/>
             </a:xfrm>
             <a:prstGeom prst="rect">
               <a:avLst/>
@@ -3646,7 +3569,7 @@
             <a:solidFill>
               <a:schemeClr val="bg1"/>
             </a:solidFill>
-            <a:ln w="38100">
+            <a:ln w="28575">
               <a:solidFill>
                 <a:schemeClr val="tx1"/>
               </a:solidFill>
@@ -3673,6 +3596,29 @@
             <a:lstStyle/>
             <a:p>
               <a:pPr algn="ctr"/>
+              <a:r>
+                <a:rPr lang="en-US" altLang="zh-CN" dirty="0" smtClean="0">
+                  <a:solidFill>
+                    <a:schemeClr val="tx1"/>
+                  </a:solidFill>
+                  <a:latin typeface="Times New Roman" panose="02020603050405020304" pitchFamily="18" charset="0"/>
+                  <a:cs typeface="Times New Roman" panose="02020603050405020304" pitchFamily="18" charset="0"/>
+                </a:rPr>
+                <a:t>Client</a:t>
+              </a:r>
+            </a:p>
+            <a:p>
+              <a:pPr algn="ctr"/>
+              <a:r>
+                <a:rPr lang="en-US" altLang="zh-CN" dirty="0" smtClean="0">
+                  <a:solidFill>
+                    <a:schemeClr val="tx1"/>
+                  </a:solidFill>
+                  <a:latin typeface="Times New Roman" panose="02020603050405020304" pitchFamily="18" charset="0"/>
+                  <a:cs typeface="Times New Roman" panose="02020603050405020304" pitchFamily="18" charset="0"/>
+                </a:rPr>
+                <a:t>Request</a:t>
+              </a:r>
               <a:endParaRPr lang="zh-CN" altLang="en-US" dirty="0">
                 <a:solidFill>
                   <a:schemeClr val="tx1"/>
@@ -3683,1132 +3629,30 @@
             </a:p>
           </p:txBody>
         </p:sp>
-        <p:sp>
-          <p:nvSpPr>
-            <p:cNvPr id="33" name="任意多边形 32"/>
-            <p:cNvSpPr/>
-            <p:nvPr/>
-          </p:nvSpPr>
-          <p:spPr>
-            <a:xfrm>
-              <a:off x="8425902" y="3176338"/>
-              <a:ext cx="269508" cy="385010"/>
-            </a:xfrm>
-            <a:custGeom>
-              <a:avLst/>
-              <a:gdLst>
-                <a:gd name="connsiteX0" fmla="*/ 0 w 269508"/>
-                <a:gd name="connsiteY0" fmla="*/ 0 h 385010"/>
-                <a:gd name="connsiteX1" fmla="*/ 96253 w 269508"/>
-                <a:gd name="connsiteY1" fmla="*/ 105878 h 385010"/>
-                <a:gd name="connsiteX2" fmla="*/ 211756 w 269508"/>
-                <a:gd name="connsiteY2" fmla="*/ 154004 h 385010"/>
-                <a:gd name="connsiteX3" fmla="*/ 28876 w 269508"/>
-                <a:gd name="connsiteY3" fmla="*/ 192505 h 385010"/>
-                <a:gd name="connsiteX4" fmla="*/ 182880 w 269508"/>
-                <a:gd name="connsiteY4" fmla="*/ 279132 h 385010"/>
-                <a:gd name="connsiteX5" fmla="*/ 19251 w 269508"/>
-                <a:gd name="connsiteY5" fmla="*/ 308008 h 385010"/>
-                <a:gd name="connsiteX6" fmla="*/ 269508 w 269508"/>
-                <a:gd name="connsiteY6" fmla="*/ 385010 h 385010"/>
-              </a:gdLst>
-              <a:ahLst/>
-              <a:cxnLst>
-                <a:cxn ang="0">
-                  <a:pos x="connsiteX0" y="connsiteY0"/>
-                </a:cxn>
-                <a:cxn ang="0">
-                  <a:pos x="connsiteX1" y="connsiteY1"/>
-                </a:cxn>
-                <a:cxn ang="0">
-                  <a:pos x="connsiteX2" y="connsiteY2"/>
-                </a:cxn>
-                <a:cxn ang="0">
-                  <a:pos x="connsiteX3" y="connsiteY3"/>
-                </a:cxn>
-                <a:cxn ang="0">
-                  <a:pos x="connsiteX4" y="connsiteY4"/>
-                </a:cxn>
-                <a:cxn ang="0">
-                  <a:pos x="connsiteX5" y="connsiteY5"/>
-                </a:cxn>
-                <a:cxn ang="0">
-                  <a:pos x="connsiteX6" y="connsiteY6"/>
-                </a:cxn>
-              </a:cxnLst>
-              <a:rect l="l" t="t" r="r" b="b"/>
-              <a:pathLst>
-                <a:path w="269508" h="385010">
-                  <a:moveTo>
-                    <a:pt x="0" y="0"/>
-                  </a:moveTo>
-                  <a:cubicBezTo>
-                    <a:pt x="30480" y="40105"/>
-                    <a:pt x="60960" y="80211"/>
-                    <a:pt x="96253" y="105878"/>
-                  </a:cubicBezTo>
-                  <a:cubicBezTo>
-                    <a:pt x="131546" y="131545"/>
-                    <a:pt x="222985" y="139566"/>
-                    <a:pt x="211756" y="154004"/>
-                  </a:cubicBezTo>
-                  <a:cubicBezTo>
-                    <a:pt x="200527" y="168442"/>
-                    <a:pt x="33689" y="171650"/>
-                    <a:pt x="28876" y="192505"/>
-                  </a:cubicBezTo>
-                  <a:cubicBezTo>
-                    <a:pt x="24063" y="213360"/>
-                    <a:pt x="184484" y="259882"/>
-                    <a:pt x="182880" y="279132"/>
-                  </a:cubicBezTo>
-                  <a:cubicBezTo>
-                    <a:pt x="181276" y="298382"/>
-                    <a:pt x="4813" y="290362"/>
-                    <a:pt x="19251" y="308008"/>
-                  </a:cubicBezTo>
-                  <a:cubicBezTo>
-                    <a:pt x="33689" y="325654"/>
-                    <a:pt x="151598" y="355332"/>
-                    <a:pt x="269508" y="385010"/>
-                  </a:cubicBezTo>
-                </a:path>
-              </a:pathLst>
-            </a:custGeom>
-            <a:noFill/>
-            <a:ln w="38100">
-              <a:solidFill>
-                <a:schemeClr val="accent2">
-                  <a:lumMod val="75000"/>
-                </a:schemeClr>
-              </a:solidFill>
-            </a:ln>
-          </p:spPr>
-          <p:style>
-            <a:lnRef idx="2">
-              <a:schemeClr val="accent1">
-                <a:shade val="50000"/>
-              </a:schemeClr>
-            </a:lnRef>
-            <a:fillRef idx="1">
-              <a:schemeClr val="accent1"/>
-            </a:fillRef>
-            <a:effectRef idx="0">
-              <a:schemeClr val="accent1"/>
-            </a:effectRef>
-            <a:fontRef idx="minor">
-              <a:schemeClr val="lt1"/>
-            </a:fontRef>
-          </p:style>
-          <p:txBody>
-            <a:bodyPr rtlCol="0" anchor="ctr"/>
-            <a:lstStyle/>
-            <a:p>
-              <a:pPr algn="ctr"/>
-              <a:endParaRPr lang="zh-CN" altLang="en-US"/>
-            </a:p>
-          </p:txBody>
-        </p:sp>
-        <p:sp>
-          <p:nvSpPr>
-            <p:cNvPr id="34" name="任意多边形 33"/>
-            <p:cNvSpPr/>
-            <p:nvPr/>
-          </p:nvSpPr>
-          <p:spPr>
-            <a:xfrm>
-              <a:off x="9155215" y="3176338"/>
-              <a:ext cx="269508" cy="385010"/>
-            </a:xfrm>
-            <a:custGeom>
-              <a:avLst/>
-              <a:gdLst>
-                <a:gd name="connsiteX0" fmla="*/ 0 w 269508"/>
-                <a:gd name="connsiteY0" fmla="*/ 0 h 385010"/>
-                <a:gd name="connsiteX1" fmla="*/ 96253 w 269508"/>
-                <a:gd name="connsiteY1" fmla="*/ 105878 h 385010"/>
-                <a:gd name="connsiteX2" fmla="*/ 211756 w 269508"/>
-                <a:gd name="connsiteY2" fmla="*/ 154004 h 385010"/>
-                <a:gd name="connsiteX3" fmla="*/ 28876 w 269508"/>
-                <a:gd name="connsiteY3" fmla="*/ 192505 h 385010"/>
-                <a:gd name="connsiteX4" fmla="*/ 182880 w 269508"/>
-                <a:gd name="connsiteY4" fmla="*/ 279132 h 385010"/>
-                <a:gd name="connsiteX5" fmla="*/ 19251 w 269508"/>
-                <a:gd name="connsiteY5" fmla="*/ 308008 h 385010"/>
-                <a:gd name="connsiteX6" fmla="*/ 269508 w 269508"/>
-                <a:gd name="connsiteY6" fmla="*/ 385010 h 385010"/>
-              </a:gdLst>
-              <a:ahLst/>
-              <a:cxnLst>
-                <a:cxn ang="0">
-                  <a:pos x="connsiteX0" y="connsiteY0"/>
-                </a:cxn>
-                <a:cxn ang="0">
-                  <a:pos x="connsiteX1" y="connsiteY1"/>
-                </a:cxn>
-                <a:cxn ang="0">
-                  <a:pos x="connsiteX2" y="connsiteY2"/>
-                </a:cxn>
-                <a:cxn ang="0">
-                  <a:pos x="connsiteX3" y="connsiteY3"/>
-                </a:cxn>
-                <a:cxn ang="0">
-                  <a:pos x="connsiteX4" y="connsiteY4"/>
-                </a:cxn>
-                <a:cxn ang="0">
-                  <a:pos x="connsiteX5" y="connsiteY5"/>
-                </a:cxn>
-                <a:cxn ang="0">
-                  <a:pos x="connsiteX6" y="connsiteY6"/>
-                </a:cxn>
-              </a:cxnLst>
-              <a:rect l="l" t="t" r="r" b="b"/>
-              <a:pathLst>
-                <a:path w="269508" h="385010">
-                  <a:moveTo>
-                    <a:pt x="0" y="0"/>
-                  </a:moveTo>
-                  <a:cubicBezTo>
-                    <a:pt x="30480" y="40105"/>
-                    <a:pt x="60960" y="80211"/>
-                    <a:pt x="96253" y="105878"/>
-                  </a:cubicBezTo>
-                  <a:cubicBezTo>
-                    <a:pt x="131546" y="131545"/>
-                    <a:pt x="222985" y="139566"/>
-                    <a:pt x="211756" y="154004"/>
-                  </a:cubicBezTo>
-                  <a:cubicBezTo>
-                    <a:pt x="200527" y="168442"/>
-                    <a:pt x="33689" y="171650"/>
-                    <a:pt x="28876" y="192505"/>
-                  </a:cubicBezTo>
-                  <a:cubicBezTo>
-                    <a:pt x="24063" y="213360"/>
-                    <a:pt x="184484" y="259882"/>
-                    <a:pt x="182880" y="279132"/>
-                  </a:cubicBezTo>
-                  <a:cubicBezTo>
-                    <a:pt x="181276" y="298382"/>
-                    <a:pt x="4813" y="290362"/>
-                    <a:pt x="19251" y="308008"/>
-                  </a:cubicBezTo>
-                  <a:cubicBezTo>
-                    <a:pt x="33689" y="325654"/>
-                    <a:pt x="151598" y="355332"/>
-                    <a:pt x="269508" y="385010"/>
-                  </a:cubicBezTo>
-                </a:path>
-              </a:pathLst>
-            </a:custGeom>
-            <a:noFill/>
-            <a:ln w="38100">
-              <a:solidFill>
-                <a:schemeClr val="accent6">
-                  <a:lumMod val="75000"/>
-                </a:schemeClr>
-              </a:solidFill>
-            </a:ln>
-          </p:spPr>
-          <p:style>
-            <a:lnRef idx="2">
-              <a:schemeClr val="accent1">
-                <a:shade val="50000"/>
-              </a:schemeClr>
-            </a:lnRef>
-            <a:fillRef idx="1">
-              <a:schemeClr val="accent1"/>
-            </a:fillRef>
-            <a:effectRef idx="0">
-              <a:schemeClr val="accent1"/>
-            </a:effectRef>
-            <a:fontRef idx="minor">
-              <a:schemeClr val="lt1"/>
-            </a:fontRef>
-          </p:style>
-          <p:txBody>
-            <a:bodyPr rtlCol="0" anchor="ctr"/>
-            <a:lstStyle/>
-            <a:p>
-              <a:pPr algn="ctr"/>
-              <a:endParaRPr lang="zh-CN" altLang="en-US"/>
-            </a:p>
-          </p:txBody>
-        </p:sp>
-        <p:sp>
-          <p:nvSpPr>
-            <p:cNvPr id="35" name="矩形 34"/>
-            <p:cNvSpPr/>
-            <p:nvPr/>
-          </p:nvSpPr>
-          <p:spPr>
-            <a:xfrm>
-              <a:off x="8294268" y="3882362"/>
-              <a:ext cx="121418" cy="567622"/>
-            </a:xfrm>
-            <a:prstGeom prst="rect">
-              <a:avLst/>
-            </a:prstGeom>
-            <a:solidFill>
-              <a:schemeClr val="accent2">
-                <a:lumMod val="75000"/>
-              </a:schemeClr>
-            </a:solidFill>
-            <a:ln>
-              <a:noFill/>
-            </a:ln>
-          </p:spPr>
-          <p:style>
-            <a:lnRef idx="2">
-              <a:schemeClr val="accent1">
-                <a:shade val="50000"/>
-              </a:schemeClr>
-            </a:lnRef>
-            <a:fillRef idx="1">
-              <a:schemeClr val="accent1"/>
-            </a:fillRef>
-            <a:effectRef idx="0">
-              <a:schemeClr val="accent1"/>
-            </a:effectRef>
-            <a:fontRef idx="minor">
-              <a:schemeClr val="lt1"/>
-            </a:fontRef>
-          </p:style>
-          <p:txBody>
-            <a:bodyPr rtlCol="0" anchor="ctr"/>
-            <a:lstStyle/>
-            <a:p>
-              <a:pPr algn="ctr"/>
-              <a:endParaRPr lang="zh-CN" altLang="en-US"/>
-            </a:p>
-          </p:txBody>
-        </p:sp>
-        <p:sp>
-          <p:nvSpPr>
-            <p:cNvPr id="36" name="矩形 35"/>
-            <p:cNvSpPr/>
-            <p:nvPr/>
-          </p:nvSpPr>
-          <p:spPr>
-            <a:xfrm>
-              <a:off x="8478105" y="3882362"/>
-              <a:ext cx="121418" cy="567622"/>
-            </a:xfrm>
-            <a:prstGeom prst="rect">
-              <a:avLst/>
-            </a:prstGeom>
-            <a:solidFill>
-              <a:schemeClr val="accent2">
-                <a:lumMod val="75000"/>
-              </a:schemeClr>
-            </a:solidFill>
-            <a:ln>
-              <a:noFill/>
-            </a:ln>
-          </p:spPr>
-          <p:style>
-            <a:lnRef idx="2">
-              <a:schemeClr val="accent1">
-                <a:shade val="50000"/>
-              </a:schemeClr>
-            </a:lnRef>
-            <a:fillRef idx="1">
-              <a:schemeClr val="accent1"/>
-            </a:fillRef>
-            <a:effectRef idx="0">
-              <a:schemeClr val="accent1"/>
-            </a:effectRef>
-            <a:fontRef idx="minor">
-              <a:schemeClr val="lt1"/>
-            </a:fontRef>
-          </p:style>
-          <p:txBody>
-            <a:bodyPr rtlCol="0" anchor="ctr"/>
-            <a:lstStyle/>
-            <a:p>
-              <a:pPr algn="ctr"/>
-              <a:endParaRPr lang="zh-CN" altLang="en-US"/>
-            </a:p>
-          </p:txBody>
-        </p:sp>
-        <p:sp>
-          <p:nvSpPr>
-            <p:cNvPr id="37" name="矩形 36"/>
-            <p:cNvSpPr/>
-            <p:nvPr/>
-          </p:nvSpPr>
-          <p:spPr>
-            <a:xfrm>
-              <a:off x="8661942" y="3882362"/>
-              <a:ext cx="121418" cy="567622"/>
-            </a:xfrm>
-            <a:prstGeom prst="rect">
-              <a:avLst/>
-            </a:prstGeom>
-            <a:solidFill>
-              <a:schemeClr val="accent2">
-                <a:lumMod val="75000"/>
-              </a:schemeClr>
-            </a:solidFill>
-            <a:ln>
-              <a:noFill/>
-            </a:ln>
-          </p:spPr>
-          <p:style>
-            <a:lnRef idx="2">
-              <a:schemeClr val="accent1">
-                <a:shade val="50000"/>
-              </a:schemeClr>
-            </a:lnRef>
-            <a:fillRef idx="1">
-              <a:schemeClr val="accent1"/>
-            </a:fillRef>
-            <a:effectRef idx="0">
-              <a:schemeClr val="accent1"/>
-            </a:effectRef>
-            <a:fontRef idx="minor">
-              <a:schemeClr val="lt1"/>
-            </a:fontRef>
-          </p:style>
-          <p:txBody>
-            <a:bodyPr rtlCol="0" anchor="ctr"/>
-            <a:lstStyle/>
-            <a:p>
-              <a:pPr algn="ctr"/>
-              <a:endParaRPr lang="zh-CN" altLang="en-US"/>
-            </a:p>
-          </p:txBody>
-        </p:sp>
-        <p:sp>
-          <p:nvSpPr>
-            <p:cNvPr id="38" name="矩形 37"/>
-            <p:cNvSpPr/>
-            <p:nvPr/>
-          </p:nvSpPr>
-          <p:spPr>
-            <a:xfrm>
-              <a:off x="9053063" y="3871130"/>
-              <a:ext cx="121418" cy="567622"/>
-            </a:xfrm>
-            <a:prstGeom prst="rect">
-              <a:avLst/>
-            </a:prstGeom>
-            <a:solidFill>
-              <a:schemeClr val="accent6">
-                <a:lumMod val="75000"/>
-              </a:schemeClr>
-            </a:solidFill>
-            <a:ln>
-              <a:noFill/>
-            </a:ln>
-          </p:spPr>
-          <p:style>
-            <a:lnRef idx="2">
-              <a:schemeClr val="accent1">
-                <a:shade val="50000"/>
-              </a:schemeClr>
-            </a:lnRef>
-            <a:fillRef idx="1">
-              <a:schemeClr val="accent1"/>
-            </a:fillRef>
-            <a:effectRef idx="0">
-              <a:schemeClr val="accent1"/>
-            </a:effectRef>
-            <a:fontRef idx="minor">
-              <a:schemeClr val="lt1"/>
-            </a:fontRef>
-          </p:style>
-          <p:txBody>
-            <a:bodyPr rtlCol="0" anchor="ctr"/>
-            <a:lstStyle/>
-            <a:p>
-              <a:pPr algn="ctr"/>
-              <a:endParaRPr lang="zh-CN" altLang="en-US"/>
-            </a:p>
-          </p:txBody>
-        </p:sp>
-        <p:sp>
-          <p:nvSpPr>
-            <p:cNvPr id="39" name="矩形 38"/>
-            <p:cNvSpPr/>
-            <p:nvPr/>
-          </p:nvSpPr>
-          <p:spPr>
-            <a:xfrm>
-              <a:off x="9236900" y="3871130"/>
-              <a:ext cx="121418" cy="567622"/>
-            </a:xfrm>
-            <a:prstGeom prst="rect">
-              <a:avLst/>
-            </a:prstGeom>
-            <a:solidFill>
-              <a:schemeClr val="accent6">
-                <a:lumMod val="75000"/>
-              </a:schemeClr>
-            </a:solidFill>
-            <a:ln>
-              <a:noFill/>
-            </a:ln>
-          </p:spPr>
-          <p:style>
-            <a:lnRef idx="2">
-              <a:schemeClr val="accent1">
-                <a:shade val="50000"/>
-              </a:schemeClr>
-            </a:lnRef>
-            <a:fillRef idx="1">
-              <a:schemeClr val="accent1"/>
-            </a:fillRef>
-            <a:effectRef idx="0">
-              <a:schemeClr val="accent1"/>
-            </a:effectRef>
-            <a:fontRef idx="minor">
-              <a:schemeClr val="lt1"/>
-            </a:fontRef>
-          </p:style>
-          <p:txBody>
-            <a:bodyPr rtlCol="0" anchor="ctr"/>
-            <a:lstStyle/>
-            <a:p>
-              <a:pPr algn="ctr"/>
-              <a:endParaRPr lang="zh-CN" altLang="en-US"/>
-            </a:p>
-          </p:txBody>
-        </p:sp>
-        <p:sp>
-          <p:nvSpPr>
-            <p:cNvPr id="40" name="矩形 39"/>
-            <p:cNvSpPr/>
-            <p:nvPr/>
-          </p:nvSpPr>
-          <p:spPr>
-            <a:xfrm>
-              <a:off x="9420737" y="3871130"/>
-              <a:ext cx="121418" cy="567622"/>
-            </a:xfrm>
-            <a:prstGeom prst="rect">
-              <a:avLst/>
-            </a:prstGeom>
-            <a:solidFill>
-              <a:schemeClr val="accent6">
-                <a:lumMod val="75000"/>
-              </a:schemeClr>
-            </a:solidFill>
-            <a:ln>
-              <a:noFill/>
-            </a:ln>
-          </p:spPr>
-          <p:style>
-            <a:lnRef idx="2">
-              <a:schemeClr val="accent1">
-                <a:shade val="50000"/>
-              </a:schemeClr>
-            </a:lnRef>
-            <a:fillRef idx="1">
-              <a:schemeClr val="accent1"/>
-            </a:fillRef>
-            <a:effectRef idx="0">
-              <a:schemeClr val="accent1"/>
-            </a:effectRef>
-            <a:fontRef idx="minor">
-              <a:schemeClr val="lt1"/>
-            </a:fontRef>
-          </p:style>
-          <p:txBody>
-            <a:bodyPr rtlCol="0" anchor="ctr"/>
-            <a:lstStyle/>
-            <a:p>
-              <a:pPr algn="ctr"/>
-              <a:endParaRPr lang="zh-CN" altLang="en-US"/>
-            </a:p>
-          </p:txBody>
-        </p:sp>
-        <p:sp>
-          <p:nvSpPr>
-            <p:cNvPr id="41" name="矩形 40"/>
-            <p:cNvSpPr/>
-            <p:nvPr/>
-          </p:nvSpPr>
-          <p:spPr>
-            <a:xfrm>
-              <a:off x="8024172" y="2719180"/>
-              <a:ext cx="1847398" cy="369332"/>
-            </a:xfrm>
-            <a:prstGeom prst="rect">
-              <a:avLst/>
-            </a:prstGeom>
-          </p:spPr>
-          <p:txBody>
-            <a:bodyPr wrap="square">
-              <a:spAutoFit/>
-            </a:bodyPr>
-            <a:lstStyle/>
-            <a:p>
-              <a:pPr algn="ctr"/>
-              <a:r>
-                <a:rPr lang="en-US" altLang="zh-CN" dirty="0" smtClean="0">
-                  <a:latin typeface="Times New Roman" panose="02020603050405020304" pitchFamily="18" charset="0"/>
-                  <a:cs typeface="Times New Roman" panose="02020603050405020304" pitchFamily="18" charset="0"/>
-                </a:rPr>
-                <a:t>Controller</a:t>
-              </a:r>
-              <a:endParaRPr lang="zh-CN" altLang="en-US" dirty="0">
-                <a:latin typeface="Times New Roman" panose="02020603050405020304" pitchFamily="18" charset="0"/>
-                <a:cs typeface="Times New Roman" panose="02020603050405020304" pitchFamily="18" charset="0"/>
-              </a:endParaRPr>
-            </a:p>
-          </p:txBody>
-        </p:sp>
-        <p:sp>
-          <p:nvSpPr>
-            <p:cNvPr id="42" name="矩形 41"/>
-            <p:cNvSpPr/>
-            <p:nvPr/>
-          </p:nvSpPr>
-          <p:spPr>
-            <a:xfrm>
-              <a:off x="8041671" y="4513651"/>
-              <a:ext cx="887050" cy="307777"/>
-            </a:xfrm>
-            <a:prstGeom prst="rect">
-              <a:avLst/>
-            </a:prstGeom>
-          </p:spPr>
-          <p:txBody>
-            <a:bodyPr wrap="square">
-              <a:spAutoFit/>
-            </a:bodyPr>
-            <a:lstStyle/>
-            <a:p>
-              <a:pPr algn="ctr"/>
-              <a:r>
-                <a:rPr lang="en-US" altLang="zh-CN" sz="1400" dirty="0" smtClean="0">
-                  <a:latin typeface="Times New Roman" panose="02020603050405020304" pitchFamily="18" charset="0"/>
-                  <a:cs typeface="Times New Roman" panose="02020603050405020304" pitchFamily="18" charset="0"/>
-                </a:rPr>
-                <a:t>VM</a:t>
-              </a:r>
-              <a:endParaRPr lang="zh-CN" altLang="en-US" dirty="0">
-                <a:latin typeface="Times New Roman" panose="02020603050405020304" pitchFamily="18" charset="0"/>
-                <a:cs typeface="Times New Roman" panose="02020603050405020304" pitchFamily="18" charset="0"/>
-              </a:endParaRPr>
-            </a:p>
-          </p:txBody>
-        </p:sp>
-        <p:sp>
-          <p:nvSpPr>
-            <p:cNvPr id="43" name="矩形 42"/>
-            <p:cNvSpPr/>
-            <p:nvPr/>
-          </p:nvSpPr>
-          <p:spPr>
-            <a:xfrm>
-              <a:off x="8846444" y="4502419"/>
-              <a:ext cx="887050" cy="307777"/>
-            </a:xfrm>
-            <a:prstGeom prst="rect">
-              <a:avLst/>
-            </a:prstGeom>
-          </p:spPr>
-          <p:txBody>
-            <a:bodyPr wrap="square">
-              <a:spAutoFit/>
-            </a:bodyPr>
-            <a:lstStyle/>
-            <a:p>
-              <a:pPr algn="ctr"/>
-              <a:r>
-                <a:rPr lang="en-US" altLang="zh-CN" sz="1400" dirty="0" smtClean="0">
-                  <a:latin typeface="Times New Roman" panose="02020603050405020304" pitchFamily="18" charset="0"/>
-                  <a:cs typeface="Times New Roman" panose="02020603050405020304" pitchFamily="18" charset="0"/>
-                </a:rPr>
-                <a:t>Container</a:t>
-              </a:r>
-              <a:endParaRPr lang="zh-CN" altLang="en-US" sz="1400" dirty="0">
-                <a:latin typeface="Times New Roman" panose="02020603050405020304" pitchFamily="18" charset="0"/>
-                <a:cs typeface="Times New Roman" panose="02020603050405020304" pitchFamily="18" charset="0"/>
-              </a:endParaRPr>
-            </a:p>
-          </p:txBody>
-        </p:sp>
-      </p:grpSp>
-      <p:grpSp>
-        <p:nvGrpSpPr>
-          <p:cNvPr id="44" name="组合 43"/>
-          <p:cNvGrpSpPr/>
-          <p:nvPr/>
-        </p:nvGrpSpPr>
-        <p:grpSpPr>
-          <a:xfrm>
-            <a:off x="5645992" y="3632827"/>
-            <a:ext cx="1847398" cy="2320000"/>
-            <a:chOff x="7615115" y="2587142"/>
-            <a:chExt cx="1847398" cy="2320000"/>
-          </a:xfrm>
-        </p:grpSpPr>
-        <p:sp>
-          <p:nvSpPr>
-            <p:cNvPr id="45" name="矩形 44"/>
-            <p:cNvSpPr/>
-            <p:nvPr/>
-          </p:nvSpPr>
-          <p:spPr>
-            <a:xfrm>
-              <a:off x="7981263" y="2587142"/>
-              <a:ext cx="1142376" cy="2320000"/>
-            </a:xfrm>
-            <a:prstGeom prst="rect">
-              <a:avLst/>
-            </a:prstGeom>
-            <a:solidFill>
-              <a:schemeClr val="bg1"/>
-            </a:solidFill>
-            <a:ln w="38100">
-              <a:solidFill>
-                <a:schemeClr val="tx1"/>
-              </a:solidFill>
-            </a:ln>
-          </p:spPr>
-          <p:style>
-            <a:lnRef idx="2">
-              <a:schemeClr val="accent1">
-                <a:shade val="50000"/>
-              </a:schemeClr>
-            </a:lnRef>
-            <a:fillRef idx="1">
-              <a:schemeClr val="accent1"/>
-            </a:fillRef>
-            <a:effectRef idx="0">
-              <a:schemeClr val="accent1"/>
-            </a:effectRef>
-            <a:fontRef idx="minor">
-              <a:schemeClr val="lt1"/>
-            </a:fontRef>
-          </p:style>
-          <p:txBody>
-            <a:bodyPr rtlCol="0" anchor="ctr"/>
-            <a:lstStyle/>
-            <a:p>
-              <a:pPr algn="ctr"/>
-              <a:endParaRPr lang="zh-CN" altLang="en-US" dirty="0">
-                <a:solidFill>
-                  <a:schemeClr val="tx1"/>
-                </a:solidFill>
-                <a:latin typeface="Times New Roman" panose="02020603050405020304" pitchFamily="18" charset="0"/>
-                <a:cs typeface="Times New Roman" panose="02020603050405020304" pitchFamily="18" charset="0"/>
-              </a:endParaRPr>
-            </a:p>
-          </p:txBody>
-        </p:sp>
-        <p:sp>
-          <p:nvSpPr>
-            <p:cNvPr id="46" name="矩形 45"/>
-            <p:cNvSpPr/>
-            <p:nvPr/>
-          </p:nvSpPr>
-          <p:spPr>
-            <a:xfrm>
-              <a:off x="8294268" y="3737982"/>
-              <a:ext cx="121418" cy="567622"/>
-            </a:xfrm>
-            <a:prstGeom prst="rect">
-              <a:avLst/>
-            </a:prstGeom>
-            <a:solidFill>
-              <a:schemeClr val="accent2">
-                <a:lumMod val="75000"/>
-              </a:schemeClr>
-            </a:solidFill>
-            <a:ln>
-              <a:noFill/>
-            </a:ln>
-          </p:spPr>
-          <p:style>
-            <a:lnRef idx="2">
-              <a:schemeClr val="accent1">
-                <a:shade val="50000"/>
-              </a:schemeClr>
-            </a:lnRef>
-            <a:fillRef idx="1">
-              <a:schemeClr val="accent1"/>
-            </a:fillRef>
-            <a:effectRef idx="0">
-              <a:schemeClr val="accent1"/>
-            </a:effectRef>
-            <a:fontRef idx="minor">
-              <a:schemeClr val="lt1"/>
-            </a:fontRef>
-          </p:style>
-          <p:txBody>
-            <a:bodyPr rtlCol="0" anchor="ctr"/>
-            <a:lstStyle/>
-            <a:p>
-              <a:pPr algn="ctr"/>
-              <a:endParaRPr lang="zh-CN" altLang="en-US"/>
-            </a:p>
-          </p:txBody>
-        </p:sp>
-        <p:sp>
-          <p:nvSpPr>
-            <p:cNvPr id="47" name="矩形 46"/>
-            <p:cNvSpPr/>
-            <p:nvPr/>
-          </p:nvSpPr>
-          <p:spPr>
-            <a:xfrm>
-              <a:off x="8478105" y="3737982"/>
-              <a:ext cx="121418" cy="567622"/>
-            </a:xfrm>
-            <a:prstGeom prst="rect">
-              <a:avLst/>
-            </a:prstGeom>
-            <a:solidFill>
-              <a:schemeClr val="accent2">
-                <a:lumMod val="75000"/>
-              </a:schemeClr>
-            </a:solidFill>
-            <a:ln>
-              <a:noFill/>
-            </a:ln>
-          </p:spPr>
-          <p:style>
-            <a:lnRef idx="2">
-              <a:schemeClr val="accent1">
-                <a:shade val="50000"/>
-              </a:schemeClr>
-            </a:lnRef>
-            <a:fillRef idx="1">
-              <a:schemeClr val="accent1"/>
-            </a:fillRef>
-            <a:effectRef idx="0">
-              <a:schemeClr val="accent1"/>
-            </a:effectRef>
-            <a:fontRef idx="minor">
-              <a:schemeClr val="lt1"/>
-            </a:fontRef>
-          </p:style>
-          <p:txBody>
-            <a:bodyPr rtlCol="0" anchor="ctr"/>
-            <a:lstStyle/>
-            <a:p>
-              <a:pPr algn="ctr"/>
-              <a:endParaRPr lang="zh-CN" altLang="en-US"/>
-            </a:p>
-          </p:txBody>
-        </p:sp>
-        <p:sp>
-          <p:nvSpPr>
-            <p:cNvPr id="48" name="矩形 47"/>
-            <p:cNvSpPr/>
-            <p:nvPr/>
-          </p:nvSpPr>
-          <p:spPr>
-            <a:xfrm>
-              <a:off x="8661942" y="3737982"/>
-              <a:ext cx="121418" cy="567622"/>
-            </a:xfrm>
-            <a:prstGeom prst="rect">
-              <a:avLst/>
-            </a:prstGeom>
-            <a:solidFill>
-              <a:schemeClr val="accent2">
-                <a:lumMod val="75000"/>
-              </a:schemeClr>
-            </a:solidFill>
-            <a:ln>
-              <a:noFill/>
-            </a:ln>
-          </p:spPr>
-          <p:style>
-            <a:lnRef idx="2">
-              <a:schemeClr val="accent1">
-                <a:shade val="50000"/>
-              </a:schemeClr>
-            </a:lnRef>
-            <a:fillRef idx="1">
-              <a:schemeClr val="accent1"/>
-            </a:fillRef>
-            <a:effectRef idx="0">
-              <a:schemeClr val="accent1"/>
-            </a:effectRef>
-            <a:fontRef idx="minor">
-              <a:schemeClr val="lt1"/>
-            </a:fontRef>
-          </p:style>
-          <p:txBody>
-            <a:bodyPr rtlCol="0" anchor="ctr"/>
-            <a:lstStyle/>
-            <a:p>
-              <a:pPr algn="ctr"/>
-              <a:endParaRPr lang="zh-CN" altLang="en-US"/>
-            </a:p>
-          </p:txBody>
-        </p:sp>
-        <p:sp>
-          <p:nvSpPr>
-            <p:cNvPr id="49" name="矩形 48"/>
-            <p:cNvSpPr/>
-            <p:nvPr/>
-          </p:nvSpPr>
-          <p:spPr>
-            <a:xfrm>
-              <a:off x="8294268" y="3131184"/>
-              <a:ext cx="121418" cy="567622"/>
-            </a:xfrm>
-            <a:prstGeom prst="rect">
-              <a:avLst/>
-            </a:prstGeom>
-            <a:solidFill>
-              <a:schemeClr val="accent6">
-                <a:lumMod val="75000"/>
-              </a:schemeClr>
-            </a:solidFill>
-            <a:ln>
-              <a:noFill/>
-            </a:ln>
-          </p:spPr>
-          <p:style>
-            <a:lnRef idx="2">
-              <a:schemeClr val="accent1">
-                <a:shade val="50000"/>
-              </a:schemeClr>
-            </a:lnRef>
-            <a:fillRef idx="1">
-              <a:schemeClr val="accent1"/>
-            </a:fillRef>
-            <a:effectRef idx="0">
-              <a:schemeClr val="accent1"/>
-            </a:effectRef>
-            <a:fontRef idx="minor">
-              <a:schemeClr val="lt1"/>
-            </a:fontRef>
-          </p:style>
-          <p:txBody>
-            <a:bodyPr rtlCol="0" anchor="ctr"/>
-            <a:lstStyle/>
-            <a:p>
-              <a:pPr algn="ctr"/>
-              <a:endParaRPr lang="zh-CN" altLang="en-US"/>
-            </a:p>
-          </p:txBody>
-        </p:sp>
-        <p:sp>
-          <p:nvSpPr>
-            <p:cNvPr id="50" name="矩形 49"/>
-            <p:cNvSpPr/>
-            <p:nvPr/>
-          </p:nvSpPr>
-          <p:spPr>
-            <a:xfrm>
-              <a:off x="8478105" y="3131184"/>
-              <a:ext cx="121418" cy="567622"/>
-            </a:xfrm>
-            <a:prstGeom prst="rect">
-              <a:avLst/>
-            </a:prstGeom>
-            <a:solidFill>
-              <a:schemeClr val="accent6">
-                <a:lumMod val="75000"/>
-              </a:schemeClr>
-            </a:solidFill>
-            <a:ln>
-              <a:noFill/>
-            </a:ln>
-          </p:spPr>
-          <p:style>
-            <a:lnRef idx="2">
-              <a:schemeClr val="accent1">
-                <a:shade val="50000"/>
-              </a:schemeClr>
-            </a:lnRef>
-            <a:fillRef idx="1">
-              <a:schemeClr val="accent1"/>
-            </a:fillRef>
-            <a:effectRef idx="0">
-              <a:schemeClr val="accent1"/>
-            </a:effectRef>
-            <a:fontRef idx="minor">
-              <a:schemeClr val="lt1"/>
-            </a:fontRef>
-          </p:style>
-          <p:txBody>
-            <a:bodyPr rtlCol="0" anchor="ctr"/>
-            <a:lstStyle/>
-            <a:p>
-              <a:pPr algn="ctr"/>
-              <a:endParaRPr lang="zh-CN" altLang="en-US"/>
-            </a:p>
-          </p:txBody>
-        </p:sp>
-        <p:sp>
-          <p:nvSpPr>
-            <p:cNvPr id="51" name="矩形 50"/>
-            <p:cNvSpPr/>
-            <p:nvPr/>
-          </p:nvSpPr>
-          <p:spPr>
-            <a:xfrm>
-              <a:off x="8661942" y="3131184"/>
-              <a:ext cx="121418" cy="567622"/>
-            </a:xfrm>
-            <a:prstGeom prst="rect">
-              <a:avLst/>
-            </a:prstGeom>
-            <a:solidFill>
-              <a:schemeClr val="accent6">
-                <a:lumMod val="75000"/>
-              </a:schemeClr>
-            </a:solidFill>
-            <a:ln>
-              <a:noFill/>
-            </a:ln>
-          </p:spPr>
-          <p:style>
-            <a:lnRef idx="2">
-              <a:schemeClr val="accent1">
-                <a:shade val="50000"/>
-              </a:schemeClr>
-            </a:lnRef>
-            <a:fillRef idx="1">
-              <a:schemeClr val="accent1"/>
-            </a:fillRef>
-            <a:effectRef idx="0">
-              <a:schemeClr val="accent1"/>
-            </a:effectRef>
-            <a:fontRef idx="minor">
-              <a:schemeClr val="lt1"/>
-            </a:fontRef>
-          </p:style>
-          <p:txBody>
-            <a:bodyPr rtlCol="0" anchor="ctr"/>
-            <a:lstStyle/>
-            <a:p>
-              <a:pPr algn="ctr"/>
-              <a:endParaRPr lang="zh-CN" altLang="en-US"/>
-            </a:p>
-          </p:txBody>
-        </p:sp>
-        <p:sp>
-          <p:nvSpPr>
-            <p:cNvPr id="52" name="矩形 51"/>
-            <p:cNvSpPr/>
-            <p:nvPr/>
-          </p:nvSpPr>
-          <p:spPr>
-            <a:xfrm>
-              <a:off x="7615115" y="2720890"/>
-              <a:ext cx="1847398" cy="369332"/>
-            </a:xfrm>
-            <a:prstGeom prst="rect">
-              <a:avLst/>
-            </a:prstGeom>
-          </p:spPr>
-          <p:txBody>
-            <a:bodyPr wrap="square">
-              <a:spAutoFit/>
-            </a:bodyPr>
-            <a:lstStyle/>
-            <a:p>
-              <a:pPr algn="ctr"/>
-              <a:r>
-                <a:rPr lang="en-US" altLang="zh-CN" dirty="0" smtClean="0">
-                  <a:latin typeface="Times New Roman" panose="02020603050405020304" pitchFamily="18" charset="0"/>
-                  <a:cs typeface="Times New Roman" panose="02020603050405020304" pitchFamily="18" charset="0"/>
-                </a:rPr>
-                <a:t>Scheduler</a:t>
-              </a:r>
-              <a:endParaRPr lang="zh-CN" altLang="en-US" dirty="0">
-                <a:latin typeface="Times New Roman" panose="02020603050405020304" pitchFamily="18" charset="0"/>
-                <a:cs typeface="Times New Roman" panose="02020603050405020304" pitchFamily="18" charset="0"/>
-              </a:endParaRPr>
-            </a:p>
-          </p:txBody>
-        </p:sp>
-        <p:sp>
-          <p:nvSpPr>
-            <p:cNvPr id="53" name="矩形 52"/>
-            <p:cNvSpPr/>
-            <p:nvPr/>
-          </p:nvSpPr>
-          <p:spPr>
-            <a:xfrm>
-              <a:off x="8079644" y="4365646"/>
-              <a:ext cx="918339" cy="523220"/>
-            </a:xfrm>
-            <a:prstGeom prst="rect">
-              <a:avLst/>
-            </a:prstGeom>
-          </p:spPr>
-          <p:txBody>
-            <a:bodyPr wrap="square">
-              <a:spAutoFit/>
-            </a:bodyPr>
-            <a:lstStyle/>
-            <a:p>
-              <a:pPr algn="ctr"/>
-              <a:r>
-                <a:rPr lang="en-US" altLang="zh-CN" sz="1400" dirty="0" smtClean="0">
-                  <a:latin typeface="Times New Roman" panose="02020603050405020304" pitchFamily="18" charset="0"/>
-                  <a:cs typeface="Times New Roman" panose="02020603050405020304" pitchFamily="18" charset="0"/>
-                </a:rPr>
-                <a:t>Multiple</a:t>
-              </a:r>
-            </a:p>
-            <a:p>
-              <a:pPr algn="ctr"/>
-              <a:r>
-                <a:rPr lang="en-US" altLang="zh-CN" sz="1400" dirty="0" smtClean="0">
-                  <a:latin typeface="Times New Roman" panose="02020603050405020304" pitchFamily="18" charset="0"/>
-                  <a:cs typeface="Times New Roman" panose="02020603050405020304" pitchFamily="18" charset="0"/>
-                </a:rPr>
-                <a:t>Queues</a:t>
-              </a:r>
-              <a:endParaRPr lang="zh-CN" altLang="en-US" dirty="0">
-                <a:latin typeface="Times New Roman" panose="02020603050405020304" pitchFamily="18" charset="0"/>
-                <a:cs typeface="Times New Roman" panose="02020603050405020304" pitchFamily="18" charset="0"/>
-              </a:endParaRPr>
-            </a:p>
-          </p:txBody>
-        </p:sp>
-      </p:grpSp>
-      <p:grpSp>
-        <p:nvGrpSpPr>
-          <p:cNvPr id="59" name="组合 58"/>
-          <p:cNvGrpSpPr/>
-          <p:nvPr/>
-        </p:nvGrpSpPr>
-        <p:grpSpPr>
-          <a:xfrm>
-            <a:off x="9004763" y="4156595"/>
-            <a:ext cx="1903266" cy="974206"/>
-            <a:chOff x="7320343" y="3659683"/>
-            <a:chExt cx="1903266" cy="974206"/>
-          </a:xfrm>
-        </p:grpSpPr>
         <p:grpSp>
           <p:nvGrpSpPr>
-            <p:cNvPr id="60" name="组合 59"/>
+            <p:cNvPr id="31" name="组合 30"/>
             <p:cNvGrpSpPr/>
             <p:nvPr/>
           </p:nvGrpSpPr>
           <p:grpSpPr>
             <a:xfrm>
-              <a:off x="7320343" y="3659683"/>
-              <a:ext cx="1903266" cy="974206"/>
+              <a:off x="3136126" y="3632827"/>
+              <a:ext cx="1903266" cy="2320000"/>
               <a:chOff x="7981263" y="2587142"/>
-              <a:chExt cx="1903266" cy="974206"/>
+              <a:chExt cx="1903266" cy="2320000"/>
             </a:xfrm>
           </p:grpSpPr>
           <p:sp>
             <p:nvSpPr>
-              <p:cNvPr id="65" name="矩形 64"/>
+              <p:cNvPr id="32" name="矩形 31"/>
               <p:cNvSpPr/>
               <p:nvPr/>
             </p:nvSpPr>
             <p:spPr>
               <a:xfrm>
                 <a:off x="7981263" y="2587142"/>
-                <a:ext cx="1903266" cy="974206"/>
+                <a:ext cx="1903266" cy="2320000"/>
               </a:xfrm>
               <a:prstGeom prst="rect">
                 <a:avLst/>
@@ -4855,13 +3699,13 @@
           </p:sp>
           <p:sp>
             <p:nvSpPr>
-              <p:cNvPr id="66" name="任意多边形 65"/>
+              <p:cNvPr id="33" name="任意多边形 32"/>
               <p:cNvSpPr/>
               <p:nvPr/>
             </p:nvSpPr>
             <p:spPr>
               <a:xfrm>
-                <a:off x="8163977" y="3088512"/>
+                <a:off x="8425902" y="3176338"/>
                 <a:ext cx="269508" cy="385010"/>
               </a:xfrm>
               <a:custGeom>
@@ -4981,13 +3825,13 @@
           </p:sp>
           <p:sp>
             <p:nvSpPr>
-              <p:cNvPr id="67" name="任意多边形 66"/>
+              <p:cNvPr id="34" name="任意多边形 33"/>
               <p:cNvSpPr/>
               <p:nvPr/>
             </p:nvSpPr>
             <p:spPr>
               <a:xfrm>
-                <a:off x="8986845" y="3088512"/>
+                <a:off x="9155215" y="3176338"/>
                 <a:ext cx="269508" cy="385010"/>
               </a:xfrm>
               <a:custGeom>
@@ -5107,13 +3951,301 @@
           </p:sp>
           <p:sp>
             <p:nvSpPr>
-              <p:cNvPr id="68" name="矩形 67"/>
+              <p:cNvPr id="35" name="矩形 34"/>
               <p:cNvSpPr/>
               <p:nvPr/>
             </p:nvSpPr>
             <p:spPr>
               <a:xfrm>
-                <a:off x="8027587" y="2701414"/>
+                <a:off x="8294268" y="3882362"/>
+                <a:ext cx="121418" cy="567622"/>
+              </a:xfrm>
+              <a:prstGeom prst="rect">
+                <a:avLst/>
+              </a:prstGeom>
+              <a:solidFill>
+                <a:schemeClr val="accent2">
+                  <a:lumMod val="75000"/>
+                </a:schemeClr>
+              </a:solidFill>
+              <a:ln>
+                <a:noFill/>
+              </a:ln>
+            </p:spPr>
+            <p:style>
+              <a:lnRef idx="2">
+                <a:schemeClr val="accent1">
+                  <a:shade val="50000"/>
+                </a:schemeClr>
+              </a:lnRef>
+              <a:fillRef idx="1">
+                <a:schemeClr val="accent1"/>
+              </a:fillRef>
+              <a:effectRef idx="0">
+                <a:schemeClr val="accent1"/>
+              </a:effectRef>
+              <a:fontRef idx="minor">
+                <a:schemeClr val="lt1"/>
+              </a:fontRef>
+            </p:style>
+            <p:txBody>
+              <a:bodyPr rtlCol="0" anchor="ctr"/>
+              <a:lstStyle/>
+              <a:p>
+                <a:pPr algn="ctr"/>
+                <a:endParaRPr lang="zh-CN" altLang="en-US"/>
+              </a:p>
+            </p:txBody>
+          </p:sp>
+          <p:sp>
+            <p:nvSpPr>
+              <p:cNvPr id="36" name="矩形 35"/>
+              <p:cNvSpPr/>
+              <p:nvPr/>
+            </p:nvSpPr>
+            <p:spPr>
+              <a:xfrm>
+                <a:off x="8478105" y="3882362"/>
+                <a:ext cx="121418" cy="567622"/>
+              </a:xfrm>
+              <a:prstGeom prst="rect">
+                <a:avLst/>
+              </a:prstGeom>
+              <a:solidFill>
+                <a:schemeClr val="accent2">
+                  <a:lumMod val="75000"/>
+                </a:schemeClr>
+              </a:solidFill>
+              <a:ln>
+                <a:noFill/>
+              </a:ln>
+            </p:spPr>
+            <p:style>
+              <a:lnRef idx="2">
+                <a:schemeClr val="accent1">
+                  <a:shade val="50000"/>
+                </a:schemeClr>
+              </a:lnRef>
+              <a:fillRef idx="1">
+                <a:schemeClr val="accent1"/>
+              </a:fillRef>
+              <a:effectRef idx="0">
+                <a:schemeClr val="accent1"/>
+              </a:effectRef>
+              <a:fontRef idx="minor">
+                <a:schemeClr val="lt1"/>
+              </a:fontRef>
+            </p:style>
+            <p:txBody>
+              <a:bodyPr rtlCol="0" anchor="ctr"/>
+              <a:lstStyle/>
+              <a:p>
+                <a:pPr algn="ctr"/>
+                <a:endParaRPr lang="zh-CN" altLang="en-US"/>
+              </a:p>
+            </p:txBody>
+          </p:sp>
+          <p:sp>
+            <p:nvSpPr>
+              <p:cNvPr id="37" name="矩形 36"/>
+              <p:cNvSpPr/>
+              <p:nvPr/>
+            </p:nvSpPr>
+            <p:spPr>
+              <a:xfrm>
+                <a:off x="8661942" y="3882362"/>
+                <a:ext cx="121418" cy="567622"/>
+              </a:xfrm>
+              <a:prstGeom prst="rect">
+                <a:avLst/>
+              </a:prstGeom>
+              <a:solidFill>
+                <a:schemeClr val="accent2">
+                  <a:lumMod val="75000"/>
+                </a:schemeClr>
+              </a:solidFill>
+              <a:ln>
+                <a:noFill/>
+              </a:ln>
+            </p:spPr>
+            <p:style>
+              <a:lnRef idx="2">
+                <a:schemeClr val="accent1">
+                  <a:shade val="50000"/>
+                </a:schemeClr>
+              </a:lnRef>
+              <a:fillRef idx="1">
+                <a:schemeClr val="accent1"/>
+              </a:fillRef>
+              <a:effectRef idx="0">
+                <a:schemeClr val="accent1"/>
+              </a:effectRef>
+              <a:fontRef idx="minor">
+                <a:schemeClr val="lt1"/>
+              </a:fontRef>
+            </p:style>
+            <p:txBody>
+              <a:bodyPr rtlCol="0" anchor="ctr"/>
+              <a:lstStyle/>
+              <a:p>
+                <a:pPr algn="ctr"/>
+                <a:endParaRPr lang="zh-CN" altLang="en-US"/>
+              </a:p>
+            </p:txBody>
+          </p:sp>
+          <p:sp>
+            <p:nvSpPr>
+              <p:cNvPr id="38" name="矩形 37"/>
+              <p:cNvSpPr/>
+              <p:nvPr/>
+            </p:nvSpPr>
+            <p:spPr>
+              <a:xfrm>
+                <a:off x="9053063" y="3871130"/>
+                <a:ext cx="121418" cy="567622"/>
+              </a:xfrm>
+              <a:prstGeom prst="rect">
+                <a:avLst/>
+              </a:prstGeom>
+              <a:solidFill>
+                <a:schemeClr val="accent6">
+                  <a:lumMod val="75000"/>
+                </a:schemeClr>
+              </a:solidFill>
+              <a:ln>
+                <a:noFill/>
+              </a:ln>
+            </p:spPr>
+            <p:style>
+              <a:lnRef idx="2">
+                <a:schemeClr val="accent1">
+                  <a:shade val="50000"/>
+                </a:schemeClr>
+              </a:lnRef>
+              <a:fillRef idx="1">
+                <a:schemeClr val="accent1"/>
+              </a:fillRef>
+              <a:effectRef idx="0">
+                <a:schemeClr val="accent1"/>
+              </a:effectRef>
+              <a:fontRef idx="minor">
+                <a:schemeClr val="lt1"/>
+              </a:fontRef>
+            </p:style>
+            <p:txBody>
+              <a:bodyPr rtlCol="0" anchor="ctr"/>
+              <a:lstStyle/>
+              <a:p>
+                <a:pPr algn="ctr"/>
+                <a:endParaRPr lang="zh-CN" altLang="en-US"/>
+              </a:p>
+            </p:txBody>
+          </p:sp>
+          <p:sp>
+            <p:nvSpPr>
+              <p:cNvPr id="39" name="矩形 38"/>
+              <p:cNvSpPr/>
+              <p:nvPr/>
+            </p:nvSpPr>
+            <p:spPr>
+              <a:xfrm>
+                <a:off x="9236900" y="3871130"/>
+                <a:ext cx="121418" cy="567622"/>
+              </a:xfrm>
+              <a:prstGeom prst="rect">
+                <a:avLst/>
+              </a:prstGeom>
+              <a:solidFill>
+                <a:schemeClr val="accent6">
+                  <a:lumMod val="75000"/>
+                </a:schemeClr>
+              </a:solidFill>
+              <a:ln>
+                <a:noFill/>
+              </a:ln>
+            </p:spPr>
+            <p:style>
+              <a:lnRef idx="2">
+                <a:schemeClr val="accent1">
+                  <a:shade val="50000"/>
+                </a:schemeClr>
+              </a:lnRef>
+              <a:fillRef idx="1">
+                <a:schemeClr val="accent1"/>
+              </a:fillRef>
+              <a:effectRef idx="0">
+                <a:schemeClr val="accent1"/>
+              </a:effectRef>
+              <a:fontRef idx="minor">
+                <a:schemeClr val="lt1"/>
+              </a:fontRef>
+            </p:style>
+            <p:txBody>
+              <a:bodyPr rtlCol="0" anchor="ctr"/>
+              <a:lstStyle/>
+              <a:p>
+                <a:pPr algn="ctr"/>
+                <a:endParaRPr lang="zh-CN" altLang="en-US"/>
+              </a:p>
+            </p:txBody>
+          </p:sp>
+          <p:sp>
+            <p:nvSpPr>
+              <p:cNvPr id="40" name="矩形 39"/>
+              <p:cNvSpPr/>
+              <p:nvPr/>
+            </p:nvSpPr>
+            <p:spPr>
+              <a:xfrm>
+                <a:off x="9420737" y="3871130"/>
+                <a:ext cx="121418" cy="567622"/>
+              </a:xfrm>
+              <a:prstGeom prst="rect">
+                <a:avLst/>
+              </a:prstGeom>
+              <a:solidFill>
+                <a:schemeClr val="accent6">
+                  <a:lumMod val="75000"/>
+                </a:schemeClr>
+              </a:solidFill>
+              <a:ln>
+                <a:noFill/>
+              </a:ln>
+            </p:spPr>
+            <p:style>
+              <a:lnRef idx="2">
+                <a:schemeClr val="accent1">
+                  <a:shade val="50000"/>
+                </a:schemeClr>
+              </a:lnRef>
+              <a:fillRef idx="1">
+                <a:schemeClr val="accent1"/>
+              </a:fillRef>
+              <a:effectRef idx="0">
+                <a:schemeClr val="accent1"/>
+              </a:effectRef>
+              <a:fontRef idx="minor">
+                <a:schemeClr val="lt1"/>
+              </a:fontRef>
+            </p:style>
+            <p:txBody>
+              <a:bodyPr rtlCol="0" anchor="ctr"/>
+              <a:lstStyle/>
+              <a:p>
+                <a:pPr algn="ctr"/>
+                <a:endParaRPr lang="zh-CN" altLang="en-US"/>
+              </a:p>
+            </p:txBody>
+          </p:sp>
+          <p:sp>
+            <p:nvSpPr>
+              <p:cNvPr id="41" name="矩形 40"/>
+              <p:cNvSpPr/>
+              <p:nvPr/>
+            </p:nvSpPr>
+            <p:spPr>
+              <a:xfrm>
+                <a:off x="8024172" y="2719180"/>
                 <a:ext cx="1847398" cy="369332"/>
               </a:xfrm>
               <a:prstGeom prst="rect">
@@ -5132,7 +4264,518 @@
                     <a:latin typeface="Times New Roman" panose="02020603050405020304" pitchFamily="18" charset="0"/>
                     <a:cs typeface="Times New Roman" panose="02020603050405020304" pitchFamily="18" charset="0"/>
                   </a:rPr>
-                  <a:t>Executor</a:t>
+                  <a:t>Controller</a:t>
+                </a:r>
+                <a:endParaRPr lang="zh-CN" altLang="en-US" dirty="0">
+                  <a:latin typeface="Times New Roman" panose="02020603050405020304" pitchFamily="18" charset="0"/>
+                  <a:cs typeface="Times New Roman" panose="02020603050405020304" pitchFamily="18" charset="0"/>
+                </a:endParaRPr>
+              </a:p>
+            </p:txBody>
+          </p:sp>
+          <p:sp>
+            <p:nvSpPr>
+              <p:cNvPr id="42" name="矩形 41"/>
+              <p:cNvSpPr/>
+              <p:nvPr/>
+            </p:nvSpPr>
+            <p:spPr>
+              <a:xfrm>
+                <a:off x="8041671" y="4513651"/>
+                <a:ext cx="887050" cy="307777"/>
+              </a:xfrm>
+              <a:prstGeom prst="rect">
+                <a:avLst/>
+              </a:prstGeom>
+            </p:spPr>
+            <p:txBody>
+              <a:bodyPr wrap="square">
+                <a:spAutoFit/>
+              </a:bodyPr>
+              <a:lstStyle/>
+              <a:p>
+                <a:pPr algn="ctr"/>
+                <a:r>
+                  <a:rPr lang="en-US" altLang="zh-CN" sz="1400" dirty="0" smtClean="0">
+                    <a:latin typeface="Times New Roman" panose="02020603050405020304" pitchFamily="18" charset="0"/>
+                    <a:cs typeface="Times New Roman" panose="02020603050405020304" pitchFamily="18" charset="0"/>
+                  </a:rPr>
+                  <a:t>VM</a:t>
+                </a:r>
+                <a:endParaRPr lang="zh-CN" altLang="en-US" dirty="0">
+                  <a:latin typeface="Times New Roman" panose="02020603050405020304" pitchFamily="18" charset="0"/>
+                  <a:cs typeface="Times New Roman" panose="02020603050405020304" pitchFamily="18" charset="0"/>
+                </a:endParaRPr>
+              </a:p>
+            </p:txBody>
+          </p:sp>
+          <p:sp>
+            <p:nvSpPr>
+              <p:cNvPr id="43" name="矩形 42"/>
+              <p:cNvSpPr/>
+              <p:nvPr/>
+            </p:nvSpPr>
+            <p:spPr>
+              <a:xfrm>
+                <a:off x="8846444" y="4502419"/>
+                <a:ext cx="887050" cy="307777"/>
+              </a:xfrm>
+              <a:prstGeom prst="rect">
+                <a:avLst/>
+              </a:prstGeom>
+            </p:spPr>
+            <p:txBody>
+              <a:bodyPr wrap="square">
+                <a:spAutoFit/>
+              </a:bodyPr>
+              <a:lstStyle/>
+              <a:p>
+                <a:pPr algn="ctr"/>
+                <a:r>
+                  <a:rPr lang="en-US" altLang="zh-CN" sz="1400" dirty="0" smtClean="0">
+                    <a:latin typeface="Times New Roman" panose="02020603050405020304" pitchFamily="18" charset="0"/>
+                    <a:cs typeface="Times New Roman" panose="02020603050405020304" pitchFamily="18" charset="0"/>
+                  </a:rPr>
+                  <a:t>Container</a:t>
+                </a:r>
+                <a:endParaRPr lang="zh-CN" altLang="en-US" sz="1400" dirty="0">
+                  <a:latin typeface="Times New Roman" panose="02020603050405020304" pitchFamily="18" charset="0"/>
+                  <a:cs typeface="Times New Roman" panose="02020603050405020304" pitchFamily="18" charset="0"/>
+                </a:endParaRPr>
+              </a:p>
+            </p:txBody>
+          </p:sp>
+        </p:grpSp>
+        <p:grpSp>
+          <p:nvGrpSpPr>
+            <p:cNvPr id="44" name="组合 43"/>
+            <p:cNvGrpSpPr/>
+            <p:nvPr/>
+          </p:nvGrpSpPr>
+          <p:grpSpPr>
+            <a:xfrm>
+              <a:off x="5645992" y="3632827"/>
+              <a:ext cx="1847398" cy="2320000"/>
+              <a:chOff x="7615115" y="2587142"/>
+              <a:chExt cx="1847398" cy="2320000"/>
+            </a:xfrm>
+          </p:grpSpPr>
+          <p:sp>
+            <p:nvSpPr>
+              <p:cNvPr id="45" name="矩形 44"/>
+              <p:cNvSpPr/>
+              <p:nvPr/>
+            </p:nvSpPr>
+            <p:spPr>
+              <a:xfrm>
+                <a:off x="7981263" y="2587142"/>
+                <a:ext cx="1142376" cy="2320000"/>
+              </a:xfrm>
+              <a:prstGeom prst="rect">
+                <a:avLst/>
+              </a:prstGeom>
+              <a:solidFill>
+                <a:schemeClr val="bg1"/>
+              </a:solidFill>
+              <a:ln w="38100">
+                <a:solidFill>
+                  <a:schemeClr val="tx1"/>
+                </a:solidFill>
+              </a:ln>
+            </p:spPr>
+            <p:style>
+              <a:lnRef idx="2">
+                <a:schemeClr val="accent1">
+                  <a:shade val="50000"/>
+                </a:schemeClr>
+              </a:lnRef>
+              <a:fillRef idx="1">
+                <a:schemeClr val="accent1"/>
+              </a:fillRef>
+              <a:effectRef idx="0">
+                <a:schemeClr val="accent1"/>
+              </a:effectRef>
+              <a:fontRef idx="minor">
+                <a:schemeClr val="lt1"/>
+              </a:fontRef>
+            </p:style>
+            <p:txBody>
+              <a:bodyPr rtlCol="0" anchor="ctr"/>
+              <a:lstStyle/>
+              <a:p>
+                <a:pPr algn="ctr"/>
+                <a:endParaRPr lang="zh-CN" altLang="en-US" dirty="0">
+                  <a:solidFill>
+                    <a:schemeClr val="tx1"/>
+                  </a:solidFill>
+                  <a:latin typeface="Times New Roman" panose="02020603050405020304" pitchFamily="18" charset="0"/>
+                  <a:cs typeface="Times New Roman" panose="02020603050405020304" pitchFamily="18" charset="0"/>
+                </a:endParaRPr>
+              </a:p>
+            </p:txBody>
+          </p:sp>
+          <p:sp>
+            <p:nvSpPr>
+              <p:cNvPr id="46" name="矩形 45"/>
+              <p:cNvSpPr/>
+              <p:nvPr/>
+            </p:nvSpPr>
+            <p:spPr>
+              <a:xfrm>
+                <a:off x="8294268" y="3737982"/>
+                <a:ext cx="121418" cy="567622"/>
+              </a:xfrm>
+              <a:prstGeom prst="rect">
+                <a:avLst/>
+              </a:prstGeom>
+              <a:solidFill>
+                <a:schemeClr val="accent2">
+                  <a:lumMod val="75000"/>
+                </a:schemeClr>
+              </a:solidFill>
+              <a:ln>
+                <a:noFill/>
+              </a:ln>
+            </p:spPr>
+            <p:style>
+              <a:lnRef idx="2">
+                <a:schemeClr val="accent1">
+                  <a:shade val="50000"/>
+                </a:schemeClr>
+              </a:lnRef>
+              <a:fillRef idx="1">
+                <a:schemeClr val="accent1"/>
+              </a:fillRef>
+              <a:effectRef idx="0">
+                <a:schemeClr val="accent1"/>
+              </a:effectRef>
+              <a:fontRef idx="minor">
+                <a:schemeClr val="lt1"/>
+              </a:fontRef>
+            </p:style>
+            <p:txBody>
+              <a:bodyPr rtlCol="0" anchor="ctr"/>
+              <a:lstStyle/>
+              <a:p>
+                <a:pPr algn="ctr"/>
+                <a:endParaRPr lang="zh-CN" altLang="en-US"/>
+              </a:p>
+            </p:txBody>
+          </p:sp>
+          <p:sp>
+            <p:nvSpPr>
+              <p:cNvPr id="47" name="矩形 46"/>
+              <p:cNvSpPr/>
+              <p:nvPr/>
+            </p:nvSpPr>
+            <p:spPr>
+              <a:xfrm>
+                <a:off x="8478105" y="3737982"/>
+                <a:ext cx="121418" cy="567622"/>
+              </a:xfrm>
+              <a:prstGeom prst="rect">
+                <a:avLst/>
+              </a:prstGeom>
+              <a:solidFill>
+                <a:schemeClr val="accent2">
+                  <a:lumMod val="75000"/>
+                </a:schemeClr>
+              </a:solidFill>
+              <a:ln>
+                <a:noFill/>
+              </a:ln>
+            </p:spPr>
+            <p:style>
+              <a:lnRef idx="2">
+                <a:schemeClr val="accent1">
+                  <a:shade val="50000"/>
+                </a:schemeClr>
+              </a:lnRef>
+              <a:fillRef idx="1">
+                <a:schemeClr val="accent1"/>
+              </a:fillRef>
+              <a:effectRef idx="0">
+                <a:schemeClr val="accent1"/>
+              </a:effectRef>
+              <a:fontRef idx="minor">
+                <a:schemeClr val="lt1"/>
+              </a:fontRef>
+            </p:style>
+            <p:txBody>
+              <a:bodyPr rtlCol="0" anchor="ctr"/>
+              <a:lstStyle/>
+              <a:p>
+                <a:pPr algn="ctr"/>
+                <a:endParaRPr lang="zh-CN" altLang="en-US"/>
+              </a:p>
+            </p:txBody>
+          </p:sp>
+          <p:sp>
+            <p:nvSpPr>
+              <p:cNvPr id="48" name="矩形 47"/>
+              <p:cNvSpPr/>
+              <p:nvPr/>
+            </p:nvSpPr>
+            <p:spPr>
+              <a:xfrm>
+                <a:off x="8661942" y="3737982"/>
+                <a:ext cx="121418" cy="567622"/>
+              </a:xfrm>
+              <a:prstGeom prst="rect">
+                <a:avLst/>
+              </a:prstGeom>
+              <a:solidFill>
+                <a:schemeClr val="accent2">
+                  <a:lumMod val="75000"/>
+                </a:schemeClr>
+              </a:solidFill>
+              <a:ln>
+                <a:noFill/>
+              </a:ln>
+            </p:spPr>
+            <p:style>
+              <a:lnRef idx="2">
+                <a:schemeClr val="accent1">
+                  <a:shade val="50000"/>
+                </a:schemeClr>
+              </a:lnRef>
+              <a:fillRef idx="1">
+                <a:schemeClr val="accent1"/>
+              </a:fillRef>
+              <a:effectRef idx="0">
+                <a:schemeClr val="accent1"/>
+              </a:effectRef>
+              <a:fontRef idx="minor">
+                <a:schemeClr val="lt1"/>
+              </a:fontRef>
+            </p:style>
+            <p:txBody>
+              <a:bodyPr rtlCol="0" anchor="ctr"/>
+              <a:lstStyle/>
+              <a:p>
+                <a:pPr algn="ctr"/>
+                <a:endParaRPr lang="zh-CN" altLang="en-US"/>
+              </a:p>
+            </p:txBody>
+          </p:sp>
+          <p:sp>
+            <p:nvSpPr>
+              <p:cNvPr id="49" name="矩形 48"/>
+              <p:cNvSpPr/>
+              <p:nvPr/>
+            </p:nvSpPr>
+            <p:spPr>
+              <a:xfrm>
+                <a:off x="8294268" y="3131184"/>
+                <a:ext cx="121418" cy="567622"/>
+              </a:xfrm>
+              <a:prstGeom prst="rect">
+                <a:avLst/>
+              </a:prstGeom>
+              <a:solidFill>
+                <a:schemeClr val="accent6">
+                  <a:lumMod val="75000"/>
+                </a:schemeClr>
+              </a:solidFill>
+              <a:ln>
+                <a:noFill/>
+              </a:ln>
+            </p:spPr>
+            <p:style>
+              <a:lnRef idx="2">
+                <a:schemeClr val="accent1">
+                  <a:shade val="50000"/>
+                </a:schemeClr>
+              </a:lnRef>
+              <a:fillRef idx="1">
+                <a:schemeClr val="accent1"/>
+              </a:fillRef>
+              <a:effectRef idx="0">
+                <a:schemeClr val="accent1"/>
+              </a:effectRef>
+              <a:fontRef idx="minor">
+                <a:schemeClr val="lt1"/>
+              </a:fontRef>
+            </p:style>
+            <p:txBody>
+              <a:bodyPr rtlCol="0" anchor="ctr"/>
+              <a:lstStyle/>
+              <a:p>
+                <a:pPr algn="ctr"/>
+                <a:endParaRPr lang="zh-CN" altLang="en-US"/>
+              </a:p>
+            </p:txBody>
+          </p:sp>
+          <p:sp>
+            <p:nvSpPr>
+              <p:cNvPr id="50" name="矩形 49"/>
+              <p:cNvSpPr/>
+              <p:nvPr/>
+            </p:nvSpPr>
+            <p:spPr>
+              <a:xfrm>
+                <a:off x="8478105" y="3131184"/>
+                <a:ext cx="121418" cy="567622"/>
+              </a:xfrm>
+              <a:prstGeom prst="rect">
+                <a:avLst/>
+              </a:prstGeom>
+              <a:solidFill>
+                <a:schemeClr val="accent6">
+                  <a:lumMod val="75000"/>
+                </a:schemeClr>
+              </a:solidFill>
+              <a:ln>
+                <a:noFill/>
+              </a:ln>
+            </p:spPr>
+            <p:style>
+              <a:lnRef idx="2">
+                <a:schemeClr val="accent1">
+                  <a:shade val="50000"/>
+                </a:schemeClr>
+              </a:lnRef>
+              <a:fillRef idx="1">
+                <a:schemeClr val="accent1"/>
+              </a:fillRef>
+              <a:effectRef idx="0">
+                <a:schemeClr val="accent1"/>
+              </a:effectRef>
+              <a:fontRef idx="minor">
+                <a:schemeClr val="lt1"/>
+              </a:fontRef>
+            </p:style>
+            <p:txBody>
+              <a:bodyPr rtlCol="0" anchor="ctr"/>
+              <a:lstStyle/>
+              <a:p>
+                <a:pPr algn="ctr"/>
+                <a:endParaRPr lang="zh-CN" altLang="en-US"/>
+              </a:p>
+            </p:txBody>
+          </p:sp>
+          <p:sp>
+            <p:nvSpPr>
+              <p:cNvPr id="51" name="矩形 50"/>
+              <p:cNvSpPr/>
+              <p:nvPr/>
+            </p:nvSpPr>
+            <p:spPr>
+              <a:xfrm>
+                <a:off x="8661942" y="3131184"/>
+                <a:ext cx="121418" cy="567622"/>
+              </a:xfrm>
+              <a:prstGeom prst="rect">
+                <a:avLst/>
+              </a:prstGeom>
+              <a:solidFill>
+                <a:schemeClr val="accent6">
+                  <a:lumMod val="75000"/>
+                </a:schemeClr>
+              </a:solidFill>
+              <a:ln>
+                <a:noFill/>
+              </a:ln>
+            </p:spPr>
+            <p:style>
+              <a:lnRef idx="2">
+                <a:schemeClr val="accent1">
+                  <a:shade val="50000"/>
+                </a:schemeClr>
+              </a:lnRef>
+              <a:fillRef idx="1">
+                <a:schemeClr val="accent1"/>
+              </a:fillRef>
+              <a:effectRef idx="0">
+                <a:schemeClr val="accent1"/>
+              </a:effectRef>
+              <a:fontRef idx="minor">
+                <a:schemeClr val="lt1"/>
+              </a:fontRef>
+            </p:style>
+            <p:txBody>
+              <a:bodyPr rtlCol="0" anchor="ctr"/>
+              <a:lstStyle/>
+              <a:p>
+                <a:pPr algn="ctr"/>
+                <a:endParaRPr lang="zh-CN" altLang="en-US"/>
+              </a:p>
+            </p:txBody>
+          </p:sp>
+          <p:sp>
+            <p:nvSpPr>
+              <p:cNvPr id="52" name="矩形 51"/>
+              <p:cNvSpPr/>
+              <p:nvPr/>
+            </p:nvSpPr>
+            <p:spPr>
+              <a:xfrm>
+                <a:off x="7615115" y="2720890"/>
+                <a:ext cx="1847398" cy="369332"/>
+              </a:xfrm>
+              <a:prstGeom prst="rect">
+                <a:avLst/>
+              </a:prstGeom>
+            </p:spPr>
+            <p:txBody>
+              <a:bodyPr wrap="square">
+                <a:spAutoFit/>
+              </a:bodyPr>
+              <a:lstStyle/>
+              <a:p>
+                <a:pPr algn="ctr"/>
+                <a:r>
+                  <a:rPr lang="en-US" altLang="zh-CN" dirty="0" smtClean="0">
+                    <a:latin typeface="Times New Roman" panose="02020603050405020304" pitchFamily="18" charset="0"/>
+                    <a:cs typeface="Times New Roman" panose="02020603050405020304" pitchFamily="18" charset="0"/>
+                  </a:rPr>
+                  <a:t>Scheduler</a:t>
+                </a:r>
+                <a:endParaRPr lang="zh-CN" altLang="en-US" dirty="0">
+                  <a:latin typeface="Times New Roman" panose="02020603050405020304" pitchFamily="18" charset="0"/>
+                  <a:cs typeface="Times New Roman" panose="02020603050405020304" pitchFamily="18" charset="0"/>
+                </a:endParaRPr>
+              </a:p>
+            </p:txBody>
+          </p:sp>
+          <p:sp>
+            <p:nvSpPr>
+              <p:cNvPr id="53" name="矩形 52"/>
+              <p:cNvSpPr/>
+              <p:nvPr/>
+            </p:nvSpPr>
+            <p:spPr>
+              <a:xfrm>
+                <a:off x="8079644" y="4365646"/>
+                <a:ext cx="918339" cy="523220"/>
+              </a:xfrm>
+              <a:prstGeom prst="rect">
+                <a:avLst/>
+              </a:prstGeom>
+            </p:spPr>
+            <p:txBody>
+              <a:bodyPr wrap="square">
+                <a:spAutoFit/>
+              </a:bodyPr>
+              <a:lstStyle/>
+              <a:p>
+                <a:pPr algn="ctr"/>
+                <a:r>
+                  <a:rPr lang="en-US" altLang="zh-CN" sz="1400" dirty="0" smtClean="0">
+                    <a:latin typeface="Times New Roman" panose="02020603050405020304" pitchFamily="18" charset="0"/>
+                    <a:cs typeface="Times New Roman" panose="02020603050405020304" pitchFamily="18" charset="0"/>
+                  </a:rPr>
+                  <a:t>Multiple</a:t>
+                </a:r>
+              </a:p>
+              <a:p>
+                <a:pPr algn="ctr"/>
+                <a:r>
+                  <a:rPr lang="en-US" altLang="zh-CN" sz="1400" dirty="0" smtClean="0">
+                    <a:latin typeface="Times New Roman" panose="02020603050405020304" pitchFamily="18" charset="0"/>
+                    <a:cs typeface="Times New Roman" panose="02020603050405020304" pitchFamily="18" charset="0"/>
+                  </a:rPr>
+                  <a:t>Queues</a:t>
                 </a:r>
                 <a:endParaRPr lang="zh-CN" altLang="en-US" dirty="0">
                   <a:latin typeface="Times New Roman" panose="02020603050405020304" pitchFamily="18" charset="0"/>
@@ -5142,104 +4785,902 @@
             </p:txBody>
           </p:sp>
         </p:grpSp>
+        <p:grpSp>
+          <p:nvGrpSpPr>
+            <p:cNvPr id="59" name="组合 58"/>
+            <p:cNvGrpSpPr/>
+            <p:nvPr/>
+          </p:nvGrpSpPr>
+          <p:grpSpPr>
+            <a:xfrm>
+              <a:off x="9004763" y="4156595"/>
+              <a:ext cx="1903266" cy="974206"/>
+              <a:chOff x="7320343" y="3659683"/>
+              <a:chExt cx="1903266" cy="974206"/>
+            </a:xfrm>
+          </p:grpSpPr>
+          <p:grpSp>
+            <p:nvGrpSpPr>
+              <p:cNvPr id="60" name="组合 59"/>
+              <p:cNvGrpSpPr/>
+              <p:nvPr/>
+            </p:nvGrpSpPr>
+            <p:grpSpPr>
+              <a:xfrm>
+                <a:off x="7320343" y="3659683"/>
+                <a:ext cx="1903266" cy="974206"/>
+                <a:chOff x="7981263" y="2587142"/>
+                <a:chExt cx="1903266" cy="974206"/>
+              </a:xfrm>
+            </p:grpSpPr>
+            <p:sp>
+              <p:nvSpPr>
+                <p:cNvPr id="65" name="矩形 64"/>
+                <p:cNvSpPr/>
+                <p:nvPr/>
+              </p:nvSpPr>
+              <p:spPr>
+                <a:xfrm>
+                  <a:off x="7981263" y="2587142"/>
+                  <a:ext cx="1903266" cy="974206"/>
+                </a:xfrm>
+                <a:prstGeom prst="rect">
+                  <a:avLst/>
+                </a:prstGeom>
+                <a:solidFill>
+                  <a:schemeClr val="bg1"/>
+                </a:solidFill>
+                <a:ln w="38100">
+                  <a:solidFill>
+                    <a:schemeClr val="tx1"/>
+                  </a:solidFill>
+                </a:ln>
+              </p:spPr>
+              <p:style>
+                <a:lnRef idx="2">
+                  <a:schemeClr val="accent1">
+                    <a:shade val="50000"/>
+                  </a:schemeClr>
+                </a:lnRef>
+                <a:fillRef idx="1">
+                  <a:schemeClr val="accent1"/>
+                </a:fillRef>
+                <a:effectRef idx="0">
+                  <a:schemeClr val="accent1"/>
+                </a:effectRef>
+                <a:fontRef idx="minor">
+                  <a:schemeClr val="lt1"/>
+                </a:fontRef>
+              </p:style>
+              <p:txBody>
+                <a:bodyPr rtlCol="0" anchor="ctr"/>
+                <a:lstStyle/>
+                <a:p>
+                  <a:pPr algn="ctr"/>
+                  <a:endParaRPr lang="zh-CN" altLang="en-US" dirty="0">
+                    <a:solidFill>
+                      <a:schemeClr val="tx1"/>
+                    </a:solidFill>
+                    <a:latin typeface="Times New Roman" panose="02020603050405020304" pitchFamily="18" charset="0"/>
+                    <a:cs typeface="Times New Roman" panose="02020603050405020304" pitchFamily="18" charset="0"/>
+                  </a:endParaRPr>
+                </a:p>
+              </p:txBody>
+            </p:sp>
+            <p:sp>
+              <p:nvSpPr>
+                <p:cNvPr id="66" name="任意多边形 65"/>
+                <p:cNvSpPr/>
+                <p:nvPr/>
+              </p:nvSpPr>
+              <p:spPr>
+                <a:xfrm>
+                  <a:off x="8163977" y="3088512"/>
+                  <a:ext cx="269508" cy="385010"/>
+                </a:xfrm>
+                <a:custGeom>
+                  <a:avLst/>
+                  <a:gdLst>
+                    <a:gd name="connsiteX0" fmla="*/ 0 w 269508"/>
+                    <a:gd name="connsiteY0" fmla="*/ 0 h 385010"/>
+                    <a:gd name="connsiteX1" fmla="*/ 96253 w 269508"/>
+                    <a:gd name="connsiteY1" fmla="*/ 105878 h 385010"/>
+                    <a:gd name="connsiteX2" fmla="*/ 211756 w 269508"/>
+                    <a:gd name="connsiteY2" fmla="*/ 154004 h 385010"/>
+                    <a:gd name="connsiteX3" fmla="*/ 28876 w 269508"/>
+                    <a:gd name="connsiteY3" fmla="*/ 192505 h 385010"/>
+                    <a:gd name="connsiteX4" fmla="*/ 182880 w 269508"/>
+                    <a:gd name="connsiteY4" fmla="*/ 279132 h 385010"/>
+                    <a:gd name="connsiteX5" fmla="*/ 19251 w 269508"/>
+                    <a:gd name="connsiteY5" fmla="*/ 308008 h 385010"/>
+                    <a:gd name="connsiteX6" fmla="*/ 269508 w 269508"/>
+                    <a:gd name="connsiteY6" fmla="*/ 385010 h 385010"/>
+                  </a:gdLst>
+                  <a:ahLst/>
+                  <a:cxnLst>
+                    <a:cxn ang="0">
+                      <a:pos x="connsiteX0" y="connsiteY0"/>
+                    </a:cxn>
+                    <a:cxn ang="0">
+                      <a:pos x="connsiteX1" y="connsiteY1"/>
+                    </a:cxn>
+                    <a:cxn ang="0">
+                      <a:pos x="connsiteX2" y="connsiteY2"/>
+                    </a:cxn>
+                    <a:cxn ang="0">
+                      <a:pos x="connsiteX3" y="connsiteY3"/>
+                    </a:cxn>
+                    <a:cxn ang="0">
+                      <a:pos x="connsiteX4" y="connsiteY4"/>
+                    </a:cxn>
+                    <a:cxn ang="0">
+                      <a:pos x="connsiteX5" y="connsiteY5"/>
+                    </a:cxn>
+                    <a:cxn ang="0">
+                      <a:pos x="connsiteX6" y="connsiteY6"/>
+                    </a:cxn>
+                  </a:cxnLst>
+                  <a:rect l="l" t="t" r="r" b="b"/>
+                  <a:pathLst>
+                    <a:path w="269508" h="385010">
+                      <a:moveTo>
+                        <a:pt x="0" y="0"/>
+                      </a:moveTo>
+                      <a:cubicBezTo>
+                        <a:pt x="30480" y="40105"/>
+                        <a:pt x="60960" y="80211"/>
+                        <a:pt x="96253" y="105878"/>
+                      </a:cubicBezTo>
+                      <a:cubicBezTo>
+                        <a:pt x="131546" y="131545"/>
+                        <a:pt x="222985" y="139566"/>
+                        <a:pt x="211756" y="154004"/>
+                      </a:cubicBezTo>
+                      <a:cubicBezTo>
+                        <a:pt x="200527" y="168442"/>
+                        <a:pt x="33689" y="171650"/>
+                        <a:pt x="28876" y="192505"/>
+                      </a:cubicBezTo>
+                      <a:cubicBezTo>
+                        <a:pt x="24063" y="213360"/>
+                        <a:pt x="184484" y="259882"/>
+                        <a:pt x="182880" y="279132"/>
+                      </a:cubicBezTo>
+                      <a:cubicBezTo>
+                        <a:pt x="181276" y="298382"/>
+                        <a:pt x="4813" y="290362"/>
+                        <a:pt x="19251" y="308008"/>
+                      </a:cubicBezTo>
+                      <a:cubicBezTo>
+                        <a:pt x="33689" y="325654"/>
+                        <a:pt x="151598" y="355332"/>
+                        <a:pt x="269508" y="385010"/>
+                      </a:cubicBezTo>
+                    </a:path>
+                  </a:pathLst>
+                </a:custGeom>
+                <a:noFill/>
+                <a:ln w="38100">
+                  <a:solidFill>
+                    <a:schemeClr val="accent2">
+                      <a:lumMod val="75000"/>
+                    </a:schemeClr>
+                  </a:solidFill>
+                </a:ln>
+              </p:spPr>
+              <p:style>
+                <a:lnRef idx="2">
+                  <a:schemeClr val="accent1">
+                    <a:shade val="50000"/>
+                  </a:schemeClr>
+                </a:lnRef>
+                <a:fillRef idx="1">
+                  <a:schemeClr val="accent1"/>
+                </a:fillRef>
+                <a:effectRef idx="0">
+                  <a:schemeClr val="accent1"/>
+                </a:effectRef>
+                <a:fontRef idx="minor">
+                  <a:schemeClr val="lt1"/>
+                </a:fontRef>
+              </p:style>
+              <p:txBody>
+                <a:bodyPr rtlCol="0" anchor="ctr"/>
+                <a:lstStyle/>
+                <a:p>
+                  <a:pPr algn="ctr"/>
+                  <a:endParaRPr lang="zh-CN" altLang="en-US"/>
+                </a:p>
+              </p:txBody>
+            </p:sp>
+            <p:sp>
+              <p:nvSpPr>
+                <p:cNvPr id="67" name="任意多边形 66"/>
+                <p:cNvSpPr/>
+                <p:nvPr/>
+              </p:nvSpPr>
+              <p:spPr>
+                <a:xfrm>
+                  <a:off x="8986845" y="3088512"/>
+                  <a:ext cx="269508" cy="385010"/>
+                </a:xfrm>
+                <a:custGeom>
+                  <a:avLst/>
+                  <a:gdLst>
+                    <a:gd name="connsiteX0" fmla="*/ 0 w 269508"/>
+                    <a:gd name="connsiteY0" fmla="*/ 0 h 385010"/>
+                    <a:gd name="connsiteX1" fmla="*/ 96253 w 269508"/>
+                    <a:gd name="connsiteY1" fmla="*/ 105878 h 385010"/>
+                    <a:gd name="connsiteX2" fmla="*/ 211756 w 269508"/>
+                    <a:gd name="connsiteY2" fmla="*/ 154004 h 385010"/>
+                    <a:gd name="connsiteX3" fmla="*/ 28876 w 269508"/>
+                    <a:gd name="connsiteY3" fmla="*/ 192505 h 385010"/>
+                    <a:gd name="connsiteX4" fmla="*/ 182880 w 269508"/>
+                    <a:gd name="connsiteY4" fmla="*/ 279132 h 385010"/>
+                    <a:gd name="connsiteX5" fmla="*/ 19251 w 269508"/>
+                    <a:gd name="connsiteY5" fmla="*/ 308008 h 385010"/>
+                    <a:gd name="connsiteX6" fmla="*/ 269508 w 269508"/>
+                    <a:gd name="connsiteY6" fmla="*/ 385010 h 385010"/>
+                  </a:gdLst>
+                  <a:ahLst/>
+                  <a:cxnLst>
+                    <a:cxn ang="0">
+                      <a:pos x="connsiteX0" y="connsiteY0"/>
+                    </a:cxn>
+                    <a:cxn ang="0">
+                      <a:pos x="connsiteX1" y="connsiteY1"/>
+                    </a:cxn>
+                    <a:cxn ang="0">
+                      <a:pos x="connsiteX2" y="connsiteY2"/>
+                    </a:cxn>
+                    <a:cxn ang="0">
+                      <a:pos x="connsiteX3" y="connsiteY3"/>
+                    </a:cxn>
+                    <a:cxn ang="0">
+                      <a:pos x="connsiteX4" y="connsiteY4"/>
+                    </a:cxn>
+                    <a:cxn ang="0">
+                      <a:pos x="connsiteX5" y="connsiteY5"/>
+                    </a:cxn>
+                    <a:cxn ang="0">
+                      <a:pos x="connsiteX6" y="connsiteY6"/>
+                    </a:cxn>
+                  </a:cxnLst>
+                  <a:rect l="l" t="t" r="r" b="b"/>
+                  <a:pathLst>
+                    <a:path w="269508" h="385010">
+                      <a:moveTo>
+                        <a:pt x="0" y="0"/>
+                      </a:moveTo>
+                      <a:cubicBezTo>
+                        <a:pt x="30480" y="40105"/>
+                        <a:pt x="60960" y="80211"/>
+                        <a:pt x="96253" y="105878"/>
+                      </a:cubicBezTo>
+                      <a:cubicBezTo>
+                        <a:pt x="131546" y="131545"/>
+                        <a:pt x="222985" y="139566"/>
+                        <a:pt x="211756" y="154004"/>
+                      </a:cubicBezTo>
+                      <a:cubicBezTo>
+                        <a:pt x="200527" y="168442"/>
+                        <a:pt x="33689" y="171650"/>
+                        <a:pt x="28876" y="192505"/>
+                      </a:cubicBezTo>
+                      <a:cubicBezTo>
+                        <a:pt x="24063" y="213360"/>
+                        <a:pt x="184484" y="259882"/>
+                        <a:pt x="182880" y="279132"/>
+                      </a:cubicBezTo>
+                      <a:cubicBezTo>
+                        <a:pt x="181276" y="298382"/>
+                        <a:pt x="4813" y="290362"/>
+                        <a:pt x="19251" y="308008"/>
+                      </a:cubicBezTo>
+                      <a:cubicBezTo>
+                        <a:pt x="33689" y="325654"/>
+                        <a:pt x="151598" y="355332"/>
+                        <a:pt x="269508" y="385010"/>
+                      </a:cubicBezTo>
+                    </a:path>
+                  </a:pathLst>
+                </a:custGeom>
+                <a:noFill/>
+                <a:ln w="38100">
+                  <a:solidFill>
+                    <a:schemeClr val="accent6">
+                      <a:lumMod val="75000"/>
+                    </a:schemeClr>
+                  </a:solidFill>
+                </a:ln>
+              </p:spPr>
+              <p:style>
+                <a:lnRef idx="2">
+                  <a:schemeClr val="accent1">
+                    <a:shade val="50000"/>
+                  </a:schemeClr>
+                </a:lnRef>
+                <a:fillRef idx="1">
+                  <a:schemeClr val="accent1"/>
+                </a:fillRef>
+                <a:effectRef idx="0">
+                  <a:schemeClr val="accent1"/>
+                </a:effectRef>
+                <a:fontRef idx="minor">
+                  <a:schemeClr val="lt1"/>
+                </a:fontRef>
+              </p:style>
+              <p:txBody>
+                <a:bodyPr rtlCol="0" anchor="ctr"/>
+                <a:lstStyle/>
+                <a:p>
+                  <a:pPr algn="ctr"/>
+                  <a:endParaRPr lang="zh-CN" altLang="en-US"/>
+                </a:p>
+              </p:txBody>
+            </p:sp>
+            <p:sp>
+              <p:nvSpPr>
+                <p:cNvPr id="68" name="矩形 67"/>
+                <p:cNvSpPr/>
+                <p:nvPr/>
+              </p:nvSpPr>
+              <p:spPr>
+                <a:xfrm>
+                  <a:off x="8027587" y="2701414"/>
+                  <a:ext cx="1847398" cy="369332"/>
+                </a:xfrm>
+                <a:prstGeom prst="rect">
+                  <a:avLst/>
+                </a:prstGeom>
+              </p:spPr>
+              <p:txBody>
+                <a:bodyPr wrap="square">
+                  <a:spAutoFit/>
+                </a:bodyPr>
+                <a:lstStyle/>
+                <a:p>
+                  <a:pPr algn="ctr"/>
+                  <a:r>
+                    <a:rPr lang="en-US" altLang="zh-CN" dirty="0" smtClean="0">
+                      <a:latin typeface="Times New Roman" panose="02020603050405020304" pitchFamily="18" charset="0"/>
+                      <a:cs typeface="Times New Roman" panose="02020603050405020304" pitchFamily="18" charset="0"/>
+                    </a:rPr>
+                    <a:t>Executor</a:t>
+                  </a:r>
+                  <a:endParaRPr lang="zh-CN" altLang="en-US" dirty="0">
+                    <a:latin typeface="Times New Roman" panose="02020603050405020304" pitchFamily="18" charset="0"/>
+                    <a:cs typeface="Times New Roman" panose="02020603050405020304" pitchFamily="18" charset="0"/>
+                  </a:endParaRPr>
+                </a:p>
+              </p:txBody>
+            </p:sp>
+          </p:grpSp>
+          <p:sp>
+            <p:nvSpPr>
+              <p:cNvPr id="61" name="任意多边形 60"/>
+              <p:cNvSpPr/>
+              <p:nvPr/>
+            </p:nvSpPr>
+            <p:spPr>
+              <a:xfrm>
+                <a:off x="7729168" y="4145375"/>
+                <a:ext cx="269508" cy="385010"/>
+              </a:xfrm>
+              <a:custGeom>
+                <a:avLst/>
+                <a:gdLst>
+                  <a:gd name="connsiteX0" fmla="*/ 0 w 269508"/>
+                  <a:gd name="connsiteY0" fmla="*/ 0 h 385010"/>
+                  <a:gd name="connsiteX1" fmla="*/ 96253 w 269508"/>
+                  <a:gd name="connsiteY1" fmla="*/ 105878 h 385010"/>
+                  <a:gd name="connsiteX2" fmla="*/ 211756 w 269508"/>
+                  <a:gd name="connsiteY2" fmla="*/ 154004 h 385010"/>
+                  <a:gd name="connsiteX3" fmla="*/ 28876 w 269508"/>
+                  <a:gd name="connsiteY3" fmla="*/ 192505 h 385010"/>
+                  <a:gd name="connsiteX4" fmla="*/ 182880 w 269508"/>
+                  <a:gd name="connsiteY4" fmla="*/ 279132 h 385010"/>
+                  <a:gd name="connsiteX5" fmla="*/ 19251 w 269508"/>
+                  <a:gd name="connsiteY5" fmla="*/ 308008 h 385010"/>
+                  <a:gd name="connsiteX6" fmla="*/ 269508 w 269508"/>
+                  <a:gd name="connsiteY6" fmla="*/ 385010 h 385010"/>
+                </a:gdLst>
+                <a:ahLst/>
+                <a:cxnLst>
+                  <a:cxn ang="0">
+                    <a:pos x="connsiteX0" y="connsiteY0"/>
+                  </a:cxn>
+                  <a:cxn ang="0">
+                    <a:pos x="connsiteX1" y="connsiteY1"/>
+                  </a:cxn>
+                  <a:cxn ang="0">
+                    <a:pos x="connsiteX2" y="connsiteY2"/>
+                  </a:cxn>
+                  <a:cxn ang="0">
+                    <a:pos x="connsiteX3" y="connsiteY3"/>
+                  </a:cxn>
+                  <a:cxn ang="0">
+                    <a:pos x="connsiteX4" y="connsiteY4"/>
+                  </a:cxn>
+                  <a:cxn ang="0">
+                    <a:pos x="connsiteX5" y="connsiteY5"/>
+                  </a:cxn>
+                  <a:cxn ang="0">
+                    <a:pos x="connsiteX6" y="connsiteY6"/>
+                  </a:cxn>
+                </a:cxnLst>
+                <a:rect l="l" t="t" r="r" b="b"/>
+                <a:pathLst>
+                  <a:path w="269508" h="385010">
+                    <a:moveTo>
+                      <a:pt x="0" y="0"/>
+                    </a:moveTo>
+                    <a:cubicBezTo>
+                      <a:pt x="30480" y="40105"/>
+                      <a:pt x="60960" y="80211"/>
+                      <a:pt x="96253" y="105878"/>
+                    </a:cubicBezTo>
+                    <a:cubicBezTo>
+                      <a:pt x="131546" y="131545"/>
+                      <a:pt x="222985" y="139566"/>
+                      <a:pt x="211756" y="154004"/>
+                    </a:cubicBezTo>
+                    <a:cubicBezTo>
+                      <a:pt x="200527" y="168442"/>
+                      <a:pt x="33689" y="171650"/>
+                      <a:pt x="28876" y="192505"/>
+                    </a:cubicBezTo>
+                    <a:cubicBezTo>
+                      <a:pt x="24063" y="213360"/>
+                      <a:pt x="184484" y="259882"/>
+                      <a:pt x="182880" y="279132"/>
+                    </a:cubicBezTo>
+                    <a:cubicBezTo>
+                      <a:pt x="181276" y="298382"/>
+                      <a:pt x="4813" y="290362"/>
+                      <a:pt x="19251" y="308008"/>
+                    </a:cubicBezTo>
+                    <a:cubicBezTo>
+                      <a:pt x="33689" y="325654"/>
+                      <a:pt x="151598" y="355332"/>
+                      <a:pt x="269508" y="385010"/>
+                    </a:cubicBezTo>
+                  </a:path>
+                </a:pathLst>
+              </a:custGeom>
+              <a:noFill/>
+              <a:ln w="38100">
+                <a:solidFill>
+                  <a:schemeClr val="accent2">
+                    <a:lumMod val="75000"/>
+                  </a:schemeClr>
+                </a:solidFill>
+              </a:ln>
+            </p:spPr>
+            <p:style>
+              <a:lnRef idx="2">
+                <a:schemeClr val="accent1">
+                  <a:shade val="50000"/>
+                </a:schemeClr>
+              </a:lnRef>
+              <a:fillRef idx="1">
+                <a:schemeClr val="accent1"/>
+              </a:fillRef>
+              <a:effectRef idx="0">
+                <a:schemeClr val="accent1"/>
+              </a:effectRef>
+              <a:fontRef idx="minor">
+                <a:schemeClr val="lt1"/>
+              </a:fontRef>
+            </p:style>
+            <p:txBody>
+              <a:bodyPr rtlCol="0" anchor="ctr"/>
+              <a:lstStyle/>
+              <a:p>
+                <a:pPr algn="ctr"/>
+                <a:endParaRPr lang="zh-CN" altLang="en-US"/>
+              </a:p>
+            </p:txBody>
+          </p:sp>
+          <p:sp>
+            <p:nvSpPr>
+              <p:cNvPr id="62" name="任意多边形 61"/>
+              <p:cNvSpPr/>
+              <p:nvPr/>
+            </p:nvSpPr>
+            <p:spPr>
+              <a:xfrm>
+                <a:off x="7939144" y="4145375"/>
+                <a:ext cx="269508" cy="385010"/>
+              </a:xfrm>
+              <a:custGeom>
+                <a:avLst/>
+                <a:gdLst>
+                  <a:gd name="connsiteX0" fmla="*/ 0 w 269508"/>
+                  <a:gd name="connsiteY0" fmla="*/ 0 h 385010"/>
+                  <a:gd name="connsiteX1" fmla="*/ 96253 w 269508"/>
+                  <a:gd name="connsiteY1" fmla="*/ 105878 h 385010"/>
+                  <a:gd name="connsiteX2" fmla="*/ 211756 w 269508"/>
+                  <a:gd name="connsiteY2" fmla="*/ 154004 h 385010"/>
+                  <a:gd name="connsiteX3" fmla="*/ 28876 w 269508"/>
+                  <a:gd name="connsiteY3" fmla="*/ 192505 h 385010"/>
+                  <a:gd name="connsiteX4" fmla="*/ 182880 w 269508"/>
+                  <a:gd name="connsiteY4" fmla="*/ 279132 h 385010"/>
+                  <a:gd name="connsiteX5" fmla="*/ 19251 w 269508"/>
+                  <a:gd name="connsiteY5" fmla="*/ 308008 h 385010"/>
+                  <a:gd name="connsiteX6" fmla="*/ 269508 w 269508"/>
+                  <a:gd name="connsiteY6" fmla="*/ 385010 h 385010"/>
+                </a:gdLst>
+                <a:ahLst/>
+                <a:cxnLst>
+                  <a:cxn ang="0">
+                    <a:pos x="connsiteX0" y="connsiteY0"/>
+                  </a:cxn>
+                  <a:cxn ang="0">
+                    <a:pos x="connsiteX1" y="connsiteY1"/>
+                  </a:cxn>
+                  <a:cxn ang="0">
+                    <a:pos x="connsiteX2" y="connsiteY2"/>
+                  </a:cxn>
+                  <a:cxn ang="0">
+                    <a:pos x="connsiteX3" y="connsiteY3"/>
+                  </a:cxn>
+                  <a:cxn ang="0">
+                    <a:pos x="connsiteX4" y="connsiteY4"/>
+                  </a:cxn>
+                  <a:cxn ang="0">
+                    <a:pos x="connsiteX5" y="connsiteY5"/>
+                  </a:cxn>
+                  <a:cxn ang="0">
+                    <a:pos x="connsiteX6" y="connsiteY6"/>
+                  </a:cxn>
+                </a:cxnLst>
+                <a:rect l="l" t="t" r="r" b="b"/>
+                <a:pathLst>
+                  <a:path w="269508" h="385010">
+                    <a:moveTo>
+                      <a:pt x="0" y="0"/>
+                    </a:moveTo>
+                    <a:cubicBezTo>
+                      <a:pt x="30480" y="40105"/>
+                      <a:pt x="60960" y="80211"/>
+                      <a:pt x="96253" y="105878"/>
+                    </a:cubicBezTo>
+                    <a:cubicBezTo>
+                      <a:pt x="131546" y="131545"/>
+                      <a:pt x="222985" y="139566"/>
+                      <a:pt x="211756" y="154004"/>
+                    </a:cubicBezTo>
+                    <a:cubicBezTo>
+                      <a:pt x="200527" y="168442"/>
+                      <a:pt x="33689" y="171650"/>
+                      <a:pt x="28876" y="192505"/>
+                    </a:cubicBezTo>
+                    <a:cubicBezTo>
+                      <a:pt x="24063" y="213360"/>
+                      <a:pt x="184484" y="259882"/>
+                      <a:pt x="182880" y="279132"/>
+                    </a:cubicBezTo>
+                    <a:cubicBezTo>
+                      <a:pt x="181276" y="298382"/>
+                      <a:pt x="4813" y="290362"/>
+                      <a:pt x="19251" y="308008"/>
+                    </a:cubicBezTo>
+                    <a:cubicBezTo>
+                      <a:pt x="33689" y="325654"/>
+                      <a:pt x="151598" y="355332"/>
+                      <a:pt x="269508" y="385010"/>
+                    </a:cubicBezTo>
+                  </a:path>
+                </a:pathLst>
+              </a:custGeom>
+              <a:noFill/>
+              <a:ln w="38100">
+                <a:solidFill>
+                  <a:schemeClr val="accent2">
+                    <a:lumMod val="75000"/>
+                  </a:schemeClr>
+                </a:solidFill>
+              </a:ln>
+            </p:spPr>
+            <p:style>
+              <a:lnRef idx="2">
+                <a:schemeClr val="accent1">
+                  <a:shade val="50000"/>
+                </a:schemeClr>
+              </a:lnRef>
+              <a:fillRef idx="1">
+                <a:schemeClr val="accent1"/>
+              </a:fillRef>
+              <a:effectRef idx="0">
+                <a:schemeClr val="accent1"/>
+              </a:effectRef>
+              <a:fontRef idx="minor">
+                <a:schemeClr val="lt1"/>
+              </a:fontRef>
+            </p:style>
+            <p:txBody>
+              <a:bodyPr rtlCol="0" anchor="ctr"/>
+              <a:lstStyle/>
+              <a:p>
+                <a:pPr algn="ctr"/>
+                <a:endParaRPr lang="zh-CN" altLang="en-US"/>
+              </a:p>
+            </p:txBody>
+          </p:sp>
+          <p:sp>
+            <p:nvSpPr>
+              <p:cNvPr id="63" name="任意多边形 62"/>
+              <p:cNvSpPr/>
+              <p:nvPr/>
+            </p:nvSpPr>
+            <p:spPr>
+              <a:xfrm>
+                <a:off x="8535901" y="4158965"/>
+                <a:ext cx="269508" cy="385010"/>
+              </a:xfrm>
+              <a:custGeom>
+                <a:avLst/>
+                <a:gdLst>
+                  <a:gd name="connsiteX0" fmla="*/ 0 w 269508"/>
+                  <a:gd name="connsiteY0" fmla="*/ 0 h 385010"/>
+                  <a:gd name="connsiteX1" fmla="*/ 96253 w 269508"/>
+                  <a:gd name="connsiteY1" fmla="*/ 105878 h 385010"/>
+                  <a:gd name="connsiteX2" fmla="*/ 211756 w 269508"/>
+                  <a:gd name="connsiteY2" fmla="*/ 154004 h 385010"/>
+                  <a:gd name="connsiteX3" fmla="*/ 28876 w 269508"/>
+                  <a:gd name="connsiteY3" fmla="*/ 192505 h 385010"/>
+                  <a:gd name="connsiteX4" fmla="*/ 182880 w 269508"/>
+                  <a:gd name="connsiteY4" fmla="*/ 279132 h 385010"/>
+                  <a:gd name="connsiteX5" fmla="*/ 19251 w 269508"/>
+                  <a:gd name="connsiteY5" fmla="*/ 308008 h 385010"/>
+                  <a:gd name="connsiteX6" fmla="*/ 269508 w 269508"/>
+                  <a:gd name="connsiteY6" fmla="*/ 385010 h 385010"/>
+                </a:gdLst>
+                <a:ahLst/>
+                <a:cxnLst>
+                  <a:cxn ang="0">
+                    <a:pos x="connsiteX0" y="connsiteY0"/>
+                  </a:cxn>
+                  <a:cxn ang="0">
+                    <a:pos x="connsiteX1" y="connsiteY1"/>
+                  </a:cxn>
+                  <a:cxn ang="0">
+                    <a:pos x="connsiteX2" y="connsiteY2"/>
+                  </a:cxn>
+                  <a:cxn ang="0">
+                    <a:pos x="connsiteX3" y="connsiteY3"/>
+                  </a:cxn>
+                  <a:cxn ang="0">
+                    <a:pos x="connsiteX4" y="connsiteY4"/>
+                  </a:cxn>
+                  <a:cxn ang="0">
+                    <a:pos x="connsiteX5" y="connsiteY5"/>
+                  </a:cxn>
+                  <a:cxn ang="0">
+                    <a:pos x="connsiteX6" y="connsiteY6"/>
+                  </a:cxn>
+                </a:cxnLst>
+                <a:rect l="l" t="t" r="r" b="b"/>
+                <a:pathLst>
+                  <a:path w="269508" h="385010">
+                    <a:moveTo>
+                      <a:pt x="0" y="0"/>
+                    </a:moveTo>
+                    <a:cubicBezTo>
+                      <a:pt x="30480" y="40105"/>
+                      <a:pt x="60960" y="80211"/>
+                      <a:pt x="96253" y="105878"/>
+                    </a:cubicBezTo>
+                    <a:cubicBezTo>
+                      <a:pt x="131546" y="131545"/>
+                      <a:pt x="222985" y="139566"/>
+                      <a:pt x="211756" y="154004"/>
+                    </a:cubicBezTo>
+                    <a:cubicBezTo>
+                      <a:pt x="200527" y="168442"/>
+                      <a:pt x="33689" y="171650"/>
+                      <a:pt x="28876" y="192505"/>
+                    </a:cubicBezTo>
+                    <a:cubicBezTo>
+                      <a:pt x="24063" y="213360"/>
+                      <a:pt x="184484" y="259882"/>
+                      <a:pt x="182880" y="279132"/>
+                    </a:cubicBezTo>
+                    <a:cubicBezTo>
+                      <a:pt x="181276" y="298382"/>
+                      <a:pt x="4813" y="290362"/>
+                      <a:pt x="19251" y="308008"/>
+                    </a:cubicBezTo>
+                    <a:cubicBezTo>
+                      <a:pt x="33689" y="325654"/>
+                      <a:pt x="151598" y="355332"/>
+                      <a:pt x="269508" y="385010"/>
+                    </a:cubicBezTo>
+                  </a:path>
+                </a:pathLst>
+              </a:custGeom>
+              <a:noFill/>
+              <a:ln w="38100">
+                <a:solidFill>
+                  <a:schemeClr val="accent6">
+                    <a:lumMod val="75000"/>
+                  </a:schemeClr>
+                </a:solidFill>
+              </a:ln>
+            </p:spPr>
+            <p:style>
+              <a:lnRef idx="2">
+                <a:schemeClr val="accent1">
+                  <a:shade val="50000"/>
+                </a:schemeClr>
+              </a:lnRef>
+              <a:fillRef idx="1">
+                <a:schemeClr val="accent1"/>
+              </a:fillRef>
+              <a:effectRef idx="0">
+                <a:schemeClr val="accent1"/>
+              </a:effectRef>
+              <a:fontRef idx="minor">
+                <a:schemeClr val="lt1"/>
+              </a:fontRef>
+            </p:style>
+            <p:txBody>
+              <a:bodyPr rtlCol="0" anchor="ctr"/>
+              <a:lstStyle/>
+              <a:p>
+                <a:pPr algn="ctr"/>
+                <a:endParaRPr lang="zh-CN" altLang="en-US"/>
+              </a:p>
+            </p:txBody>
+          </p:sp>
+          <p:sp>
+            <p:nvSpPr>
+              <p:cNvPr id="64" name="任意多边形 63"/>
+              <p:cNvSpPr/>
+              <p:nvPr/>
+            </p:nvSpPr>
+            <p:spPr>
+              <a:xfrm>
+                <a:off x="8746071" y="4160009"/>
+                <a:ext cx="269508" cy="385010"/>
+              </a:xfrm>
+              <a:custGeom>
+                <a:avLst/>
+                <a:gdLst>
+                  <a:gd name="connsiteX0" fmla="*/ 0 w 269508"/>
+                  <a:gd name="connsiteY0" fmla="*/ 0 h 385010"/>
+                  <a:gd name="connsiteX1" fmla="*/ 96253 w 269508"/>
+                  <a:gd name="connsiteY1" fmla="*/ 105878 h 385010"/>
+                  <a:gd name="connsiteX2" fmla="*/ 211756 w 269508"/>
+                  <a:gd name="connsiteY2" fmla="*/ 154004 h 385010"/>
+                  <a:gd name="connsiteX3" fmla="*/ 28876 w 269508"/>
+                  <a:gd name="connsiteY3" fmla="*/ 192505 h 385010"/>
+                  <a:gd name="connsiteX4" fmla="*/ 182880 w 269508"/>
+                  <a:gd name="connsiteY4" fmla="*/ 279132 h 385010"/>
+                  <a:gd name="connsiteX5" fmla="*/ 19251 w 269508"/>
+                  <a:gd name="connsiteY5" fmla="*/ 308008 h 385010"/>
+                  <a:gd name="connsiteX6" fmla="*/ 269508 w 269508"/>
+                  <a:gd name="connsiteY6" fmla="*/ 385010 h 385010"/>
+                </a:gdLst>
+                <a:ahLst/>
+                <a:cxnLst>
+                  <a:cxn ang="0">
+                    <a:pos x="connsiteX0" y="connsiteY0"/>
+                  </a:cxn>
+                  <a:cxn ang="0">
+                    <a:pos x="connsiteX1" y="connsiteY1"/>
+                  </a:cxn>
+                  <a:cxn ang="0">
+                    <a:pos x="connsiteX2" y="connsiteY2"/>
+                  </a:cxn>
+                  <a:cxn ang="0">
+                    <a:pos x="connsiteX3" y="connsiteY3"/>
+                  </a:cxn>
+                  <a:cxn ang="0">
+                    <a:pos x="connsiteX4" y="connsiteY4"/>
+                  </a:cxn>
+                  <a:cxn ang="0">
+                    <a:pos x="connsiteX5" y="connsiteY5"/>
+                  </a:cxn>
+                  <a:cxn ang="0">
+                    <a:pos x="connsiteX6" y="connsiteY6"/>
+                  </a:cxn>
+                </a:cxnLst>
+                <a:rect l="l" t="t" r="r" b="b"/>
+                <a:pathLst>
+                  <a:path w="269508" h="385010">
+                    <a:moveTo>
+                      <a:pt x="0" y="0"/>
+                    </a:moveTo>
+                    <a:cubicBezTo>
+                      <a:pt x="30480" y="40105"/>
+                      <a:pt x="60960" y="80211"/>
+                      <a:pt x="96253" y="105878"/>
+                    </a:cubicBezTo>
+                    <a:cubicBezTo>
+                      <a:pt x="131546" y="131545"/>
+                      <a:pt x="222985" y="139566"/>
+                      <a:pt x="211756" y="154004"/>
+                    </a:cubicBezTo>
+                    <a:cubicBezTo>
+                      <a:pt x="200527" y="168442"/>
+                      <a:pt x="33689" y="171650"/>
+                      <a:pt x="28876" y="192505"/>
+                    </a:cubicBezTo>
+                    <a:cubicBezTo>
+                      <a:pt x="24063" y="213360"/>
+                      <a:pt x="184484" y="259882"/>
+                      <a:pt x="182880" y="279132"/>
+                    </a:cubicBezTo>
+                    <a:cubicBezTo>
+                      <a:pt x="181276" y="298382"/>
+                      <a:pt x="4813" y="290362"/>
+                      <a:pt x="19251" y="308008"/>
+                    </a:cubicBezTo>
+                    <a:cubicBezTo>
+                      <a:pt x="33689" y="325654"/>
+                      <a:pt x="151598" y="355332"/>
+                      <a:pt x="269508" y="385010"/>
+                    </a:cubicBezTo>
+                  </a:path>
+                </a:pathLst>
+              </a:custGeom>
+              <a:noFill/>
+              <a:ln w="38100">
+                <a:solidFill>
+                  <a:schemeClr val="accent6">
+                    <a:lumMod val="75000"/>
+                  </a:schemeClr>
+                </a:solidFill>
+              </a:ln>
+            </p:spPr>
+            <p:style>
+              <a:lnRef idx="2">
+                <a:schemeClr val="accent1">
+                  <a:shade val="50000"/>
+                </a:schemeClr>
+              </a:lnRef>
+              <a:fillRef idx="1">
+                <a:schemeClr val="accent1"/>
+              </a:fillRef>
+              <a:effectRef idx="0">
+                <a:schemeClr val="accent1"/>
+              </a:effectRef>
+              <a:fontRef idx="minor">
+                <a:schemeClr val="lt1"/>
+              </a:fontRef>
+            </p:style>
+            <p:txBody>
+              <a:bodyPr rtlCol="0" anchor="ctr"/>
+              <a:lstStyle/>
+              <a:p>
+                <a:pPr algn="ctr"/>
+                <a:endParaRPr lang="zh-CN" altLang="en-US"/>
+              </a:p>
+            </p:txBody>
+          </p:sp>
+        </p:grpSp>
         <p:sp>
           <p:nvSpPr>
-            <p:cNvPr id="61" name="任意多边形 60"/>
+            <p:cNvPr id="10" name="等腰三角形 9"/>
             <p:cNvSpPr/>
             <p:nvPr/>
           </p:nvSpPr>
           <p:spPr>
-            <a:xfrm>
-              <a:off x="7729168" y="4145375"/>
-              <a:ext cx="269508" cy="385010"/>
+            <a:xfrm flipV="1">
+              <a:off x="9004763" y="5185803"/>
+              <a:ext cx="1893722" cy="715599"/>
             </a:xfrm>
-            <a:custGeom>
+            <a:prstGeom prst="triangle">
               <a:avLst/>
-              <a:gdLst>
-                <a:gd name="connsiteX0" fmla="*/ 0 w 269508"/>
-                <a:gd name="connsiteY0" fmla="*/ 0 h 385010"/>
-                <a:gd name="connsiteX1" fmla="*/ 96253 w 269508"/>
-                <a:gd name="connsiteY1" fmla="*/ 105878 h 385010"/>
-                <a:gd name="connsiteX2" fmla="*/ 211756 w 269508"/>
-                <a:gd name="connsiteY2" fmla="*/ 154004 h 385010"/>
-                <a:gd name="connsiteX3" fmla="*/ 28876 w 269508"/>
-                <a:gd name="connsiteY3" fmla="*/ 192505 h 385010"/>
-                <a:gd name="connsiteX4" fmla="*/ 182880 w 269508"/>
-                <a:gd name="connsiteY4" fmla="*/ 279132 h 385010"/>
-                <a:gd name="connsiteX5" fmla="*/ 19251 w 269508"/>
-                <a:gd name="connsiteY5" fmla="*/ 308008 h 385010"/>
-                <a:gd name="connsiteX6" fmla="*/ 269508 w 269508"/>
-                <a:gd name="connsiteY6" fmla="*/ 385010 h 385010"/>
-              </a:gdLst>
-              <a:ahLst/>
-              <a:cxnLst>
-                <a:cxn ang="0">
-                  <a:pos x="connsiteX0" y="connsiteY0"/>
-                </a:cxn>
-                <a:cxn ang="0">
-                  <a:pos x="connsiteX1" y="connsiteY1"/>
-                </a:cxn>
-                <a:cxn ang="0">
-                  <a:pos x="connsiteX2" y="connsiteY2"/>
-                </a:cxn>
-                <a:cxn ang="0">
-                  <a:pos x="connsiteX3" y="connsiteY3"/>
-                </a:cxn>
-                <a:cxn ang="0">
-                  <a:pos x="connsiteX4" y="connsiteY4"/>
-                </a:cxn>
-                <a:cxn ang="0">
-                  <a:pos x="connsiteX5" y="connsiteY5"/>
-                </a:cxn>
-                <a:cxn ang="0">
-                  <a:pos x="connsiteX6" y="connsiteY6"/>
-                </a:cxn>
-              </a:cxnLst>
-              <a:rect l="l" t="t" r="r" b="b"/>
-              <a:pathLst>
-                <a:path w="269508" h="385010">
-                  <a:moveTo>
-                    <a:pt x="0" y="0"/>
-                  </a:moveTo>
-                  <a:cubicBezTo>
-                    <a:pt x="30480" y="40105"/>
-                    <a:pt x="60960" y="80211"/>
-                    <a:pt x="96253" y="105878"/>
-                  </a:cubicBezTo>
-                  <a:cubicBezTo>
-                    <a:pt x="131546" y="131545"/>
-                    <a:pt x="222985" y="139566"/>
-                    <a:pt x="211756" y="154004"/>
-                  </a:cubicBezTo>
-                  <a:cubicBezTo>
-                    <a:pt x="200527" y="168442"/>
-                    <a:pt x="33689" y="171650"/>
-                    <a:pt x="28876" y="192505"/>
-                  </a:cubicBezTo>
-                  <a:cubicBezTo>
-                    <a:pt x="24063" y="213360"/>
-                    <a:pt x="184484" y="259882"/>
-                    <a:pt x="182880" y="279132"/>
-                  </a:cubicBezTo>
-                  <a:cubicBezTo>
-                    <a:pt x="181276" y="298382"/>
-                    <a:pt x="4813" y="290362"/>
-                    <a:pt x="19251" y="308008"/>
-                  </a:cubicBezTo>
-                  <a:cubicBezTo>
-                    <a:pt x="33689" y="325654"/>
-                    <a:pt x="151598" y="355332"/>
-                    <a:pt x="269508" y="385010"/>
-                  </a:cubicBezTo>
-                </a:path>
-              </a:pathLst>
-            </a:custGeom>
-            <a:noFill/>
+            </a:prstGeom>
+            <a:solidFill>
+              <a:schemeClr val="bg1"/>
+            </a:solidFill>
             <a:ln w="38100">
               <a:solidFill>
-                <a:schemeClr val="accent2">
-                  <a:lumMod val="75000"/>
-                </a:schemeClr>
+                <a:schemeClr val="tx1"/>
               </a:solidFill>
             </a:ln>
           </p:spPr>
@@ -5264,108 +5705,72 @@
             <a:lstStyle/>
             <a:p>
               <a:pPr algn="ctr"/>
-              <a:endParaRPr lang="zh-CN" altLang="en-US"/>
+              <a:endParaRPr lang="zh-CN" altLang="en-US" dirty="0">
+                <a:solidFill>
+                  <a:schemeClr val="tx1"/>
+                </a:solidFill>
+                <a:latin typeface="Times New Roman" panose="02020603050405020304" pitchFamily="18" charset="0"/>
+                <a:cs typeface="Times New Roman" panose="02020603050405020304" pitchFamily="18" charset="0"/>
+              </a:endParaRPr>
             </a:p>
           </p:txBody>
         </p:sp>
         <p:sp>
           <p:nvSpPr>
-            <p:cNvPr id="62" name="任意多边形 61"/>
+            <p:cNvPr id="80" name="矩形 79"/>
             <p:cNvSpPr/>
             <p:nvPr/>
           </p:nvSpPr>
           <p:spPr>
             <a:xfrm>
-              <a:off x="7939144" y="4145375"/>
-              <a:ext cx="269508" cy="385010"/>
+              <a:off x="9027925" y="5329091"/>
+              <a:ext cx="1847398" cy="369332"/>
             </a:xfrm>
-            <a:custGeom>
+            <a:prstGeom prst="rect">
               <a:avLst/>
-              <a:gdLst>
-                <a:gd name="connsiteX0" fmla="*/ 0 w 269508"/>
-                <a:gd name="connsiteY0" fmla="*/ 0 h 385010"/>
-                <a:gd name="connsiteX1" fmla="*/ 96253 w 269508"/>
-                <a:gd name="connsiteY1" fmla="*/ 105878 h 385010"/>
-                <a:gd name="connsiteX2" fmla="*/ 211756 w 269508"/>
-                <a:gd name="connsiteY2" fmla="*/ 154004 h 385010"/>
-                <a:gd name="connsiteX3" fmla="*/ 28876 w 269508"/>
-                <a:gd name="connsiteY3" fmla="*/ 192505 h 385010"/>
-                <a:gd name="connsiteX4" fmla="*/ 182880 w 269508"/>
-                <a:gd name="connsiteY4" fmla="*/ 279132 h 385010"/>
-                <a:gd name="connsiteX5" fmla="*/ 19251 w 269508"/>
-                <a:gd name="connsiteY5" fmla="*/ 308008 h 385010"/>
-                <a:gd name="connsiteX6" fmla="*/ 269508 w 269508"/>
-                <a:gd name="connsiteY6" fmla="*/ 385010 h 385010"/>
-              </a:gdLst>
-              <a:ahLst/>
-              <a:cxnLst>
-                <a:cxn ang="0">
-                  <a:pos x="connsiteX0" y="connsiteY0"/>
-                </a:cxn>
-                <a:cxn ang="0">
-                  <a:pos x="connsiteX1" y="connsiteY1"/>
-                </a:cxn>
-                <a:cxn ang="0">
-                  <a:pos x="connsiteX2" y="connsiteY2"/>
-                </a:cxn>
-                <a:cxn ang="0">
-                  <a:pos x="connsiteX3" y="connsiteY3"/>
-                </a:cxn>
-                <a:cxn ang="0">
-                  <a:pos x="connsiteX4" y="connsiteY4"/>
-                </a:cxn>
-                <a:cxn ang="0">
-                  <a:pos x="connsiteX5" y="connsiteY5"/>
-                </a:cxn>
-                <a:cxn ang="0">
-                  <a:pos x="connsiteX6" y="connsiteY6"/>
-                </a:cxn>
-              </a:cxnLst>
-              <a:rect l="l" t="t" r="r" b="b"/>
-              <a:pathLst>
-                <a:path w="269508" h="385010">
-                  <a:moveTo>
-                    <a:pt x="0" y="0"/>
-                  </a:moveTo>
-                  <a:cubicBezTo>
-                    <a:pt x="30480" y="40105"/>
-                    <a:pt x="60960" y="80211"/>
-                    <a:pt x="96253" y="105878"/>
-                  </a:cubicBezTo>
-                  <a:cubicBezTo>
-                    <a:pt x="131546" y="131545"/>
-                    <a:pt x="222985" y="139566"/>
-                    <a:pt x="211756" y="154004"/>
-                  </a:cubicBezTo>
-                  <a:cubicBezTo>
-                    <a:pt x="200527" y="168442"/>
-                    <a:pt x="33689" y="171650"/>
-                    <a:pt x="28876" y="192505"/>
-                  </a:cubicBezTo>
-                  <a:cubicBezTo>
-                    <a:pt x="24063" y="213360"/>
-                    <a:pt x="184484" y="259882"/>
-                    <a:pt x="182880" y="279132"/>
-                  </a:cubicBezTo>
-                  <a:cubicBezTo>
-                    <a:pt x="181276" y="298382"/>
-                    <a:pt x="4813" y="290362"/>
-                    <a:pt x="19251" y="308008"/>
-                  </a:cubicBezTo>
-                  <a:cubicBezTo>
-                    <a:pt x="33689" y="325654"/>
-                    <a:pt x="151598" y="355332"/>
-                    <a:pt x="269508" y="385010"/>
-                  </a:cubicBezTo>
-                </a:path>
-              </a:pathLst>
-            </a:custGeom>
-            <a:noFill/>
-            <a:ln w="38100">
+            </a:prstGeom>
+          </p:spPr>
+          <p:txBody>
+            <a:bodyPr wrap="square">
+              <a:spAutoFit/>
+            </a:bodyPr>
+            <a:lstStyle/>
+            <a:p>
+              <a:pPr algn="ctr"/>
+              <a:r>
+                <a:rPr lang="en-US" altLang="zh-CN" dirty="0" smtClean="0">
+                  <a:latin typeface="Times New Roman" panose="02020603050405020304" pitchFamily="18" charset="0"/>
+                  <a:cs typeface="Times New Roman" panose="02020603050405020304" pitchFamily="18" charset="0"/>
+                </a:rPr>
+                <a:t>Collector</a:t>
+              </a:r>
+              <a:endParaRPr lang="zh-CN" altLang="en-US" dirty="0">
+                <a:latin typeface="Times New Roman" panose="02020603050405020304" pitchFamily="18" charset="0"/>
+                <a:cs typeface="Times New Roman" panose="02020603050405020304" pitchFamily="18" charset="0"/>
+              </a:endParaRPr>
+            </a:p>
+          </p:txBody>
+        </p:sp>
+        <p:sp>
+          <p:nvSpPr>
+            <p:cNvPr id="11" name="椭圆 10"/>
+            <p:cNvSpPr/>
+            <p:nvPr/>
+          </p:nvSpPr>
+          <p:spPr>
+            <a:xfrm>
+              <a:off x="987091" y="3407744"/>
+              <a:ext cx="683394" cy="606627"/>
+            </a:xfrm>
+            <a:prstGeom prst="ellipse">
+              <a:avLst/>
+            </a:prstGeom>
+            <a:solidFill>
+              <a:schemeClr val="bg1"/>
+            </a:solidFill>
+            <a:ln w="9525">
               <a:solidFill>
-                <a:schemeClr val="accent2">
-                  <a:lumMod val="75000"/>
-                </a:schemeClr>
+                <a:schemeClr val="tx1"/>
               </a:solidFill>
             </a:ln>
           </p:spPr>
@@ -5390,108 +5795,264 @@
             <a:lstStyle/>
             <a:p>
               <a:pPr algn="ctr"/>
-              <a:endParaRPr lang="zh-CN" altLang="en-US"/>
+              <a:r>
+                <a:rPr lang="en-US" altLang="zh-CN" sz="2400" b="1" dirty="0" smtClean="0">
+                  <a:solidFill>
+                    <a:schemeClr val="tx1"/>
+                  </a:solidFill>
+                  <a:latin typeface="Times New Roman" panose="02020603050405020304" pitchFamily="18" charset="0"/>
+                  <a:cs typeface="Times New Roman" panose="02020603050405020304" pitchFamily="18" charset="0"/>
+                </a:rPr>
+                <a:t>2</a:t>
+              </a:r>
+              <a:endParaRPr lang="zh-CN" altLang="en-US" sz="2400" b="1" dirty="0">
+                <a:solidFill>
+                  <a:schemeClr val="tx1"/>
+                </a:solidFill>
+                <a:latin typeface="Times New Roman" panose="02020603050405020304" pitchFamily="18" charset="0"/>
+                <a:cs typeface="Times New Roman" panose="02020603050405020304" pitchFamily="18" charset="0"/>
+              </a:endParaRPr>
             </a:p>
           </p:txBody>
         </p:sp>
+        <p:cxnSp>
+          <p:nvCxnSpPr>
+            <p:cNvPr id="13" name="直接箭头连接符 12"/>
+            <p:cNvCxnSpPr/>
+            <p:nvPr/>
+          </p:nvCxnSpPr>
+          <p:spPr>
+            <a:xfrm>
+              <a:off x="2063264" y="4529889"/>
+              <a:ext cx="1072862" cy="0"/>
+            </a:xfrm>
+            <a:prstGeom prst="straightConnector1">
+              <a:avLst/>
+            </a:prstGeom>
+            <a:ln w="38100">
+              <a:solidFill>
+                <a:schemeClr val="tx1"/>
+              </a:solidFill>
+              <a:tailEnd type="triangle"/>
+            </a:ln>
+          </p:spPr>
+          <p:style>
+            <a:lnRef idx="1">
+              <a:schemeClr val="accent1"/>
+            </a:lnRef>
+            <a:fillRef idx="0">
+              <a:schemeClr val="accent1"/>
+            </a:fillRef>
+            <a:effectRef idx="0">
+              <a:schemeClr val="accent1"/>
+            </a:effectRef>
+            <a:fontRef idx="minor">
+              <a:schemeClr val="tx1"/>
+            </a:fontRef>
+          </p:style>
+        </p:cxnSp>
+        <p:cxnSp>
+          <p:nvCxnSpPr>
+            <p:cNvPr id="84" name="直接箭头连接符 83"/>
+            <p:cNvCxnSpPr/>
+            <p:nvPr/>
+          </p:nvCxnSpPr>
+          <p:spPr>
+            <a:xfrm>
+              <a:off x="5026433" y="4529889"/>
+              <a:ext cx="985707" cy="0"/>
+            </a:xfrm>
+            <a:prstGeom prst="straightConnector1">
+              <a:avLst/>
+            </a:prstGeom>
+            <a:ln w="38100">
+              <a:solidFill>
+                <a:schemeClr val="tx1"/>
+              </a:solidFill>
+              <a:tailEnd type="triangle"/>
+            </a:ln>
+          </p:spPr>
+          <p:style>
+            <a:lnRef idx="1">
+              <a:schemeClr val="accent1"/>
+            </a:lnRef>
+            <a:fillRef idx="0">
+              <a:schemeClr val="accent1"/>
+            </a:fillRef>
+            <a:effectRef idx="0">
+              <a:schemeClr val="accent1"/>
+            </a:effectRef>
+            <a:fontRef idx="minor">
+              <a:schemeClr val="tx1"/>
+            </a:fontRef>
+          </p:style>
+        </p:cxnSp>
+        <p:cxnSp>
+          <p:nvCxnSpPr>
+            <p:cNvPr id="86" name="直接箭头连接符 85"/>
+            <p:cNvCxnSpPr/>
+            <p:nvPr/>
+          </p:nvCxnSpPr>
+          <p:spPr>
+            <a:xfrm>
+              <a:off x="7154516" y="4529889"/>
+              <a:ext cx="1873409" cy="0"/>
+            </a:xfrm>
+            <a:prstGeom prst="straightConnector1">
+              <a:avLst/>
+            </a:prstGeom>
+            <a:ln w="38100">
+              <a:solidFill>
+                <a:schemeClr val="tx1"/>
+              </a:solidFill>
+              <a:tailEnd type="triangle"/>
+            </a:ln>
+          </p:spPr>
+          <p:style>
+            <a:lnRef idx="1">
+              <a:schemeClr val="accent1"/>
+            </a:lnRef>
+            <a:fillRef idx="0">
+              <a:schemeClr val="accent1"/>
+            </a:fillRef>
+            <a:effectRef idx="0">
+              <a:schemeClr val="accent1"/>
+            </a:effectRef>
+            <a:fontRef idx="minor">
+              <a:schemeClr val="tx1"/>
+            </a:fontRef>
+          </p:style>
+        </p:cxnSp>
+        <p:cxnSp>
+          <p:nvCxnSpPr>
+            <p:cNvPr id="88" name="直接箭头连接符 87"/>
+            <p:cNvCxnSpPr/>
+            <p:nvPr/>
+          </p:nvCxnSpPr>
+          <p:spPr>
+            <a:xfrm flipH="1" flipV="1">
+              <a:off x="6559476" y="5934552"/>
+              <a:ext cx="10214" cy="301148"/>
+            </a:xfrm>
+            <a:prstGeom prst="straightConnector1">
+              <a:avLst/>
+            </a:prstGeom>
+            <a:ln w="38100">
+              <a:solidFill>
+                <a:schemeClr val="tx1"/>
+              </a:solidFill>
+              <a:tailEnd type="triangle"/>
+            </a:ln>
+          </p:spPr>
+          <p:style>
+            <a:lnRef idx="1">
+              <a:schemeClr val="accent1"/>
+            </a:lnRef>
+            <a:fillRef idx="0">
+              <a:schemeClr val="accent1"/>
+            </a:fillRef>
+            <a:effectRef idx="0">
+              <a:schemeClr val="accent1"/>
+            </a:effectRef>
+            <a:fontRef idx="minor">
+              <a:schemeClr val="tx1"/>
+            </a:fontRef>
+          </p:style>
+        </p:cxnSp>
+        <p:cxnSp>
+          <p:nvCxnSpPr>
+            <p:cNvPr id="94" name="直接箭头连接符 93"/>
+            <p:cNvCxnSpPr>
+              <a:endCxn id="10" idx="0"/>
+            </p:cNvCxnSpPr>
+            <p:nvPr/>
+          </p:nvCxnSpPr>
+          <p:spPr>
+            <a:xfrm flipH="1" flipV="1">
+              <a:off x="9951624" y="5901402"/>
+              <a:ext cx="2001" cy="334298"/>
+            </a:xfrm>
+            <a:prstGeom prst="straightConnector1">
+              <a:avLst/>
+            </a:prstGeom>
+            <a:ln w="38100">
+              <a:solidFill>
+                <a:schemeClr val="tx1"/>
+              </a:solidFill>
+              <a:tailEnd type="none"/>
+            </a:ln>
+          </p:spPr>
+          <p:style>
+            <a:lnRef idx="1">
+              <a:schemeClr val="accent1"/>
+            </a:lnRef>
+            <a:fillRef idx="0">
+              <a:schemeClr val="accent1"/>
+            </a:fillRef>
+            <a:effectRef idx="0">
+              <a:schemeClr val="accent1"/>
+            </a:effectRef>
+            <a:fontRef idx="minor">
+              <a:schemeClr val="tx1"/>
+            </a:fontRef>
+          </p:style>
+        </p:cxnSp>
+        <p:cxnSp>
+          <p:nvCxnSpPr>
+            <p:cNvPr id="95" name="直接箭头连接符 94"/>
+            <p:cNvCxnSpPr/>
+            <p:nvPr/>
+          </p:nvCxnSpPr>
+          <p:spPr>
+            <a:xfrm flipV="1">
+              <a:off x="6559476" y="6235700"/>
+              <a:ext cx="3415310" cy="2460"/>
+            </a:xfrm>
+            <a:prstGeom prst="straightConnector1">
+              <a:avLst/>
+            </a:prstGeom>
+            <a:ln w="38100">
+              <a:solidFill>
+                <a:schemeClr val="tx1"/>
+              </a:solidFill>
+              <a:tailEnd type="none"/>
+            </a:ln>
+          </p:spPr>
+          <p:style>
+            <a:lnRef idx="1">
+              <a:schemeClr val="accent1"/>
+            </a:lnRef>
+            <a:fillRef idx="0">
+              <a:schemeClr val="accent1"/>
+            </a:fillRef>
+            <a:effectRef idx="0">
+              <a:schemeClr val="accent1"/>
+            </a:effectRef>
+            <a:fontRef idx="minor">
+              <a:schemeClr val="tx1"/>
+            </a:fontRef>
+          </p:style>
+        </p:cxnSp>
         <p:sp>
           <p:nvSpPr>
-            <p:cNvPr id="63" name="任意多边形 62"/>
+            <p:cNvPr id="100" name="椭圆 99"/>
             <p:cNvSpPr/>
             <p:nvPr/>
           </p:nvSpPr>
           <p:spPr>
             <a:xfrm>
-              <a:off x="8535901" y="4158965"/>
-              <a:ext cx="269508" cy="385010"/>
+              <a:off x="3475108" y="2932530"/>
+              <a:ext cx="683394" cy="606627"/>
             </a:xfrm>
-            <a:custGeom>
+            <a:prstGeom prst="ellipse">
               <a:avLst/>
-              <a:gdLst>
-                <a:gd name="connsiteX0" fmla="*/ 0 w 269508"/>
-                <a:gd name="connsiteY0" fmla="*/ 0 h 385010"/>
-                <a:gd name="connsiteX1" fmla="*/ 96253 w 269508"/>
-                <a:gd name="connsiteY1" fmla="*/ 105878 h 385010"/>
-                <a:gd name="connsiteX2" fmla="*/ 211756 w 269508"/>
-                <a:gd name="connsiteY2" fmla="*/ 154004 h 385010"/>
-                <a:gd name="connsiteX3" fmla="*/ 28876 w 269508"/>
-                <a:gd name="connsiteY3" fmla="*/ 192505 h 385010"/>
-                <a:gd name="connsiteX4" fmla="*/ 182880 w 269508"/>
-                <a:gd name="connsiteY4" fmla="*/ 279132 h 385010"/>
-                <a:gd name="connsiteX5" fmla="*/ 19251 w 269508"/>
-                <a:gd name="connsiteY5" fmla="*/ 308008 h 385010"/>
-                <a:gd name="connsiteX6" fmla="*/ 269508 w 269508"/>
-                <a:gd name="connsiteY6" fmla="*/ 385010 h 385010"/>
-              </a:gdLst>
-              <a:ahLst/>
-              <a:cxnLst>
-                <a:cxn ang="0">
-                  <a:pos x="connsiteX0" y="connsiteY0"/>
-                </a:cxn>
-                <a:cxn ang="0">
-                  <a:pos x="connsiteX1" y="connsiteY1"/>
-                </a:cxn>
-                <a:cxn ang="0">
-                  <a:pos x="connsiteX2" y="connsiteY2"/>
-                </a:cxn>
-                <a:cxn ang="0">
-                  <a:pos x="connsiteX3" y="connsiteY3"/>
-                </a:cxn>
-                <a:cxn ang="0">
-                  <a:pos x="connsiteX4" y="connsiteY4"/>
-                </a:cxn>
-                <a:cxn ang="0">
-                  <a:pos x="connsiteX5" y="connsiteY5"/>
-                </a:cxn>
-                <a:cxn ang="0">
-                  <a:pos x="connsiteX6" y="connsiteY6"/>
-                </a:cxn>
-              </a:cxnLst>
-              <a:rect l="l" t="t" r="r" b="b"/>
-              <a:pathLst>
-                <a:path w="269508" h="385010">
-                  <a:moveTo>
-                    <a:pt x="0" y="0"/>
-                  </a:moveTo>
-                  <a:cubicBezTo>
-                    <a:pt x="30480" y="40105"/>
-                    <a:pt x="60960" y="80211"/>
-                    <a:pt x="96253" y="105878"/>
-                  </a:cubicBezTo>
-                  <a:cubicBezTo>
-                    <a:pt x="131546" y="131545"/>
-                    <a:pt x="222985" y="139566"/>
-                    <a:pt x="211756" y="154004"/>
-                  </a:cubicBezTo>
-                  <a:cubicBezTo>
-                    <a:pt x="200527" y="168442"/>
-                    <a:pt x="33689" y="171650"/>
-                    <a:pt x="28876" y="192505"/>
-                  </a:cubicBezTo>
-                  <a:cubicBezTo>
-                    <a:pt x="24063" y="213360"/>
-                    <a:pt x="184484" y="259882"/>
-                    <a:pt x="182880" y="279132"/>
-                  </a:cubicBezTo>
-                  <a:cubicBezTo>
-                    <a:pt x="181276" y="298382"/>
-                    <a:pt x="4813" y="290362"/>
-                    <a:pt x="19251" y="308008"/>
-                  </a:cubicBezTo>
-                  <a:cubicBezTo>
-                    <a:pt x="33689" y="325654"/>
-                    <a:pt x="151598" y="355332"/>
-                    <a:pt x="269508" y="385010"/>
-                  </a:cubicBezTo>
-                </a:path>
-              </a:pathLst>
-            </a:custGeom>
-            <a:noFill/>
-            <a:ln w="38100">
+            </a:prstGeom>
+            <a:solidFill>
+              <a:schemeClr val="bg1"/>
+            </a:solidFill>
+            <a:ln w="9525">
               <a:solidFill>
-                <a:schemeClr val="accent6">
-                  <a:lumMod val="75000"/>
-                </a:schemeClr>
+                <a:schemeClr val="tx1"/>
               </a:solidFill>
             </a:ln>
           </p:spPr>
@@ -5516,108 +6077,46 @@
             <a:lstStyle/>
             <a:p>
               <a:pPr algn="ctr"/>
-              <a:endParaRPr lang="zh-CN" altLang="en-US"/>
+              <a:r>
+                <a:rPr lang="en-US" altLang="zh-CN" sz="2400" b="1" dirty="0" smtClean="0">
+                  <a:solidFill>
+                    <a:schemeClr val="tx1"/>
+                  </a:solidFill>
+                  <a:latin typeface="Times New Roman" panose="02020603050405020304" pitchFamily="18" charset="0"/>
+                  <a:cs typeface="Times New Roman" panose="02020603050405020304" pitchFamily="18" charset="0"/>
+                </a:rPr>
+                <a:t>3</a:t>
+              </a:r>
+              <a:endParaRPr lang="zh-CN" altLang="en-US" sz="2400" b="1" dirty="0">
+                <a:solidFill>
+                  <a:schemeClr val="tx1"/>
+                </a:solidFill>
+                <a:latin typeface="Times New Roman" panose="02020603050405020304" pitchFamily="18" charset="0"/>
+                <a:cs typeface="Times New Roman" panose="02020603050405020304" pitchFamily="18" charset="0"/>
+              </a:endParaRPr>
             </a:p>
           </p:txBody>
         </p:sp>
         <p:sp>
           <p:nvSpPr>
-            <p:cNvPr id="64" name="任意多边形 63"/>
+            <p:cNvPr id="101" name="椭圆 100"/>
             <p:cNvSpPr/>
             <p:nvPr/>
           </p:nvSpPr>
           <p:spPr>
             <a:xfrm>
-              <a:off x="8746071" y="4160009"/>
-              <a:ext cx="269508" cy="385010"/>
+              <a:off x="6080036" y="2932530"/>
+              <a:ext cx="683394" cy="606627"/>
             </a:xfrm>
-            <a:custGeom>
+            <a:prstGeom prst="ellipse">
               <a:avLst/>
-              <a:gdLst>
-                <a:gd name="connsiteX0" fmla="*/ 0 w 269508"/>
-                <a:gd name="connsiteY0" fmla="*/ 0 h 385010"/>
-                <a:gd name="connsiteX1" fmla="*/ 96253 w 269508"/>
-                <a:gd name="connsiteY1" fmla="*/ 105878 h 385010"/>
-                <a:gd name="connsiteX2" fmla="*/ 211756 w 269508"/>
-                <a:gd name="connsiteY2" fmla="*/ 154004 h 385010"/>
-                <a:gd name="connsiteX3" fmla="*/ 28876 w 269508"/>
-                <a:gd name="connsiteY3" fmla="*/ 192505 h 385010"/>
-                <a:gd name="connsiteX4" fmla="*/ 182880 w 269508"/>
-                <a:gd name="connsiteY4" fmla="*/ 279132 h 385010"/>
-                <a:gd name="connsiteX5" fmla="*/ 19251 w 269508"/>
-                <a:gd name="connsiteY5" fmla="*/ 308008 h 385010"/>
-                <a:gd name="connsiteX6" fmla="*/ 269508 w 269508"/>
-                <a:gd name="connsiteY6" fmla="*/ 385010 h 385010"/>
-              </a:gdLst>
-              <a:ahLst/>
-              <a:cxnLst>
-                <a:cxn ang="0">
-                  <a:pos x="connsiteX0" y="connsiteY0"/>
-                </a:cxn>
-                <a:cxn ang="0">
-                  <a:pos x="connsiteX1" y="connsiteY1"/>
-                </a:cxn>
-                <a:cxn ang="0">
-                  <a:pos x="connsiteX2" y="connsiteY2"/>
-                </a:cxn>
-                <a:cxn ang="0">
-                  <a:pos x="connsiteX3" y="connsiteY3"/>
-                </a:cxn>
-                <a:cxn ang="0">
-                  <a:pos x="connsiteX4" y="connsiteY4"/>
-                </a:cxn>
-                <a:cxn ang="0">
-                  <a:pos x="connsiteX5" y="connsiteY5"/>
-                </a:cxn>
-                <a:cxn ang="0">
-                  <a:pos x="connsiteX6" y="connsiteY6"/>
-                </a:cxn>
-              </a:cxnLst>
-              <a:rect l="l" t="t" r="r" b="b"/>
-              <a:pathLst>
-                <a:path w="269508" h="385010">
-                  <a:moveTo>
-                    <a:pt x="0" y="0"/>
-                  </a:moveTo>
-                  <a:cubicBezTo>
-                    <a:pt x="30480" y="40105"/>
-                    <a:pt x="60960" y="80211"/>
-                    <a:pt x="96253" y="105878"/>
-                  </a:cubicBezTo>
-                  <a:cubicBezTo>
-                    <a:pt x="131546" y="131545"/>
-                    <a:pt x="222985" y="139566"/>
-                    <a:pt x="211756" y="154004"/>
-                  </a:cubicBezTo>
-                  <a:cubicBezTo>
-                    <a:pt x="200527" y="168442"/>
-                    <a:pt x="33689" y="171650"/>
-                    <a:pt x="28876" y="192505"/>
-                  </a:cubicBezTo>
-                  <a:cubicBezTo>
-                    <a:pt x="24063" y="213360"/>
-                    <a:pt x="184484" y="259882"/>
-                    <a:pt x="182880" y="279132"/>
-                  </a:cubicBezTo>
-                  <a:cubicBezTo>
-                    <a:pt x="181276" y="298382"/>
-                    <a:pt x="4813" y="290362"/>
-                    <a:pt x="19251" y="308008"/>
-                  </a:cubicBezTo>
-                  <a:cubicBezTo>
-                    <a:pt x="33689" y="325654"/>
-                    <a:pt x="151598" y="355332"/>
-                    <a:pt x="269508" y="385010"/>
-                  </a:cubicBezTo>
-                </a:path>
-              </a:pathLst>
-            </a:custGeom>
-            <a:noFill/>
-            <a:ln w="38100">
+            </a:prstGeom>
+            <a:solidFill>
+              <a:schemeClr val="bg1"/>
+            </a:solidFill>
+            <a:ln w="9525">
               <a:solidFill>
-                <a:schemeClr val="accent6">
-                  <a:lumMod val="75000"/>
-                </a:schemeClr>
+                <a:schemeClr val="tx1"/>
               </a:solidFill>
             </a:ln>
           </p:spPr>
@@ -5642,1052 +6141,615 @@
             <a:lstStyle/>
             <a:p>
               <a:pPr algn="ctr"/>
-              <a:endParaRPr lang="zh-CN" altLang="en-US"/>
-            </a:p>
-          </p:txBody>
-        </p:sp>
-      </p:grpSp>
-      <p:sp>
-        <p:nvSpPr>
-          <p:cNvPr id="10" name="等腰三角形 9"/>
-          <p:cNvSpPr/>
-          <p:nvPr/>
-        </p:nvSpPr>
-        <p:spPr>
-          <a:xfrm flipV="1">
-            <a:off x="9004763" y="5185803"/>
-            <a:ext cx="1893722" cy="715599"/>
-          </a:xfrm>
-          <a:prstGeom prst="triangle">
-            <a:avLst/>
-          </a:prstGeom>
-          <a:solidFill>
-            <a:schemeClr val="bg1"/>
-          </a:solidFill>
-          <a:ln w="38100">
-            <a:solidFill>
-              <a:schemeClr val="tx1"/>
-            </a:solidFill>
-          </a:ln>
-        </p:spPr>
-        <p:style>
-          <a:lnRef idx="2">
-            <a:schemeClr val="accent1">
-              <a:shade val="50000"/>
-            </a:schemeClr>
-          </a:lnRef>
-          <a:fillRef idx="1">
-            <a:schemeClr val="accent1"/>
-          </a:fillRef>
-          <a:effectRef idx="0">
-            <a:schemeClr val="accent1"/>
-          </a:effectRef>
-          <a:fontRef idx="minor">
-            <a:schemeClr val="lt1"/>
-          </a:fontRef>
-        </p:style>
-        <p:txBody>
-          <a:bodyPr rtlCol="0" anchor="ctr"/>
-          <a:lstStyle/>
-          <a:p>
-            <a:pPr algn="ctr"/>
-            <a:endParaRPr lang="zh-CN" altLang="en-US" dirty="0">
-              <a:solidFill>
-                <a:schemeClr val="tx1"/>
-              </a:solidFill>
-              <a:latin typeface="Times New Roman" panose="02020603050405020304" pitchFamily="18" charset="0"/>
-              <a:cs typeface="Times New Roman" panose="02020603050405020304" pitchFamily="18" charset="0"/>
-            </a:endParaRPr>
-          </a:p>
-        </p:txBody>
-      </p:sp>
-      <p:sp>
-        <p:nvSpPr>
-          <p:cNvPr id="80" name="矩形 79"/>
-          <p:cNvSpPr/>
-          <p:nvPr/>
-        </p:nvSpPr>
-        <p:spPr>
-          <a:xfrm>
-            <a:off x="9027925" y="5329091"/>
-            <a:ext cx="1847398" cy="369332"/>
-          </a:xfrm>
-          <a:prstGeom prst="rect">
-            <a:avLst/>
-          </a:prstGeom>
-        </p:spPr>
-        <p:txBody>
-          <a:bodyPr wrap="square">
-            <a:spAutoFit/>
-          </a:bodyPr>
-          <a:lstStyle/>
-          <a:p>
-            <a:pPr algn="ctr"/>
-            <a:r>
-              <a:rPr lang="en-US" altLang="zh-CN" dirty="0" smtClean="0">
-                <a:latin typeface="Times New Roman" panose="02020603050405020304" pitchFamily="18" charset="0"/>
-                <a:cs typeface="Times New Roman" panose="02020603050405020304" pitchFamily="18" charset="0"/>
-              </a:rPr>
-              <a:t>Collector</a:t>
-            </a:r>
-            <a:endParaRPr lang="zh-CN" altLang="en-US" dirty="0">
-              <a:latin typeface="Times New Roman" panose="02020603050405020304" pitchFamily="18" charset="0"/>
-              <a:cs typeface="Times New Roman" panose="02020603050405020304" pitchFamily="18" charset="0"/>
-            </a:endParaRPr>
-          </a:p>
-        </p:txBody>
-      </p:sp>
-      <p:sp>
-        <p:nvSpPr>
-          <p:cNvPr id="11" name="椭圆 10"/>
-          <p:cNvSpPr/>
-          <p:nvPr/>
-        </p:nvSpPr>
-        <p:spPr>
-          <a:xfrm>
-            <a:off x="987091" y="3407744"/>
-            <a:ext cx="683394" cy="606627"/>
-          </a:xfrm>
-          <a:prstGeom prst="ellipse">
-            <a:avLst/>
-          </a:prstGeom>
-          <a:solidFill>
-            <a:schemeClr val="bg1"/>
-          </a:solidFill>
-          <a:ln w="9525">
-            <a:solidFill>
-              <a:schemeClr val="tx1"/>
-            </a:solidFill>
-          </a:ln>
-        </p:spPr>
-        <p:style>
-          <a:lnRef idx="2">
-            <a:schemeClr val="accent1">
-              <a:shade val="50000"/>
-            </a:schemeClr>
-          </a:lnRef>
-          <a:fillRef idx="1">
-            <a:schemeClr val="accent1"/>
-          </a:fillRef>
-          <a:effectRef idx="0">
-            <a:schemeClr val="accent1"/>
-          </a:effectRef>
-          <a:fontRef idx="minor">
-            <a:schemeClr val="lt1"/>
-          </a:fontRef>
-        </p:style>
-        <p:txBody>
-          <a:bodyPr rtlCol="0" anchor="ctr"/>
-          <a:lstStyle/>
-          <a:p>
-            <a:pPr algn="ctr"/>
-            <a:r>
-              <a:rPr lang="en-US" altLang="zh-CN" sz="2400" b="1" dirty="0" smtClean="0">
+              <a:r>
+                <a:rPr lang="en-US" altLang="zh-CN" sz="2400" b="1" dirty="0" smtClean="0">
+                  <a:solidFill>
+                    <a:schemeClr val="tx1"/>
+                  </a:solidFill>
+                  <a:latin typeface="Times New Roman" panose="02020603050405020304" pitchFamily="18" charset="0"/>
+                  <a:cs typeface="Times New Roman" panose="02020603050405020304" pitchFamily="18" charset="0"/>
+                </a:rPr>
+                <a:t>4</a:t>
+              </a:r>
+              <a:endParaRPr lang="zh-CN" altLang="en-US" sz="2400" b="1" dirty="0">
                 <a:solidFill>
                   <a:schemeClr val="tx1"/>
                 </a:solidFill>
                 <a:latin typeface="Times New Roman" panose="02020603050405020304" pitchFamily="18" charset="0"/>
                 <a:cs typeface="Times New Roman" panose="02020603050405020304" pitchFamily="18" charset="0"/>
-              </a:rPr>
-              <a:t>2</a:t>
-            </a:r>
-            <a:endParaRPr lang="zh-CN" altLang="en-US" sz="2400" b="1" dirty="0">
+              </a:endParaRPr>
+            </a:p>
+          </p:txBody>
+        </p:sp>
+        <p:sp>
+          <p:nvSpPr>
+            <p:cNvPr id="102" name="椭圆 101"/>
+            <p:cNvSpPr/>
+            <p:nvPr/>
+          </p:nvSpPr>
+          <p:spPr>
+            <a:xfrm>
+              <a:off x="9596459" y="3407744"/>
+              <a:ext cx="683394" cy="606627"/>
+            </a:xfrm>
+            <a:prstGeom prst="ellipse">
+              <a:avLst/>
+            </a:prstGeom>
+            <a:solidFill>
+              <a:schemeClr val="bg1"/>
+            </a:solidFill>
+            <a:ln w="9525">
               <a:solidFill>
                 <a:schemeClr val="tx1"/>
               </a:solidFill>
-              <a:latin typeface="Times New Roman" panose="02020603050405020304" pitchFamily="18" charset="0"/>
-              <a:cs typeface="Times New Roman" panose="02020603050405020304" pitchFamily="18" charset="0"/>
-            </a:endParaRPr>
-          </a:p>
-        </p:txBody>
-      </p:sp>
-      <p:cxnSp>
-        <p:nvCxnSpPr>
-          <p:cNvPr id="13" name="直接箭头连接符 12"/>
-          <p:cNvCxnSpPr/>
-          <p:nvPr/>
-        </p:nvCxnSpPr>
-        <p:spPr>
-          <a:xfrm>
-            <a:off x="2063264" y="4529889"/>
-            <a:ext cx="1072862" cy="0"/>
-          </a:xfrm>
-          <a:prstGeom prst="straightConnector1">
-            <a:avLst/>
-          </a:prstGeom>
-          <a:ln w="38100">
-            <a:solidFill>
-              <a:schemeClr val="tx1"/>
-            </a:solidFill>
-            <a:tailEnd type="triangle"/>
-          </a:ln>
-        </p:spPr>
-        <p:style>
-          <a:lnRef idx="1">
-            <a:schemeClr val="accent1"/>
-          </a:lnRef>
-          <a:fillRef idx="0">
-            <a:schemeClr val="accent1"/>
-          </a:fillRef>
-          <a:effectRef idx="0">
-            <a:schemeClr val="accent1"/>
-          </a:effectRef>
-          <a:fontRef idx="minor">
-            <a:schemeClr val="tx1"/>
-          </a:fontRef>
-        </p:style>
-      </p:cxnSp>
-      <p:cxnSp>
-        <p:nvCxnSpPr>
-          <p:cNvPr id="84" name="直接箭头连接符 83"/>
-          <p:cNvCxnSpPr/>
-          <p:nvPr/>
-        </p:nvCxnSpPr>
-        <p:spPr>
-          <a:xfrm>
-            <a:off x="5026433" y="4529889"/>
-            <a:ext cx="985707" cy="0"/>
-          </a:xfrm>
-          <a:prstGeom prst="straightConnector1">
-            <a:avLst/>
-          </a:prstGeom>
-          <a:ln w="38100">
-            <a:solidFill>
-              <a:schemeClr val="tx1"/>
-            </a:solidFill>
-            <a:tailEnd type="triangle"/>
-          </a:ln>
-        </p:spPr>
-        <p:style>
-          <a:lnRef idx="1">
-            <a:schemeClr val="accent1"/>
-          </a:lnRef>
-          <a:fillRef idx="0">
-            <a:schemeClr val="accent1"/>
-          </a:fillRef>
-          <a:effectRef idx="0">
-            <a:schemeClr val="accent1"/>
-          </a:effectRef>
-          <a:fontRef idx="minor">
-            <a:schemeClr val="tx1"/>
-          </a:fontRef>
-        </p:style>
-      </p:cxnSp>
-      <p:cxnSp>
-        <p:nvCxnSpPr>
-          <p:cNvPr id="86" name="直接箭头连接符 85"/>
-          <p:cNvCxnSpPr/>
-          <p:nvPr/>
-        </p:nvCxnSpPr>
-        <p:spPr>
-          <a:xfrm>
-            <a:off x="7154516" y="4529889"/>
-            <a:ext cx="1873409" cy="0"/>
-          </a:xfrm>
-          <a:prstGeom prst="straightConnector1">
-            <a:avLst/>
-          </a:prstGeom>
-          <a:ln w="38100">
-            <a:solidFill>
-              <a:schemeClr val="tx1"/>
-            </a:solidFill>
-            <a:tailEnd type="triangle"/>
-          </a:ln>
-        </p:spPr>
-        <p:style>
-          <a:lnRef idx="1">
-            <a:schemeClr val="accent1"/>
-          </a:lnRef>
-          <a:fillRef idx="0">
-            <a:schemeClr val="accent1"/>
-          </a:fillRef>
-          <a:effectRef idx="0">
-            <a:schemeClr val="accent1"/>
-          </a:effectRef>
-          <a:fontRef idx="minor">
-            <a:schemeClr val="tx1"/>
-          </a:fontRef>
-        </p:style>
-      </p:cxnSp>
-      <p:cxnSp>
-        <p:nvCxnSpPr>
-          <p:cNvPr id="88" name="直接箭头连接符 87"/>
-          <p:cNvCxnSpPr/>
-          <p:nvPr/>
-        </p:nvCxnSpPr>
-        <p:spPr>
-          <a:xfrm flipH="1" flipV="1">
-            <a:off x="6559476" y="5934552"/>
-            <a:ext cx="10214" cy="301148"/>
-          </a:xfrm>
-          <a:prstGeom prst="straightConnector1">
-            <a:avLst/>
-          </a:prstGeom>
-          <a:ln w="38100">
-            <a:solidFill>
-              <a:schemeClr val="tx1"/>
-            </a:solidFill>
-            <a:tailEnd type="triangle"/>
-          </a:ln>
-        </p:spPr>
-        <p:style>
-          <a:lnRef idx="1">
-            <a:schemeClr val="accent1"/>
-          </a:lnRef>
-          <a:fillRef idx="0">
-            <a:schemeClr val="accent1"/>
-          </a:fillRef>
-          <a:effectRef idx="0">
-            <a:schemeClr val="accent1"/>
-          </a:effectRef>
-          <a:fontRef idx="minor">
-            <a:schemeClr val="tx1"/>
-          </a:fontRef>
-        </p:style>
-      </p:cxnSp>
-      <p:cxnSp>
-        <p:nvCxnSpPr>
-          <p:cNvPr id="94" name="直接箭头连接符 93"/>
-          <p:cNvCxnSpPr>
-            <a:endCxn id="10" idx="0"/>
-          </p:cNvCxnSpPr>
-          <p:nvPr/>
-        </p:nvCxnSpPr>
-        <p:spPr>
-          <a:xfrm flipH="1" flipV="1">
-            <a:off x="9951624" y="5901402"/>
-            <a:ext cx="2001" cy="334298"/>
-          </a:xfrm>
-          <a:prstGeom prst="straightConnector1">
-            <a:avLst/>
-          </a:prstGeom>
-          <a:ln w="38100">
-            <a:solidFill>
-              <a:schemeClr val="tx1"/>
-            </a:solidFill>
-            <a:tailEnd type="none"/>
-          </a:ln>
-        </p:spPr>
-        <p:style>
-          <a:lnRef idx="1">
-            <a:schemeClr val="accent1"/>
-          </a:lnRef>
-          <a:fillRef idx="0">
-            <a:schemeClr val="accent1"/>
-          </a:fillRef>
-          <a:effectRef idx="0">
-            <a:schemeClr val="accent1"/>
-          </a:effectRef>
-          <a:fontRef idx="minor">
-            <a:schemeClr val="tx1"/>
-          </a:fontRef>
-        </p:style>
-      </p:cxnSp>
-      <p:cxnSp>
-        <p:nvCxnSpPr>
-          <p:cNvPr id="95" name="直接箭头连接符 94"/>
-          <p:cNvCxnSpPr/>
-          <p:nvPr/>
-        </p:nvCxnSpPr>
-        <p:spPr>
-          <a:xfrm flipV="1">
-            <a:off x="6559476" y="6235700"/>
-            <a:ext cx="3415310" cy="2460"/>
-          </a:xfrm>
-          <a:prstGeom prst="straightConnector1">
-            <a:avLst/>
-          </a:prstGeom>
-          <a:ln w="38100">
-            <a:solidFill>
-              <a:schemeClr val="tx1"/>
-            </a:solidFill>
-            <a:tailEnd type="none"/>
-          </a:ln>
-        </p:spPr>
-        <p:style>
-          <a:lnRef idx="1">
-            <a:schemeClr val="accent1"/>
-          </a:lnRef>
-          <a:fillRef idx="0">
-            <a:schemeClr val="accent1"/>
-          </a:fillRef>
-          <a:effectRef idx="0">
-            <a:schemeClr val="accent1"/>
-          </a:effectRef>
-          <a:fontRef idx="minor">
-            <a:schemeClr val="tx1"/>
-          </a:fontRef>
-        </p:style>
-      </p:cxnSp>
-      <p:sp>
-        <p:nvSpPr>
-          <p:cNvPr id="100" name="椭圆 99"/>
-          <p:cNvSpPr/>
-          <p:nvPr/>
-        </p:nvSpPr>
-        <p:spPr>
-          <a:xfrm>
-            <a:off x="3475108" y="2932530"/>
-            <a:ext cx="683394" cy="606627"/>
-          </a:xfrm>
-          <a:prstGeom prst="ellipse">
-            <a:avLst/>
-          </a:prstGeom>
-          <a:solidFill>
-            <a:schemeClr val="bg1"/>
-          </a:solidFill>
-          <a:ln w="9525">
-            <a:solidFill>
-              <a:schemeClr val="tx1"/>
-            </a:solidFill>
-          </a:ln>
-        </p:spPr>
-        <p:style>
-          <a:lnRef idx="2">
-            <a:schemeClr val="accent1">
-              <a:shade val="50000"/>
-            </a:schemeClr>
-          </a:lnRef>
-          <a:fillRef idx="1">
-            <a:schemeClr val="accent1"/>
-          </a:fillRef>
-          <a:effectRef idx="0">
-            <a:schemeClr val="accent1"/>
-          </a:effectRef>
-          <a:fontRef idx="minor">
-            <a:schemeClr val="lt1"/>
-          </a:fontRef>
-        </p:style>
-        <p:txBody>
-          <a:bodyPr rtlCol="0" anchor="ctr"/>
-          <a:lstStyle/>
-          <a:p>
-            <a:pPr algn="ctr"/>
-            <a:r>
-              <a:rPr lang="en-US" altLang="zh-CN" sz="2400" b="1" dirty="0" smtClean="0">
+            </a:ln>
+          </p:spPr>
+          <p:style>
+            <a:lnRef idx="2">
+              <a:schemeClr val="accent1">
+                <a:shade val="50000"/>
+              </a:schemeClr>
+            </a:lnRef>
+            <a:fillRef idx="1">
+              <a:schemeClr val="accent1"/>
+            </a:fillRef>
+            <a:effectRef idx="0">
+              <a:schemeClr val="accent1"/>
+            </a:effectRef>
+            <a:fontRef idx="minor">
+              <a:schemeClr val="lt1"/>
+            </a:fontRef>
+          </p:style>
+          <p:txBody>
+            <a:bodyPr rtlCol="0" anchor="ctr"/>
+            <a:lstStyle/>
+            <a:p>
+              <a:pPr algn="ctr"/>
+              <a:r>
+                <a:rPr lang="en-US" altLang="zh-CN" sz="2400" b="1" dirty="0" smtClean="0">
+                  <a:solidFill>
+                    <a:schemeClr val="tx1"/>
+                  </a:solidFill>
+                  <a:latin typeface="Times New Roman" panose="02020603050405020304" pitchFamily="18" charset="0"/>
+                  <a:cs typeface="Times New Roman" panose="02020603050405020304" pitchFamily="18" charset="0"/>
+                </a:rPr>
+                <a:t>5</a:t>
+              </a:r>
+              <a:endParaRPr lang="zh-CN" altLang="en-US" sz="2400" b="1" dirty="0">
                 <a:solidFill>
                   <a:schemeClr val="tx1"/>
                 </a:solidFill>
                 <a:latin typeface="Times New Roman" panose="02020603050405020304" pitchFamily="18" charset="0"/>
                 <a:cs typeface="Times New Roman" panose="02020603050405020304" pitchFamily="18" charset="0"/>
-              </a:rPr>
-              <a:t>3</a:t>
-            </a:r>
-            <a:endParaRPr lang="zh-CN" altLang="en-US" sz="2400" b="1" dirty="0">
+              </a:endParaRPr>
+            </a:p>
+          </p:txBody>
+        </p:sp>
+        <p:sp>
+          <p:nvSpPr>
+            <p:cNvPr id="109" name="矩形 108"/>
+            <p:cNvSpPr/>
+            <p:nvPr/>
+          </p:nvSpPr>
+          <p:spPr>
+            <a:xfrm>
+              <a:off x="3322923" y="1367528"/>
+              <a:ext cx="2323069" cy="853202"/>
+            </a:xfrm>
+            <a:prstGeom prst="rect">
+              <a:avLst/>
+            </a:prstGeom>
+            <a:solidFill>
+              <a:schemeClr val="bg1"/>
+            </a:solidFill>
+            <a:ln w="38100">
               <a:solidFill>
                 <a:schemeClr val="tx1"/>
               </a:solidFill>
-              <a:latin typeface="Times New Roman" panose="02020603050405020304" pitchFamily="18" charset="0"/>
-              <a:cs typeface="Times New Roman" panose="02020603050405020304" pitchFamily="18" charset="0"/>
-            </a:endParaRPr>
-          </a:p>
-        </p:txBody>
-      </p:sp>
-      <p:sp>
-        <p:nvSpPr>
-          <p:cNvPr id="101" name="椭圆 100"/>
-          <p:cNvSpPr/>
-          <p:nvPr/>
-        </p:nvSpPr>
-        <p:spPr>
-          <a:xfrm>
-            <a:off x="6080036" y="2932530"/>
-            <a:ext cx="683394" cy="606627"/>
-          </a:xfrm>
-          <a:prstGeom prst="ellipse">
-            <a:avLst/>
-          </a:prstGeom>
-          <a:solidFill>
-            <a:schemeClr val="bg1"/>
-          </a:solidFill>
-          <a:ln w="9525">
-            <a:solidFill>
-              <a:schemeClr val="tx1"/>
-            </a:solidFill>
-          </a:ln>
-        </p:spPr>
-        <p:style>
-          <a:lnRef idx="2">
-            <a:schemeClr val="accent1">
-              <a:shade val="50000"/>
-            </a:schemeClr>
-          </a:lnRef>
-          <a:fillRef idx="1">
-            <a:schemeClr val="accent1"/>
-          </a:fillRef>
-          <a:effectRef idx="0">
-            <a:schemeClr val="accent1"/>
-          </a:effectRef>
-          <a:fontRef idx="minor">
-            <a:schemeClr val="lt1"/>
-          </a:fontRef>
-        </p:style>
-        <p:txBody>
-          <a:bodyPr rtlCol="0" anchor="ctr"/>
-          <a:lstStyle/>
-          <a:p>
-            <a:pPr algn="ctr"/>
-            <a:r>
-              <a:rPr lang="en-US" altLang="zh-CN" sz="2400" b="1" dirty="0" smtClean="0">
+            </a:ln>
+          </p:spPr>
+          <p:style>
+            <a:lnRef idx="2">
+              <a:schemeClr val="accent1">
+                <a:shade val="50000"/>
+              </a:schemeClr>
+            </a:lnRef>
+            <a:fillRef idx="1">
+              <a:schemeClr val="accent1"/>
+            </a:fillRef>
+            <a:effectRef idx="0">
+              <a:schemeClr val="accent1"/>
+            </a:effectRef>
+            <a:fontRef idx="minor">
+              <a:schemeClr val="lt1"/>
+            </a:fontRef>
+          </p:style>
+          <p:txBody>
+            <a:bodyPr rtlCol="0" anchor="ctr"/>
+            <a:lstStyle/>
+            <a:p>
+              <a:pPr algn="ctr"/>
+              <a:r>
+                <a:rPr lang="en-US" altLang="zh-CN" dirty="0" err="1" smtClean="0">
+                  <a:solidFill>
+                    <a:schemeClr val="tx1"/>
+                  </a:solidFill>
+                  <a:latin typeface="Times New Roman" panose="02020603050405020304" pitchFamily="18" charset="0"/>
+                  <a:cs typeface="Times New Roman" panose="02020603050405020304" pitchFamily="18" charset="0"/>
+                </a:rPr>
+                <a:t>Analyser</a:t>
+              </a:r>
+              <a:endParaRPr lang="en-US" altLang="zh-CN" dirty="0" smtClean="0">
                 <a:solidFill>
                   <a:schemeClr val="tx1"/>
                 </a:solidFill>
                 <a:latin typeface="Times New Roman" panose="02020603050405020304" pitchFamily="18" charset="0"/>
                 <a:cs typeface="Times New Roman" panose="02020603050405020304" pitchFamily="18" charset="0"/>
-              </a:rPr>
-              <a:t>4</a:t>
-            </a:r>
-            <a:endParaRPr lang="zh-CN" altLang="en-US" sz="2400" b="1" dirty="0">
-              <a:solidFill>
-                <a:schemeClr val="tx1"/>
-              </a:solidFill>
-              <a:latin typeface="Times New Roman" panose="02020603050405020304" pitchFamily="18" charset="0"/>
-              <a:cs typeface="Times New Roman" panose="02020603050405020304" pitchFamily="18" charset="0"/>
-            </a:endParaRPr>
-          </a:p>
-        </p:txBody>
-      </p:sp>
-      <p:sp>
-        <p:nvSpPr>
-          <p:cNvPr id="102" name="椭圆 101"/>
-          <p:cNvSpPr/>
-          <p:nvPr/>
-        </p:nvSpPr>
-        <p:spPr>
-          <a:xfrm>
-            <a:off x="9596459" y="3407744"/>
-            <a:ext cx="683394" cy="606627"/>
-          </a:xfrm>
-          <a:prstGeom prst="ellipse">
-            <a:avLst/>
-          </a:prstGeom>
-          <a:solidFill>
-            <a:schemeClr val="bg1"/>
-          </a:solidFill>
-          <a:ln w="9525">
-            <a:solidFill>
-              <a:schemeClr val="tx1"/>
-            </a:solidFill>
-          </a:ln>
-        </p:spPr>
-        <p:style>
-          <a:lnRef idx="2">
-            <a:schemeClr val="accent1">
-              <a:shade val="50000"/>
-            </a:schemeClr>
-          </a:lnRef>
-          <a:fillRef idx="1">
-            <a:schemeClr val="accent1"/>
-          </a:fillRef>
-          <a:effectRef idx="0">
-            <a:schemeClr val="accent1"/>
-          </a:effectRef>
-          <a:fontRef idx="minor">
-            <a:schemeClr val="lt1"/>
-          </a:fontRef>
-        </p:style>
-        <p:txBody>
-          <a:bodyPr rtlCol="0" anchor="ctr"/>
-          <a:lstStyle/>
-          <a:p>
-            <a:pPr algn="ctr"/>
-            <a:r>
-              <a:rPr lang="en-US" altLang="zh-CN" sz="2400" b="1" dirty="0" smtClean="0">
+              </a:endParaRPr>
+            </a:p>
+            <a:p>
+              <a:pPr algn="ctr"/>
+              <a:r>
+                <a:rPr lang="en-US" altLang="zh-CN" sz="1400" dirty="0" smtClean="0">
+                  <a:solidFill>
+                    <a:schemeClr val="tx1"/>
+                  </a:solidFill>
+                  <a:latin typeface="Times New Roman" panose="02020603050405020304" pitchFamily="18" charset="0"/>
+                  <a:cs typeface="Times New Roman" panose="02020603050405020304" pitchFamily="18" charset="0"/>
+                </a:rPr>
+                <a:t>Convert </a:t>
+              </a:r>
+              <a:r>
+                <a:rPr lang="en-US" altLang="zh-CN" sz="1400" dirty="0" err="1" smtClean="0">
+                  <a:solidFill>
+                    <a:schemeClr val="tx1"/>
+                  </a:solidFill>
+                  <a:latin typeface="Times New Roman" panose="02020603050405020304" pitchFamily="18" charset="0"/>
+                  <a:cs typeface="Times New Roman" panose="02020603050405020304" pitchFamily="18" charset="0"/>
+                </a:rPr>
+                <a:t>libvirt’s</a:t>
+              </a:r>
+              <a:r>
+                <a:rPr lang="en-US" altLang="zh-CN" sz="1400" dirty="0" smtClean="0">
+                  <a:solidFill>
+                    <a:schemeClr val="tx1"/>
+                  </a:solidFill>
+                  <a:latin typeface="Times New Roman" panose="02020603050405020304" pitchFamily="18" charset="0"/>
+                  <a:cs typeface="Times New Roman" panose="02020603050405020304" pitchFamily="18" charset="0"/>
+                </a:rPr>
+                <a:t> XML to YAML</a:t>
+              </a:r>
+              <a:endParaRPr lang="zh-CN" altLang="en-US" sz="1400" dirty="0">
                 <a:solidFill>
                   <a:schemeClr val="tx1"/>
                 </a:solidFill>
                 <a:latin typeface="Times New Roman" panose="02020603050405020304" pitchFamily="18" charset="0"/>
                 <a:cs typeface="Times New Roman" panose="02020603050405020304" pitchFamily="18" charset="0"/>
-              </a:rPr>
-              <a:t>5</a:t>
-            </a:r>
-            <a:endParaRPr lang="zh-CN" altLang="en-US" sz="2400" b="1" dirty="0">
+              </a:endParaRPr>
+            </a:p>
+          </p:txBody>
+        </p:sp>
+        <p:sp>
+          <p:nvSpPr>
+            <p:cNvPr id="111" name="椭圆 110"/>
+            <p:cNvSpPr/>
+            <p:nvPr/>
+          </p:nvSpPr>
+          <p:spPr>
+            <a:xfrm>
+              <a:off x="5763169" y="1292259"/>
+              <a:ext cx="683394" cy="606627"/>
+            </a:xfrm>
+            <a:prstGeom prst="ellipse">
+              <a:avLst/>
+            </a:prstGeom>
+            <a:solidFill>
+              <a:schemeClr val="bg1"/>
+            </a:solidFill>
+            <a:ln w="9525">
               <a:solidFill>
                 <a:schemeClr val="tx1"/>
               </a:solidFill>
-              <a:latin typeface="Times New Roman" panose="02020603050405020304" pitchFamily="18" charset="0"/>
-              <a:cs typeface="Times New Roman" panose="02020603050405020304" pitchFamily="18" charset="0"/>
-            </a:endParaRPr>
-          </a:p>
-        </p:txBody>
-      </p:sp>
-      <p:sp>
-        <p:nvSpPr>
-          <p:cNvPr id="109" name="矩形 108"/>
-          <p:cNvSpPr/>
-          <p:nvPr/>
-        </p:nvSpPr>
-        <p:spPr>
-          <a:xfrm>
-            <a:off x="3322923" y="1367528"/>
-            <a:ext cx="2323069" cy="853202"/>
-          </a:xfrm>
-          <a:prstGeom prst="rect">
-            <a:avLst/>
-          </a:prstGeom>
-          <a:solidFill>
-            <a:schemeClr val="bg1"/>
-          </a:solidFill>
-          <a:ln w="38100">
-            <a:solidFill>
-              <a:schemeClr val="tx1"/>
-            </a:solidFill>
-          </a:ln>
-        </p:spPr>
-        <p:style>
-          <a:lnRef idx="2">
-            <a:schemeClr val="accent1">
-              <a:shade val="50000"/>
-            </a:schemeClr>
-          </a:lnRef>
-          <a:fillRef idx="1">
-            <a:schemeClr val="accent1"/>
-          </a:fillRef>
-          <a:effectRef idx="0">
-            <a:schemeClr val="accent1"/>
-          </a:effectRef>
-          <a:fontRef idx="minor">
-            <a:schemeClr val="lt1"/>
-          </a:fontRef>
-        </p:style>
-        <p:txBody>
-          <a:bodyPr rtlCol="0" anchor="ctr"/>
-          <a:lstStyle/>
-          <a:p>
-            <a:pPr algn="ctr"/>
-            <a:r>
-              <a:rPr lang="en-US" altLang="zh-CN" dirty="0" err="1" smtClean="0">
+            </a:ln>
+          </p:spPr>
+          <p:style>
+            <a:lnRef idx="2">
+              <a:schemeClr val="accent1">
+                <a:shade val="50000"/>
+              </a:schemeClr>
+            </a:lnRef>
+            <a:fillRef idx="1">
+              <a:schemeClr val="accent1"/>
+            </a:fillRef>
+            <a:effectRef idx="0">
+              <a:schemeClr val="accent1"/>
+            </a:effectRef>
+            <a:fontRef idx="minor">
+              <a:schemeClr val="lt1"/>
+            </a:fontRef>
+          </p:style>
+          <p:txBody>
+            <a:bodyPr rtlCol="0" anchor="ctr"/>
+            <a:lstStyle/>
+            <a:p>
+              <a:pPr algn="ctr"/>
+              <a:r>
+                <a:rPr lang="en-US" altLang="zh-CN" sz="2400" b="1" dirty="0" smtClean="0">
+                  <a:solidFill>
+                    <a:schemeClr val="tx1"/>
+                  </a:solidFill>
+                  <a:latin typeface="Times New Roman" panose="02020603050405020304" pitchFamily="18" charset="0"/>
+                  <a:cs typeface="Times New Roman" panose="02020603050405020304" pitchFamily="18" charset="0"/>
+                </a:rPr>
+                <a:t>1</a:t>
+              </a:r>
+              <a:endParaRPr lang="zh-CN" altLang="en-US" sz="2400" b="1" dirty="0">
                 <a:solidFill>
                   <a:schemeClr val="tx1"/>
                 </a:solidFill>
                 <a:latin typeface="Times New Roman" panose="02020603050405020304" pitchFamily="18" charset="0"/>
                 <a:cs typeface="Times New Roman" panose="02020603050405020304" pitchFamily="18" charset="0"/>
-              </a:rPr>
-              <a:t>Analyser</a:t>
-            </a:r>
-            <a:endParaRPr lang="en-US" altLang="zh-CN" dirty="0" smtClean="0">
+              </a:endParaRPr>
+            </a:p>
+          </p:txBody>
+        </p:sp>
+        <p:cxnSp>
+          <p:nvCxnSpPr>
+            <p:cNvPr id="112" name="直接箭头连接符 111"/>
+            <p:cNvCxnSpPr/>
+            <p:nvPr/>
+          </p:nvCxnSpPr>
+          <p:spPr>
+            <a:xfrm>
+              <a:off x="2599695" y="1805447"/>
+              <a:ext cx="0" cy="2724442"/>
+            </a:xfrm>
+            <a:prstGeom prst="straightConnector1">
+              <a:avLst/>
+            </a:prstGeom>
+            <a:ln w="38100">
               <a:solidFill>
                 <a:schemeClr val="tx1"/>
               </a:solidFill>
-              <a:latin typeface="Times New Roman" panose="02020603050405020304" pitchFamily="18" charset="0"/>
-              <a:cs typeface="Times New Roman" panose="02020603050405020304" pitchFamily="18" charset="0"/>
-            </a:endParaRPr>
-          </a:p>
-          <a:p>
-            <a:pPr algn="ctr"/>
-            <a:r>
-              <a:rPr lang="en-US" altLang="zh-CN" sz="1400" dirty="0" smtClean="0">
+              <a:prstDash val="sysDot"/>
+              <a:tailEnd type="triangle"/>
+            </a:ln>
+          </p:spPr>
+          <p:style>
+            <a:lnRef idx="1">
+              <a:schemeClr val="accent1"/>
+            </a:lnRef>
+            <a:fillRef idx="0">
+              <a:schemeClr val="accent1"/>
+            </a:fillRef>
+            <a:effectRef idx="0">
+              <a:schemeClr val="accent1"/>
+            </a:effectRef>
+            <a:fontRef idx="minor">
+              <a:schemeClr val="tx1"/>
+            </a:fontRef>
+          </p:style>
+        </p:cxnSp>
+        <p:cxnSp>
+          <p:nvCxnSpPr>
+            <p:cNvPr id="114" name="直接箭头连接符 113"/>
+            <p:cNvCxnSpPr/>
+            <p:nvPr/>
+          </p:nvCxnSpPr>
+          <p:spPr>
+            <a:xfrm flipH="1">
+              <a:off x="2599696" y="1805447"/>
+              <a:ext cx="682519" cy="0"/>
+            </a:xfrm>
+            <a:prstGeom prst="straightConnector1">
+              <a:avLst/>
+            </a:prstGeom>
+            <a:ln w="38100">
+              <a:solidFill>
+                <a:schemeClr val="tx1"/>
+              </a:solidFill>
+              <a:prstDash val="sysDot"/>
+              <a:tailEnd type="none"/>
+            </a:ln>
+          </p:spPr>
+          <p:style>
+            <a:lnRef idx="1">
+              <a:schemeClr val="accent1"/>
+            </a:lnRef>
+            <a:fillRef idx="0">
+              <a:schemeClr val="accent1"/>
+            </a:fillRef>
+            <a:effectRef idx="0">
+              <a:schemeClr val="accent1"/>
+            </a:effectRef>
+            <a:fontRef idx="minor">
+              <a:schemeClr val="tx1"/>
+            </a:fontRef>
+          </p:style>
+        </p:cxnSp>
+        <p:sp>
+          <p:nvSpPr>
+            <p:cNvPr id="119" name="矩形 118"/>
+            <p:cNvSpPr/>
+            <p:nvPr/>
+          </p:nvSpPr>
+          <p:spPr>
+            <a:xfrm>
+              <a:off x="7483882" y="1367528"/>
+              <a:ext cx="2323069" cy="853202"/>
+            </a:xfrm>
+            <a:prstGeom prst="rect">
+              <a:avLst/>
+            </a:prstGeom>
+            <a:solidFill>
+              <a:schemeClr val="bg1"/>
+            </a:solidFill>
+            <a:ln w="38100">
+              <a:solidFill>
+                <a:schemeClr val="tx1"/>
+              </a:solidFill>
+            </a:ln>
+          </p:spPr>
+          <p:style>
+            <a:lnRef idx="2">
+              <a:schemeClr val="accent1">
+                <a:shade val="50000"/>
+              </a:schemeClr>
+            </a:lnRef>
+            <a:fillRef idx="1">
+              <a:schemeClr val="accent1"/>
+            </a:fillRef>
+            <a:effectRef idx="0">
+              <a:schemeClr val="accent1"/>
+            </a:effectRef>
+            <a:fontRef idx="minor">
+              <a:schemeClr val="lt1"/>
+            </a:fontRef>
+          </p:style>
+          <p:txBody>
+            <a:bodyPr rtlCol="0" anchor="ctr"/>
+            <a:lstStyle/>
+            <a:p>
+              <a:pPr algn="ctr"/>
+              <a:r>
+                <a:rPr lang="en-US" altLang="zh-CN" dirty="0" smtClean="0">
+                  <a:solidFill>
+                    <a:schemeClr val="tx1"/>
+                  </a:solidFill>
+                  <a:latin typeface="Times New Roman" panose="02020603050405020304" pitchFamily="18" charset="0"/>
+                  <a:cs typeface="Times New Roman" panose="02020603050405020304" pitchFamily="18" charset="0"/>
+                </a:rPr>
+                <a:t>Convertor</a:t>
+              </a:r>
+              <a:endParaRPr lang="en-US" altLang="zh-CN" dirty="0" smtClean="0">
                 <a:solidFill>
                   <a:schemeClr val="tx1"/>
                 </a:solidFill>
                 <a:latin typeface="Times New Roman" panose="02020603050405020304" pitchFamily="18" charset="0"/>
                 <a:cs typeface="Times New Roman" panose="02020603050405020304" pitchFamily="18" charset="0"/>
-              </a:rPr>
-              <a:t>Convert </a:t>
-            </a:r>
-            <a:r>
-              <a:rPr lang="en-US" altLang="zh-CN" sz="1400" dirty="0" err="1" smtClean="0">
+              </a:endParaRPr>
+            </a:p>
+            <a:p>
+              <a:pPr algn="ctr"/>
+              <a:r>
+                <a:rPr lang="en-US" altLang="zh-CN" sz="1400" dirty="0" smtClean="0">
+                  <a:solidFill>
+                    <a:schemeClr val="tx1"/>
+                  </a:solidFill>
+                  <a:latin typeface="Times New Roman" panose="02020603050405020304" pitchFamily="18" charset="0"/>
+                  <a:cs typeface="Times New Roman" panose="02020603050405020304" pitchFamily="18" charset="0"/>
+                </a:rPr>
+                <a:t>Convert </a:t>
+              </a:r>
+              <a:r>
+                <a:rPr lang="en-US" altLang="zh-CN" sz="1400" dirty="0" err="1" smtClean="0">
+                  <a:solidFill>
+                    <a:schemeClr val="tx1"/>
+                  </a:solidFill>
+                  <a:latin typeface="Times New Roman" panose="02020603050405020304" pitchFamily="18" charset="0"/>
+                  <a:cs typeface="Times New Roman" panose="02020603050405020304" pitchFamily="18" charset="0"/>
+                </a:rPr>
+                <a:t>kubernetes’s</a:t>
+              </a:r>
+              <a:r>
+                <a:rPr lang="en-US" altLang="zh-CN" sz="1400" dirty="0" smtClean="0">
+                  <a:solidFill>
+                    <a:schemeClr val="tx1"/>
+                  </a:solidFill>
+                  <a:latin typeface="Times New Roman" panose="02020603050405020304" pitchFamily="18" charset="0"/>
+                  <a:cs typeface="Times New Roman" panose="02020603050405020304" pitchFamily="18" charset="0"/>
+                </a:rPr>
+                <a:t> YAML  to XML</a:t>
+              </a:r>
+              <a:endParaRPr lang="zh-CN" altLang="en-US" sz="1400" dirty="0">
                 <a:solidFill>
                   <a:schemeClr val="tx1"/>
                 </a:solidFill>
                 <a:latin typeface="Times New Roman" panose="02020603050405020304" pitchFamily="18" charset="0"/>
                 <a:cs typeface="Times New Roman" panose="02020603050405020304" pitchFamily="18" charset="0"/>
-              </a:rPr>
-              <a:t>libvirt’s</a:t>
-            </a:r>
-            <a:r>
-              <a:rPr lang="en-US" altLang="zh-CN" sz="1400" dirty="0" smtClean="0">
+              </a:endParaRPr>
+            </a:p>
+          </p:txBody>
+        </p:sp>
+        <p:sp>
+          <p:nvSpPr>
+            <p:cNvPr id="120" name="椭圆 119"/>
+            <p:cNvSpPr/>
+            <p:nvPr/>
+          </p:nvSpPr>
+          <p:spPr>
+            <a:xfrm>
+              <a:off x="6714579" y="1292259"/>
+              <a:ext cx="683394" cy="606627"/>
+            </a:xfrm>
+            <a:prstGeom prst="ellipse">
+              <a:avLst/>
+            </a:prstGeom>
+            <a:solidFill>
+              <a:schemeClr val="bg1"/>
+            </a:solidFill>
+            <a:ln w="9525">
+              <a:solidFill>
+                <a:schemeClr val="tx1"/>
+              </a:solidFill>
+            </a:ln>
+          </p:spPr>
+          <p:style>
+            <a:lnRef idx="2">
+              <a:schemeClr val="accent1">
+                <a:shade val="50000"/>
+              </a:schemeClr>
+            </a:lnRef>
+            <a:fillRef idx="1">
+              <a:schemeClr val="accent1"/>
+            </a:fillRef>
+            <a:effectRef idx="0">
+              <a:schemeClr val="accent1"/>
+            </a:effectRef>
+            <a:fontRef idx="minor">
+              <a:schemeClr val="lt1"/>
+            </a:fontRef>
+          </p:style>
+          <p:txBody>
+            <a:bodyPr rtlCol="0" anchor="ctr"/>
+            <a:lstStyle/>
+            <a:p>
+              <a:pPr algn="ctr"/>
+              <a:r>
+                <a:rPr lang="en-US" altLang="zh-CN" sz="2400" b="1" dirty="0" smtClean="0">
+                  <a:solidFill>
+                    <a:schemeClr val="tx1"/>
+                  </a:solidFill>
+                  <a:latin typeface="Times New Roman" panose="02020603050405020304" pitchFamily="18" charset="0"/>
+                  <a:cs typeface="Times New Roman" panose="02020603050405020304" pitchFamily="18" charset="0"/>
+                </a:rPr>
+                <a:t>6</a:t>
+              </a:r>
+              <a:endParaRPr lang="zh-CN" altLang="en-US" sz="2400" b="1" dirty="0">
                 <a:solidFill>
                   <a:schemeClr val="tx1"/>
                 </a:solidFill>
                 <a:latin typeface="Times New Roman" panose="02020603050405020304" pitchFamily="18" charset="0"/>
                 <a:cs typeface="Times New Roman" panose="02020603050405020304" pitchFamily="18" charset="0"/>
-              </a:rPr>
-              <a:t> XML to YAML</a:t>
-            </a:r>
-            <a:endParaRPr lang="zh-CN" altLang="en-US" sz="1400" dirty="0">
+              </a:endParaRPr>
+            </a:p>
+          </p:txBody>
+        </p:sp>
+        <p:cxnSp>
+          <p:nvCxnSpPr>
+            <p:cNvPr id="122" name="直接箭头连接符 121"/>
+            <p:cNvCxnSpPr>
+              <a:endCxn id="119" idx="3"/>
+            </p:cNvCxnSpPr>
+            <p:nvPr/>
+          </p:nvCxnSpPr>
+          <p:spPr>
+            <a:xfrm flipH="1" flipV="1">
+              <a:off x="9806951" y="1794129"/>
+              <a:ext cx="757564" cy="11318"/>
+            </a:xfrm>
+            <a:prstGeom prst="straightConnector1">
+              <a:avLst/>
+            </a:prstGeom>
+            <a:ln w="38100">
               <a:solidFill>
                 <a:schemeClr val="tx1"/>
               </a:solidFill>
-              <a:latin typeface="Times New Roman" panose="02020603050405020304" pitchFamily="18" charset="0"/>
-              <a:cs typeface="Times New Roman" panose="02020603050405020304" pitchFamily="18" charset="0"/>
-            </a:endParaRPr>
-          </a:p>
-        </p:txBody>
-      </p:sp>
-      <p:sp>
-        <p:nvSpPr>
-          <p:cNvPr id="111" name="椭圆 110"/>
-          <p:cNvSpPr/>
-          <p:nvPr/>
-        </p:nvSpPr>
-        <p:spPr>
-          <a:xfrm>
-            <a:off x="5722047" y="1469282"/>
-            <a:ext cx="683394" cy="606627"/>
-          </a:xfrm>
-          <a:prstGeom prst="ellipse">
-            <a:avLst/>
-          </a:prstGeom>
-          <a:solidFill>
-            <a:schemeClr val="bg1"/>
-          </a:solidFill>
-          <a:ln w="9525">
-            <a:solidFill>
+              <a:prstDash val="sysDot"/>
+              <a:headEnd type="none"/>
+              <a:tailEnd type="triangle"/>
+            </a:ln>
+          </p:spPr>
+          <p:style>
+            <a:lnRef idx="1">
+              <a:schemeClr val="accent1"/>
+            </a:lnRef>
+            <a:fillRef idx="0">
+              <a:schemeClr val="accent1"/>
+            </a:fillRef>
+            <a:effectRef idx="0">
+              <a:schemeClr val="accent1"/>
+            </a:effectRef>
+            <a:fontRef idx="minor">
               <a:schemeClr val="tx1"/>
-            </a:solidFill>
-          </a:ln>
-        </p:spPr>
-        <p:style>
-          <a:lnRef idx="2">
-            <a:schemeClr val="accent1">
-              <a:shade val="50000"/>
-            </a:schemeClr>
-          </a:lnRef>
-          <a:fillRef idx="1">
-            <a:schemeClr val="accent1"/>
-          </a:fillRef>
-          <a:effectRef idx="0">
-            <a:schemeClr val="accent1"/>
-          </a:effectRef>
-          <a:fontRef idx="minor">
-            <a:schemeClr val="lt1"/>
-          </a:fontRef>
-        </p:style>
-        <p:txBody>
-          <a:bodyPr rtlCol="0" anchor="ctr"/>
-          <a:lstStyle/>
-          <a:p>
-            <a:pPr algn="ctr"/>
-            <a:r>
-              <a:rPr lang="en-US" altLang="zh-CN" sz="2400" b="1" dirty="0" smtClean="0">
-                <a:solidFill>
-                  <a:schemeClr val="tx1"/>
-                </a:solidFill>
-                <a:latin typeface="Times New Roman" panose="02020603050405020304" pitchFamily="18" charset="0"/>
-                <a:cs typeface="Times New Roman" panose="02020603050405020304" pitchFamily="18" charset="0"/>
-              </a:rPr>
-              <a:t>1</a:t>
-            </a:r>
-            <a:endParaRPr lang="zh-CN" altLang="en-US" sz="2400" b="1" dirty="0">
+            </a:fontRef>
+          </p:style>
+        </p:cxnSp>
+        <p:cxnSp>
+          <p:nvCxnSpPr>
+            <p:cNvPr id="123" name="直接箭头连接符 122"/>
+            <p:cNvCxnSpPr/>
+            <p:nvPr/>
+          </p:nvCxnSpPr>
+          <p:spPr>
+            <a:xfrm>
+              <a:off x="10564515" y="1805447"/>
+              <a:ext cx="0" cy="2724442"/>
+            </a:xfrm>
+            <a:prstGeom prst="straightConnector1">
+              <a:avLst/>
+            </a:prstGeom>
+            <a:ln w="38100">
               <a:solidFill>
                 <a:schemeClr val="tx1"/>
               </a:solidFill>
-              <a:latin typeface="Times New Roman" panose="02020603050405020304" pitchFamily="18" charset="0"/>
-              <a:cs typeface="Times New Roman" panose="02020603050405020304" pitchFamily="18" charset="0"/>
-            </a:endParaRPr>
-          </a:p>
-        </p:txBody>
-      </p:sp>
-      <p:cxnSp>
-        <p:nvCxnSpPr>
-          <p:cNvPr id="112" name="直接箭头连接符 111"/>
-          <p:cNvCxnSpPr/>
-          <p:nvPr/>
-        </p:nvCxnSpPr>
-        <p:spPr>
-          <a:xfrm>
-            <a:off x="2599695" y="1805447"/>
-            <a:ext cx="0" cy="2724442"/>
-          </a:xfrm>
-          <a:prstGeom prst="straightConnector1">
-            <a:avLst/>
-          </a:prstGeom>
-          <a:ln w="38100">
-            <a:solidFill>
+              <a:prstDash val="sysDot"/>
+              <a:tailEnd type="none"/>
+            </a:ln>
+          </p:spPr>
+          <p:style>
+            <a:lnRef idx="1">
+              <a:schemeClr val="accent1"/>
+            </a:lnRef>
+            <a:fillRef idx="0">
+              <a:schemeClr val="accent1"/>
+            </a:fillRef>
+            <a:effectRef idx="0">
+              <a:schemeClr val="accent1"/>
+            </a:effectRef>
+            <a:fontRef idx="minor">
               <a:schemeClr val="tx1"/>
-            </a:solidFill>
-            <a:prstDash val="sysDot"/>
-            <a:tailEnd type="triangle"/>
-          </a:ln>
-        </p:spPr>
-        <p:style>
-          <a:lnRef idx="1">
-            <a:schemeClr val="accent1"/>
-          </a:lnRef>
-          <a:fillRef idx="0">
-            <a:schemeClr val="accent1"/>
-          </a:fillRef>
-          <a:effectRef idx="0">
-            <a:schemeClr val="accent1"/>
-          </a:effectRef>
-          <a:fontRef idx="minor">
-            <a:schemeClr val="tx1"/>
-          </a:fontRef>
-        </p:style>
-      </p:cxnSp>
-      <p:cxnSp>
-        <p:nvCxnSpPr>
-          <p:cNvPr id="114" name="直接箭头连接符 113"/>
-          <p:cNvCxnSpPr/>
-          <p:nvPr/>
-        </p:nvCxnSpPr>
-        <p:spPr>
-          <a:xfrm flipH="1">
-            <a:off x="2599696" y="1805447"/>
-            <a:ext cx="682519" cy="0"/>
-          </a:xfrm>
-          <a:prstGeom prst="straightConnector1">
-            <a:avLst/>
-          </a:prstGeom>
-          <a:ln w="38100">
-            <a:solidFill>
-              <a:schemeClr val="tx1"/>
-            </a:solidFill>
-            <a:prstDash val="sysDot"/>
-            <a:tailEnd type="none"/>
-          </a:ln>
-        </p:spPr>
-        <p:style>
-          <a:lnRef idx="1">
-            <a:schemeClr val="accent1"/>
-          </a:lnRef>
-          <a:fillRef idx="0">
-            <a:schemeClr val="accent1"/>
-          </a:fillRef>
-          <a:effectRef idx="0">
-            <a:schemeClr val="accent1"/>
-          </a:effectRef>
-          <a:fontRef idx="minor">
-            <a:schemeClr val="tx1"/>
-          </a:fontRef>
-        </p:style>
-      </p:cxnSp>
-      <p:sp>
-        <p:nvSpPr>
-          <p:cNvPr id="119" name="矩形 118"/>
-          <p:cNvSpPr/>
-          <p:nvPr/>
-        </p:nvSpPr>
-        <p:spPr>
-          <a:xfrm>
-            <a:off x="7483882" y="1367528"/>
-            <a:ext cx="2323069" cy="853202"/>
-          </a:xfrm>
-          <a:prstGeom prst="rect">
-            <a:avLst/>
-          </a:prstGeom>
-          <a:solidFill>
-            <a:schemeClr val="bg1"/>
-          </a:solidFill>
-          <a:ln w="38100">
-            <a:solidFill>
-              <a:schemeClr val="tx1"/>
-            </a:solidFill>
-          </a:ln>
-        </p:spPr>
-        <p:style>
-          <a:lnRef idx="2">
-            <a:schemeClr val="accent1">
-              <a:shade val="50000"/>
-            </a:schemeClr>
-          </a:lnRef>
-          <a:fillRef idx="1">
-            <a:schemeClr val="accent1"/>
-          </a:fillRef>
-          <a:effectRef idx="0">
-            <a:schemeClr val="accent1"/>
-          </a:effectRef>
-          <a:fontRef idx="minor">
-            <a:schemeClr val="lt1"/>
-          </a:fontRef>
-        </p:style>
-        <p:txBody>
-          <a:bodyPr rtlCol="0" anchor="ctr"/>
-          <a:lstStyle/>
-          <a:p>
-            <a:pPr algn="ctr"/>
-            <a:r>
-              <a:rPr lang="en-US" altLang="zh-CN" dirty="0" smtClean="0">
-                <a:solidFill>
-                  <a:schemeClr val="tx1"/>
-                </a:solidFill>
-                <a:latin typeface="Times New Roman" panose="02020603050405020304" pitchFamily="18" charset="0"/>
-                <a:cs typeface="Times New Roman" panose="02020603050405020304" pitchFamily="18" charset="0"/>
-              </a:rPr>
-              <a:t>Parser</a:t>
-            </a:r>
-          </a:p>
-          <a:p>
-            <a:pPr algn="ctr"/>
-            <a:r>
-              <a:rPr lang="en-US" altLang="zh-CN" sz="1400" dirty="0" smtClean="0">
-                <a:solidFill>
-                  <a:schemeClr val="tx1"/>
-                </a:solidFill>
-                <a:latin typeface="Times New Roman" panose="02020603050405020304" pitchFamily="18" charset="0"/>
-                <a:cs typeface="Times New Roman" panose="02020603050405020304" pitchFamily="18" charset="0"/>
-              </a:rPr>
-              <a:t>Convert </a:t>
-            </a:r>
-            <a:r>
-              <a:rPr lang="en-US" altLang="zh-CN" sz="1400" dirty="0" err="1" smtClean="0">
-                <a:solidFill>
-                  <a:schemeClr val="tx1"/>
-                </a:solidFill>
-                <a:latin typeface="Times New Roman" panose="02020603050405020304" pitchFamily="18" charset="0"/>
-                <a:cs typeface="Times New Roman" panose="02020603050405020304" pitchFamily="18" charset="0"/>
-              </a:rPr>
-              <a:t>kubernetes’s</a:t>
-            </a:r>
-            <a:r>
-              <a:rPr lang="en-US" altLang="zh-CN" sz="1400" dirty="0" smtClean="0">
-                <a:solidFill>
-                  <a:schemeClr val="tx1"/>
-                </a:solidFill>
-                <a:latin typeface="Times New Roman" panose="02020603050405020304" pitchFamily="18" charset="0"/>
-                <a:cs typeface="Times New Roman" panose="02020603050405020304" pitchFamily="18" charset="0"/>
-              </a:rPr>
-              <a:t> YAML  to XML</a:t>
-            </a:r>
-            <a:endParaRPr lang="zh-CN" altLang="en-US" sz="1400" dirty="0">
+            </a:fontRef>
+          </p:style>
+        </p:cxnSp>
+        <p:cxnSp>
+          <p:nvCxnSpPr>
+            <p:cNvPr id="69" name="直接箭头连接符 68"/>
+            <p:cNvCxnSpPr/>
+            <p:nvPr/>
+          </p:nvCxnSpPr>
+          <p:spPr>
+            <a:xfrm>
+              <a:off x="5637125" y="2017419"/>
+              <a:ext cx="1846757" cy="8231"/>
+            </a:xfrm>
+            <a:prstGeom prst="straightConnector1">
+              <a:avLst/>
+            </a:prstGeom>
+            <a:ln w="38100">
               <a:solidFill>
                 <a:schemeClr val="tx1"/>
               </a:solidFill>
-              <a:latin typeface="Times New Roman" panose="02020603050405020304" pitchFamily="18" charset="0"/>
-              <a:cs typeface="Times New Roman" panose="02020603050405020304" pitchFamily="18" charset="0"/>
-            </a:endParaRPr>
-          </a:p>
-        </p:txBody>
-      </p:sp>
-      <p:sp>
-        <p:nvSpPr>
-          <p:cNvPr id="120" name="椭圆 119"/>
-          <p:cNvSpPr/>
-          <p:nvPr/>
-        </p:nvSpPr>
-        <p:spPr>
-          <a:xfrm>
-            <a:off x="6691908" y="1458764"/>
-            <a:ext cx="683394" cy="606627"/>
-          </a:xfrm>
-          <a:prstGeom prst="ellipse">
-            <a:avLst/>
-          </a:prstGeom>
-          <a:solidFill>
-            <a:schemeClr val="bg1"/>
-          </a:solidFill>
-          <a:ln w="9525">
-            <a:solidFill>
+              <a:prstDash val="sysDot"/>
+              <a:tailEnd type="triangle"/>
+            </a:ln>
+          </p:spPr>
+          <p:style>
+            <a:lnRef idx="1">
+              <a:schemeClr val="accent1"/>
+            </a:lnRef>
+            <a:fillRef idx="0">
+              <a:schemeClr val="accent1"/>
+            </a:fillRef>
+            <a:effectRef idx="0">
+              <a:schemeClr val="accent1"/>
+            </a:effectRef>
+            <a:fontRef idx="minor">
               <a:schemeClr val="tx1"/>
-            </a:solidFill>
-          </a:ln>
-        </p:spPr>
-        <p:style>
-          <a:lnRef idx="2">
-            <a:schemeClr val="accent1">
-              <a:shade val="50000"/>
-            </a:schemeClr>
-          </a:lnRef>
-          <a:fillRef idx="1">
-            <a:schemeClr val="accent1"/>
-          </a:fillRef>
-          <a:effectRef idx="0">
-            <a:schemeClr val="accent1"/>
-          </a:effectRef>
-          <a:fontRef idx="minor">
-            <a:schemeClr val="lt1"/>
-          </a:fontRef>
-        </p:style>
-        <p:txBody>
-          <a:bodyPr rtlCol="0" anchor="ctr"/>
-          <a:lstStyle/>
-          <a:p>
-            <a:pPr algn="ctr"/>
-            <a:r>
-              <a:rPr lang="en-US" altLang="zh-CN" sz="2400" b="1" dirty="0" smtClean="0">
-                <a:solidFill>
-                  <a:schemeClr val="tx1"/>
-                </a:solidFill>
-                <a:latin typeface="Times New Roman" panose="02020603050405020304" pitchFamily="18" charset="0"/>
-                <a:cs typeface="Times New Roman" panose="02020603050405020304" pitchFamily="18" charset="0"/>
-              </a:rPr>
-              <a:t>6</a:t>
-            </a:r>
-            <a:endParaRPr lang="zh-CN" altLang="en-US" sz="2400" b="1" dirty="0">
-              <a:solidFill>
-                <a:schemeClr val="tx1"/>
-              </a:solidFill>
-              <a:latin typeface="Times New Roman" panose="02020603050405020304" pitchFamily="18" charset="0"/>
-              <a:cs typeface="Times New Roman" panose="02020603050405020304" pitchFamily="18" charset="0"/>
-            </a:endParaRPr>
-          </a:p>
-        </p:txBody>
-      </p:sp>
-      <p:cxnSp>
-        <p:nvCxnSpPr>
-          <p:cNvPr id="122" name="直接箭头连接符 121"/>
-          <p:cNvCxnSpPr/>
-          <p:nvPr/>
-        </p:nvCxnSpPr>
-        <p:spPr>
-          <a:xfrm flipH="1">
-            <a:off x="9803839" y="1789748"/>
-            <a:ext cx="682519" cy="0"/>
-          </a:xfrm>
-          <a:prstGeom prst="straightConnector1">
-            <a:avLst/>
-          </a:prstGeom>
-          <a:ln w="38100">
-            <a:solidFill>
-              <a:schemeClr val="tx1"/>
-            </a:solidFill>
-            <a:prstDash val="sysDot"/>
-            <a:tailEnd type="none"/>
-          </a:ln>
-        </p:spPr>
-        <p:style>
-          <a:lnRef idx="1">
-            <a:schemeClr val="accent1"/>
-          </a:lnRef>
-          <a:fillRef idx="0">
-            <a:schemeClr val="accent1"/>
-          </a:fillRef>
-          <a:effectRef idx="0">
-            <a:schemeClr val="accent1"/>
-          </a:effectRef>
-          <a:fontRef idx="minor">
-            <a:schemeClr val="tx1"/>
-          </a:fontRef>
-        </p:style>
-      </p:cxnSp>
-      <p:cxnSp>
-        <p:nvCxnSpPr>
-          <p:cNvPr id="123" name="直接箭头连接符 122"/>
-          <p:cNvCxnSpPr/>
-          <p:nvPr/>
-        </p:nvCxnSpPr>
-        <p:spPr>
-          <a:xfrm>
-            <a:off x="10564515" y="1805447"/>
-            <a:ext cx="0" cy="2724442"/>
-          </a:xfrm>
-          <a:prstGeom prst="straightConnector1">
-            <a:avLst/>
-          </a:prstGeom>
-          <a:ln w="38100">
-            <a:solidFill>
-              <a:schemeClr val="tx1"/>
-            </a:solidFill>
-            <a:prstDash val="sysDot"/>
-            <a:tailEnd type="triangle"/>
-          </a:ln>
-        </p:spPr>
-        <p:style>
-          <a:lnRef idx="1">
-            <a:schemeClr val="accent1"/>
-          </a:lnRef>
-          <a:fillRef idx="0">
-            <a:schemeClr val="accent1"/>
-          </a:fillRef>
-          <a:effectRef idx="0">
-            <a:schemeClr val="accent1"/>
-          </a:effectRef>
-          <a:fontRef idx="minor">
-            <a:schemeClr val="tx1"/>
-          </a:fontRef>
-        </p:style>
-      </p:cxnSp>
+            </a:fontRef>
+          </p:style>
+        </p:cxnSp>
+      </p:grpSp>
     </p:spTree>
     <p:extLst>
       <p:ext uri="{BB962C8B-B14F-4D97-AF65-F5344CB8AC3E}">
